--- a/Paper/présentation Soutenance Master AGABI & TIDAFI.pptx
+++ b/Paper/présentation Soutenance Master AGABI & TIDAFI.pptx
@@ -8202,7 +8202,7 @@
                 <a:ea typeface="+mn-ea"/>
                 <a:cs typeface="+mn-cs"/>
               </a:rPr>
-              <a:t>me YouTaQA un atteint un Exact Match de ∼ xx% et un F1-Score de ∼ xx%. </a:t>
+              <a:t>me YouTaQA un atteint un Exact Match de ∼ 87% et un F1-Score de ∼ 92%. </a:t>
             </a:r>
             <a:r>
               <a:rPr lang="fr-FR" sz="1200" kern="1200" dirty="0">
@@ -17215,6 +17215,7 @@
                     </a:srgbClr>
                   </a:outerShdw>
                 </a:effectLst>
+                <a:latin typeface="Chalkboard" panose="03050602040202020205" pitchFamily="66" charset="77"/>
                 <a:ea typeface="Microsoft YaHei" pitchFamily="34" charset="-122"/>
                 <a:cs typeface="+mj-cs"/>
               </a:rPr>
@@ -17246,6 +17247,7 @@
                     </a:srgbClr>
                   </a:outerShdw>
                 </a:effectLst>
+                <a:latin typeface="Chalkboard" panose="03050602040202020205" pitchFamily="66" charset="77"/>
                 <a:ea typeface="Microsoft YaHei" pitchFamily="34" charset="-122"/>
               </a:rPr>
               <a:t>Dr. BOUADJENEK Mohamed </a:t>
@@ -17265,6 +17267,7 @@
                     </a:srgbClr>
                   </a:outerShdw>
                 </a:effectLst>
+                <a:latin typeface="Chalkboard" panose="03050602040202020205" pitchFamily="66" charset="77"/>
                 <a:ea typeface="Microsoft YaHei" pitchFamily="34" charset="-122"/>
               </a:rPr>
               <a:t>Reda</a:t>
@@ -17283,6 +17286,7 @@
                   </a:srgbClr>
                 </a:outerShdw>
               </a:effectLst>
+              <a:latin typeface="Chalkboard" panose="03050602040202020205" pitchFamily="66" charset="77"/>
               <a:ea typeface="Microsoft YaHei" pitchFamily="34" charset="-122"/>
             </a:endParaRPr>
           </a:p>
@@ -17311,6 +17315,7 @@
                     </a:srgbClr>
                   </a:outerShdw>
                 </a:effectLst>
+                <a:latin typeface="Chalkboard" panose="03050602040202020205" pitchFamily="66" charset="77"/>
                 <a:ea typeface="Microsoft YaHei" pitchFamily="34" charset="-122"/>
               </a:rPr>
               <a:t>Dr. ZIANI Amel</a:t>
@@ -17340,6 +17345,7 @@
                   </a:srgbClr>
                 </a:outerShdw>
               </a:effectLst>
+              <a:latin typeface="Chalkboard" panose="03050602040202020205" pitchFamily="66" charset="77"/>
               <a:ea typeface="Microsoft YaHei" pitchFamily="34" charset="-122"/>
             </a:endParaRPr>
           </a:p>
@@ -17353,8 +17359,8 @@
         </p:nvSpPr>
         <p:spPr>
           <a:xfrm>
-            <a:off x="144771" y="1340893"/>
-            <a:ext cx="8857715" cy="1965278"/>
+            <a:off x="257363" y="1403398"/>
+            <a:ext cx="8606950" cy="1965278"/>
           </a:xfrm>
           <a:prstGeom prst="roundRect">
             <a:avLst/>
@@ -17388,6 +17394,7 @@
                     </a:srgbClr>
                   </a:outerShdw>
                 </a:effectLst>
+                <a:latin typeface="Chalkboard" panose="03050602040202020205" pitchFamily="66" charset="77"/>
               </a:rPr>
               <a:t>YouTaQA</a:t>
             </a:r>
@@ -17400,6 +17407,7 @@
                     </a:srgbClr>
                   </a:outerShdw>
                 </a:effectLst>
+                <a:latin typeface="Chalkboard" panose="03050602040202020205" pitchFamily="66" charset="77"/>
               </a:rPr>
               <a:t> : Système de questions-réponses intelligent basé sur le </a:t>
             </a:r>
@@ -17412,6 +17420,7 @@
                     </a:srgbClr>
                   </a:outerShdw>
                 </a:effectLst>
+                <a:latin typeface="Chalkboard" panose="03050602040202020205" pitchFamily="66" charset="77"/>
               </a:rPr>
               <a:t>Deep</a:t>
             </a:r>
@@ -17424,6 +17433,7 @@
                     </a:srgbClr>
                   </a:outerShdw>
                 </a:effectLst>
+                <a:latin typeface="Chalkboard" panose="03050602040202020205" pitchFamily="66" charset="77"/>
               </a:rPr>
               <a:t> Learning et la recherche d’information</a:t>
             </a:r>
@@ -17469,6 +17479,7 @@
                     </a:srgbClr>
                   </a:outerShdw>
                 </a:effectLst>
+                <a:latin typeface="Chalkboard" panose="03050602040202020205" pitchFamily="66" charset="77"/>
                 <a:ea typeface="Microsoft YaHei" pitchFamily="34" charset="-122"/>
                 <a:cs typeface="+mj-cs"/>
               </a:rPr>
@@ -17500,6 +17511,7 @@
                     </a:srgbClr>
                   </a:outerShdw>
                 </a:effectLst>
+                <a:latin typeface="Chalkboard" panose="03050602040202020205" pitchFamily="66" charset="77"/>
                 <a:ea typeface="Microsoft YaHei" pitchFamily="34" charset="-122"/>
               </a:rPr>
               <a:t>Mr AGABI Rayane Younes</a:t>
@@ -17530,6 +17542,7 @@
                     </a:srgbClr>
                   </a:outerShdw>
                 </a:effectLst>
+                <a:latin typeface="Chalkboard" panose="03050602040202020205" pitchFamily="66" charset="77"/>
                 <a:ea typeface="Microsoft YaHei" pitchFamily="34" charset="-122"/>
               </a:rPr>
               <a:t>Mlle TIDAFI Asma</a:t>
@@ -17546,6 +17559,7 @@
               <a:buSzPct val="100000"/>
             </a:pPr>
             <a:endParaRPr lang="fr-FR" dirty="0">
+              <a:latin typeface="Chalkboard" panose="03050602040202020205" pitchFamily="66" charset="77"/>
               <a:ea typeface="Microsoft YaHei" pitchFamily="34" charset="-122"/>
             </a:endParaRPr>
           </a:p>
@@ -17584,7 +17598,7 @@
                 <a:solidFill>
                   <a:prstClr val="black"/>
                 </a:solidFill>
-                <a:latin typeface="Segoe UI Light" panose="020B0502040204020203" pitchFamily="34" charset="0"/>
+                <a:latin typeface="Chalkboard" panose="03050602040202020205" pitchFamily="66" charset="77"/>
                 <a:cs typeface="Segoe UI Light" panose="020B0502040204020203" pitchFamily="34" charset="0"/>
               </a:rPr>
               <a:t>Promotion: 2019-2020</a:t>
@@ -17692,8 +17706,8 @@
         </p:blipFill>
         <p:spPr>
           <a:xfrm>
-            <a:off x="2339752" y="-493659"/>
-            <a:ext cx="4023192" cy="2770067"/>
+            <a:off x="2699792" y="-108196"/>
+            <a:ext cx="3384376" cy="2330226"/>
           </a:xfrm>
           <a:prstGeom prst="rect">
             <a:avLst/>
@@ -17757,12 +17771,48 @@
           <a:lstStyle/>
           <a:p>
             <a:r>
-              <a:rPr lang="fr-FR" dirty="0"/>
+              <a:rPr lang="fr-FR" dirty="0">
+                <a:latin typeface="Chalkboard" panose="03050602040202020205" pitchFamily="66" charset="77"/>
+              </a:rPr>
               <a:t>Recherche d’information</a:t>
             </a:r>
           </a:p>
         </p:txBody>
       </p:sp>
+      <p:pic>
+        <p:nvPicPr>
+          <p:cNvPr id="7" name="Picture 6">
+            <a:extLst>
+              <a:ext uri="{FF2B5EF4-FFF2-40B4-BE49-F238E27FC236}">
+                <a16:creationId xmlns:a16="http://schemas.microsoft.com/office/drawing/2014/main" id="{33FDE8D6-A27D-AF40-A999-3B9F5645C3FF}"/>
+              </a:ext>
+            </a:extLst>
+          </p:cNvPr>
+          <p:cNvPicPr/>
+          <p:nvPr/>
+        </p:nvPicPr>
+        <p:blipFill>
+          <a:blip r:embed="rId3">
+            <a:extLst>
+              <a:ext uri="{28A0092B-C50C-407E-A947-70E740481C1C}">
+                <a14:useLocalDpi xmlns:a14="http://schemas.microsoft.com/office/drawing/2010/main" val="0"/>
+              </a:ext>
+            </a:extLst>
+          </a:blip>
+          <a:stretch>
+            <a:fillRect/>
+          </a:stretch>
+        </p:blipFill>
+        <p:spPr>
+          <a:xfrm>
+            <a:off x="-10143" y="1808693"/>
+            <a:ext cx="4157399" cy="1807798"/>
+          </a:xfrm>
+          <a:prstGeom prst="rect">
+            <a:avLst/>
+          </a:prstGeom>
+        </p:spPr>
+      </p:pic>
       <p:sp>
         <p:nvSpPr>
           <p:cNvPr id="6" name="Frame 5">
@@ -17817,44 +17867,203 @@
               <a:solidFill>
                 <a:schemeClr val="tx1"/>
               </a:solidFill>
+              <a:latin typeface="Chalkboard" panose="03050602040202020205" pitchFamily="66" charset="77"/>
             </a:endParaRPr>
           </a:p>
         </p:txBody>
       </p:sp>
-      <p:pic>
-        <p:nvPicPr>
-          <p:cNvPr id="7" name="Picture 6">
+      <p:sp>
+        <p:nvSpPr>
+          <p:cNvPr id="5" name="Oval 4">
             <a:extLst>
               <a:ext uri="{FF2B5EF4-FFF2-40B4-BE49-F238E27FC236}">
-                <a16:creationId xmlns:a16="http://schemas.microsoft.com/office/drawing/2014/main" id="{33FDE8D6-A27D-AF40-A999-3B9F5645C3FF}"/>
+                <a16:creationId xmlns:a16="http://schemas.microsoft.com/office/drawing/2014/main" id="{48E988EC-ED3E-2C49-A3F8-267AA6DAF25C}"/>
               </a:ext>
             </a:extLst>
           </p:cNvPr>
-          <p:cNvPicPr/>
+          <p:cNvSpPr/>
           <p:nvPr/>
-        </p:nvPicPr>
-        <p:blipFill>
-          <a:blip r:embed="rId3">
+        </p:nvSpPr>
+        <p:spPr>
+          <a:xfrm>
+            <a:off x="3533516" y="1797660"/>
+            <a:ext cx="628142" cy="576064"/>
+          </a:xfrm>
+          <a:prstGeom prst="ellipse">
+            <a:avLst/>
+          </a:prstGeom>
+          <a:solidFill>
+            <a:schemeClr val="accent1"/>
+          </a:solidFill>
+          <a:ln>
+            <a:noFill/>
+          </a:ln>
+        </p:spPr>
+        <p:style>
+          <a:lnRef idx="2">
+            <a:schemeClr val="accent1">
+              <a:shade val="50000"/>
+            </a:schemeClr>
+          </a:lnRef>
+          <a:fillRef idx="1">
+            <a:schemeClr val="accent1"/>
+          </a:fillRef>
+          <a:effectRef idx="0">
+            <a:schemeClr val="accent1"/>
+          </a:effectRef>
+          <a:fontRef idx="minor">
+            <a:schemeClr val="lt1"/>
+          </a:fontRef>
+        </p:style>
+        <p:txBody>
+          <a:bodyPr rot="0" spcFirstLastPara="0" vertOverflow="overflow" horzOverflow="overflow" vert="horz" wrap="square" lIns="91440" tIns="45720" rIns="91440" bIns="45720" numCol="1" spcCol="0" rtlCol="0" fromWordArt="0" anchor="ctr" anchorCtr="0" forceAA="0" compatLnSpc="1">
+            <a:noAutofit/>
+          </a:bodyPr>
+          <a:lstStyle/>
+          <a:p>
+            <a:pPr algn="ctr"/>
+            <a:endParaRPr lang="ko-KR" altLang="en-US">
+              <a:solidFill>
+                <a:srgbClr val="32AEB8"/>
+              </a:solidFill>
+              <a:latin typeface="Chalkboard" panose="03050602040202020205" pitchFamily="66" charset="77"/>
+            </a:endParaRPr>
+          </a:p>
+        </p:txBody>
+      </p:sp>
+      <p:sp>
+        <p:nvSpPr>
+          <p:cNvPr id="8" name="TextBox 7">
             <a:extLst>
-              <a:ext uri="{28A0092B-C50C-407E-A947-70E740481C1C}">
-                <a14:useLocalDpi xmlns:a14="http://schemas.microsoft.com/office/drawing/2010/main" val="0"/>
+              <a:ext uri="{FF2B5EF4-FFF2-40B4-BE49-F238E27FC236}">
+                <a16:creationId xmlns:a16="http://schemas.microsoft.com/office/drawing/2014/main" id="{8E10EFAB-F764-EF42-AAB9-5605F12F3467}"/>
               </a:ext>
             </a:extLst>
-          </a:blip>
-          <a:stretch>
-            <a:fillRect/>
-          </a:stretch>
-        </p:blipFill>
+          </p:cNvPr>
+          <p:cNvSpPr txBox="1"/>
+          <p:nvPr/>
+        </p:nvSpPr>
         <p:spPr>
           <a:xfrm>
-            <a:off x="1756876" y="1051984"/>
-            <a:ext cx="5630247" cy="3039532"/>
+            <a:off x="4372915" y="1808693"/>
+            <a:ext cx="4102843" cy="553998"/>
           </a:xfrm>
           <a:prstGeom prst="rect">
             <a:avLst/>
           </a:prstGeom>
+          <a:noFill/>
         </p:spPr>
-      </p:pic>
+        <p:txBody>
+          <a:bodyPr wrap="square" rtlCol="0">
+            <a:spAutoFit/>
+          </a:bodyPr>
+          <a:lstStyle/>
+          <a:p>
+            <a:r>
+              <a:rPr lang="fr-FR" sz="1500" b="1" dirty="0">
+                <a:latin typeface="Chalkboard" panose="03050602040202020205" pitchFamily="66" charset="77"/>
+              </a:rPr>
+              <a:t>Répondre aux besoins informationnels des utilisateurs.</a:t>
+            </a:r>
+          </a:p>
+        </p:txBody>
+      </p:sp>
+      <p:sp>
+        <p:nvSpPr>
+          <p:cNvPr id="9" name="TextBox 8">
+            <a:extLst>
+              <a:ext uri="{FF2B5EF4-FFF2-40B4-BE49-F238E27FC236}">
+                <a16:creationId xmlns:a16="http://schemas.microsoft.com/office/drawing/2014/main" id="{963A5CED-1E1B-D54D-A82C-2F407EC64E26}"/>
+              </a:ext>
+            </a:extLst>
+          </p:cNvPr>
+          <p:cNvSpPr txBox="1"/>
+          <p:nvPr/>
+        </p:nvSpPr>
+        <p:spPr>
+          <a:xfrm>
+            <a:off x="4372915" y="3057807"/>
+            <a:ext cx="5421280" cy="307777"/>
+          </a:xfrm>
+          <a:prstGeom prst="rect">
+            <a:avLst/>
+          </a:prstGeom>
+          <a:noFill/>
+        </p:spPr>
+        <p:txBody>
+          <a:bodyPr wrap="square" rtlCol="0">
+            <a:spAutoFit/>
+          </a:bodyPr>
+          <a:lstStyle/>
+          <a:p>
+            <a:r>
+              <a:rPr lang="fr-FR" sz="1400" b="1" dirty="0">
+                <a:latin typeface="Chalkboard" panose="03050602040202020205" pitchFamily="66" charset="77"/>
+              </a:rPr>
+              <a:t>Un moyen facile pour rechercher une information.</a:t>
+            </a:r>
+          </a:p>
+        </p:txBody>
+      </p:sp>
+      <p:sp>
+        <p:nvSpPr>
+          <p:cNvPr id="10" name="Oval 9">
+            <a:extLst>
+              <a:ext uri="{FF2B5EF4-FFF2-40B4-BE49-F238E27FC236}">
+                <a16:creationId xmlns:a16="http://schemas.microsoft.com/office/drawing/2014/main" id="{812280FC-B9FA-C44A-8748-38A6E729F54F}"/>
+              </a:ext>
+            </a:extLst>
+          </p:cNvPr>
+          <p:cNvSpPr/>
+          <p:nvPr/>
+        </p:nvSpPr>
+        <p:spPr>
+          <a:xfrm>
+            <a:off x="3533516" y="2923664"/>
+            <a:ext cx="628142" cy="576064"/>
+          </a:xfrm>
+          <a:prstGeom prst="ellipse">
+            <a:avLst/>
+          </a:prstGeom>
+          <a:solidFill>
+            <a:schemeClr val="accent1"/>
+          </a:solidFill>
+          <a:ln>
+            <a:noFill/>
+          </a:ln>
+        </p:spPr>
+        <p:style>
+          <a:lnRef idx="2">
+            <a:schemeClr val="accent1">
+              <a:shade val="50000"/>
+            </a:schemeClr>
+          </a:lnRef>
+          <a:fillRef idx="1">
+            <a:schemeClr val="accent1"/>
+          </a:fillRef>
+          <a:effectRef idx="0">
+            <a:schemeClr val="accent1"/>
+          </a:effectRef>
+          <a:fontRef idx="minor">
+            <a:schemeClr val="lt1"/>
+          </a:fontRef>
+        </p:style>
+        <p:txBody>
+          <a:bodyPr rot="0" spcFirstLastPara="0" vertOverflow="overflow" horzOverflow="overflow" vert="horz" wrap="square" lIns="91440" tIns="45720" rIns="91440" bIns="45720" numCol="1" spcCol="0" rtlCol="0" fromWordArt="0" anchor="ctr" anchorCtr="0" forceAA="0" compatLnSpc="1">
+            <a:noAutofit/>
+          </a:bodyPr>
+          <a:lstStyle/>
+          <a:p>
+            <a:pPr algn="ctr"/>
+            <a:endParaRPr lang="ko-KR" altLang="en-US">
+              <a:solidFill>
+                <a:srgbClr val="32AEB8"/>
+              </a:solidFill>
+              <a:latin typeface="Chalkboard" panose="03050602040202020205" pitchFamily="66" charset="77"/>
+            </a:endParaRPr>
+          </a:p>
+        </p:txBody>
+      </p:sp>
     </p:spTree>
     <p:extLst>
       <p:ext uri="{BB962C8B-B14F-4D97-AF65-F5344CB8AC3E}">
@@ -18010,6 +18219,348 @@
                             </p:childTnLst>
                           </p:cTn>
                         </p:par>
+                        <p:par>
+                          <p:cTn id="11" fill="hold">
+                            <p:stCondLst>
+                              <p:cond delay="1000"/>
+                            </p:stCondLst>
+                            <p:childTnLst>
+                              <p:par>
+                                <p:cTn id="12" presetID="42" presetClass="entr" presetSubtype="0" fill="hold" grpId="0" nodeType="afterEffect">
+                                  <p:stCondLst>
+                                    <p:cond delay="0"/>
+                                  </p:stCondLst>
+                                  <p:childTnLst>
+                                    <p:set>
+                                      <p:cBhvr>
+                                        <p:cTn id="13" dur="1" fill="hold">
+                                          <p:stCondLst>
+                                            <p:cond delay="0"/>
+                                          </p:stCondLst>
+                                        </p:cTn>
+                                        <p:tgtEl>
+                                          <p:spTgt spid="5"/>
+                                        </p:tgtEl>
+                                        <p:attrNameLst>
+                                          <p:attrName>style.visibility</p:attrName>
+                                        </p:attrNameLst>
+                                      </p:cBhvr>
+                                      <p:to>
+                                        <p:strVal val="visible"/>
+                                      </p:to>
+                                    </p:set>
+                                    <p:animEffect transition="in" filter="fade">
+                                      <p:cBhvr>
+                                        <p:cTn id="14" dur="1000"/>
+                                        <p:tgtEl>
+                                          <p:spTgt spid="5"/>
+                                        </p:tgtEl>
+                                      </p:cBhvr>
+                                    </p:animEffect>
+                                    <p:anim calcmode="lin" valueType="num">
+                                      <p:cBhvr>
+                                        <p:cTn id="15" dur="1000" fill="hold"/>
+                                        <p:tgtEl>
+                                          <p:spTgt spid="5"/>
+                                        </p:tgtEl>
+                                        <p:attrNameLst>
+                                          <p:attrName>ppt_x</p:attrName>
+                                        </p:attrNameLst>
+                                      </p:cBhvr>
+                                      <p:tavLst>
+                                        <p:tav tm="0">
+                                          <p:val>
+                                            <p:strVal val="#ppt_x"/>
+                                          </p:val>
+                                        </p:tav>
+                                        <p:tav tm="100000">
+                                          <p:val>
+                                            <p:strVal val="#ppt_x"/>
+                                          </p:val>
+                                        </p:tav>
+                                      </p:tavLst>
+                                    </p:anim>
+                                    <p:anim calcmode="lin" valueType="num">
+                                      <p:cBhvr>
+                                        <p:cTn id="16" dur="1000" fill="hold"/>
+                                        <p:tgtEl>
+                                          <p:spTgt spid="5"/>
+                                        </p:tgtEl>
+                                        <p:attrNameLst>
+                                          <p:attrName>ppt_y</p:attrName>
+                                        </p:attrNameLst>
+                                      </p:cBhvr>
+                                      <p:tavLst>
+                                        <p:tav tm="0">
+                                          <p:val>
+                                            <p:strVal val="#ppt_y+.1"/>
+                                          </p:val>
+                                        </p:tav>
+                                        <p:tav tm="100000">
+                                          <p:val>
+                                            <p:strVal val="#ppt_y"/>
+                                          </p:val>
+                                        </p:tav>
+                                      </p:tavLst>
+                                    </p:anim>
+                                  </p:childTnLst>
+                                </p:cTn>
+                              </p:par>
+                              <p:par>
+                                <p:cTn id="17" presetID="42" presetClass="entr" presetSubtype="0" fill="hold" grpId="0" nodeType="withEffect">
+                                  <p:stCondLst>
+                                    <p:cond delay="0"/>
+                                  </p:stCondLst>
+                                  <p:childTnLst>
+                                    <p:set>
+                                      <p:cBhvr>
+                                        <p:cTn id="18" dur="1" fill="hold">
+                                          <p:stCondLst>
+                                            <p:cond delay="0"/>
+                                          </p:stCondLst>
+                                        </p:cTn>
+                                        <p:tgtEl>
+                                          <p:spTgt spid="8"/>
+                                        </p:tgtEl>
+                                        <p:attrNameLst>
+                                          <p:attrName>style.visibility</p:attrName>
+                                        </p:attrNameLst>
+                                      </p:cBhvr>
+                                      <p:to>
+                                        <p:strVal val="visible"/>
+                                      </p:to>
+                                    </p:set>
+                                    <p:animEffect transition="in" filter="fade">
+                                      <p:cBhvr>
+                                        <p:cTn id="19" dur="1000"/>
+                                        <p:tgtEl>
+                                          <p:spTgt spid="8"/>
+                                        </p:tgtEl>
+                                      </p:cBhvr>
+                                    </p:animEffect>
+                                    <p:anim calcmode="lin" valueType="num">
+                                      <p:cBhvr>
+                                        <p:cTn id="20" dur="1000" fill="hold"/>
+                                        <p:tgtEl>
+                                          <p:spTgt spid="8"/>
+                                        </p:tgtEl>
+                                        <p:attrNameLst>
+                                          <p:attrName>ppt_x</p:attrName>
+                                        </p:attrNameLst>
+                                      </p:cBhvr>
+                                      <p:tavLst>
+                                        <p:tav tm="0">
+                                          <p:val>
+                                            <p:strVal val="#ppt_x"/>
+                                          </p:val>
+                                        </p:tav>
+                                        <p:tav tm="100000">
+                                          <p:val>
+                                            <p:strVal val="#ppt_x"/>
+                                          </p:val>
+                                        </p:tav>
+                                      </p:tavLst>
+                                    </p:anim>
+                                    <p:anim calcmode="lin" valueType="num">
+                                      <p:cBhvr>
+                                        <p:cTn id="21" dur="1000" fill="hold"/>
+                                        <p:tgtEl>
+                                          <p:spTgt spid="8"/>
+                                        </p:tgtEl>
+                                        <p:attrNameLst>
+                                          <p:attrName>ppt_y</p:attrName>
+                                        </p:attrNameLst>
+                                      </p:cBhvr>
+                                      <p:tavLst>
+                                        <p:tav tm="0">
+                                          <p:val>
+                                            <p:strVal val="#ppt_y+.1"/>
+                                          </p:val>
+                                        </p:tav>
+                                        <p:tav tm="100000">
+                                          <p:val>
+                                            <p:strVal val="#ppt_y"/>
+                                          </p:val>
+                                        </p:tav>
+                                      </p:tavLst>
+                                    </p:anim>
+                                  </p:childTnLst>
+                                </p:cTn>
+                              </p:par>
+                            </p:childTnLst>
+                          </p:cTn>
+                        </p:par>
+                        <p:par>
+                          <p:cTn id="22" fill="hold">
+                            <p:stCondLst>
+                              <p:cond delay="2000"/>
+                            </p:stCondLst>
+                            <p:childTnLst>
+                              <p:par>
+                                <p:cTn id="23" presetID="42" presetClass="entr" presetSubtype="0" fill="hold" grpId="0" nodeType="afterEffect">
+                                  <p:stCondLst>
+                                    <p:cond delay="0"/>
+                                  </p:stCondLst>
+                                  <p:childTnLst>
+                                    <p:set>
+                                      <p:cBhvr>
+                                        <p:cTn id="24" dur="1" fill="hold">
+                                          <p:stCondLst>
+                                            <p:cond delay="0"/>
+                                          </p:stCondLst>
+                                        </p:cTn>
+                                        <p:tgtEl>
+                                          <p:spTgt spid="10"/>
+                                        </p:tgtEl>
+                                        <p:attrNameLst>
+                                          <p:attrName>style.visibility</p:attrName>
+                                        </p:attrNameLst>
+                                      </p:cBhvr>
+                                      <p:to>
+                                        <p:strVal val="visible"/>
+                                      </p:to>
+                                    </p:set>
+                                    <p:animEffect transition="in" filter="fade">
+                                      <p:cBhvr>
+                                        <p:cTn id="25" dur="1000"/>
+                                        <p:tgtEl>
+                                          <p:spTgt spid="10"/>
+                                        </p:tgtEl>
+                                      </p:cBhvr>
+                                    </p:animEffect>
+                                    <p:anim calcmode="lin" valueType="num">
+                                      <p:cBhvr>
+                                        <p:cTn id="26" dur="1000" fill="hold"/>
+                                        <p:tgtEl>
+                                          <p:spTgt spid="10"/>
+                                        </p:tgtEl>
+                                        <p:attrNameLst>
+                                          <p:attrName>ppt_x</p:attrName>
+                                        </p:attrNameLst>
+                                      </p:cBhvr>
+                                      <p:tavLst>
+                                        <p:tav tm="0">
+                                          <p:val>
+                                            <p:strVal val="#ppt_x"/>
+                                          </p:val>
+                                        </p:tav>
+                                        <p:tav tm="100000">
+                                          <p:val>
+                                            <p:strVal val="#ppt_x"/>
+                                          </p:val>
+                                        </p:tav>
+                                      </p:tavLst>
+                                    </p:anim>
+                                    <p:anim calcmode="lin" valueType="num">
+                                      <p:cBhvr>
+                                        <p:cTn id="27" dur="1000" fill="hold"/>
+                                        <p:tgtEl>
+                                          <p:spTgt spid="10"/>
+                                        </p:tgtEl>
+                                        <p:attrNameLst>
+                                          <p:attrName>ppt_y</p:attrName>
+                                        </p:attrNameLst>
+                                      </p:cBhvr>
+                                      <p:tavLst>
+                                        <p:tav tm="0">
+                                          <p:val>
+                                            <p:strVal val="#ppt_y+.1"/>
+                                          </p:val>
+                                        </p:tav>
+                                        <p:tav tm="100000">
+                                          <p:val>
+                                            <p:strVal val="#ppt_y"/>
+                                          </p:val>
+                                        </p:tav>
+                                      </p:tavLst>
+                                    </p:anim>
+                                  </p:childTnLst>
+                                </p:cTn>
+                              </p:par>
+                              <p:par>
+                                <p:cTn id="28" presetID="42" presetClass="entr" presetSubtype="0" fill="hold" grpId="0" nodeType="withEffect">
+                                  <p:stCondLst>
+                                    <p:cond delay="0"/>
+                                  </p:stCondLst>
+                                  <p:childTnLst>
+                                    <p:set>
+                                      <p:cBhvr>
+                                        <p:cTn id="29" dur="1" fill="hold">
+                                          <p:stCondLst>
+                                            <p:cond delay="0"/>
+                                          </p:stCondLst>
+                                        </p:cTn>
+                                        <p:tgtEl>
+                                          <p:spTgt spid="9"/>
+                                        </p:tgtEl>
+                                        <p:attrNameLst>
+                                          <p:attrName>style.visibility</p:attrName>
+                                        </p:attrNameLst>
+                                      </p:cBhvr>
+                                      <p:to>
+                                        <p:strVal val="visible"/>
+                                      </p:to>
+                                    </p:set>
+                                    <p:animEffect transition="in" filter="fade">
+                                      <p:cBhvr>
+                                        <p:cTn id="30" dur="1000"/>
+                                        <p:tgtEl>
+                                          <p:spTgt spid="9"/>
+                                        </p:tgtEl>
+                                      </p:cBhvr>
+                                    </p:animEffect>
+                                    <p:anim calcmode="lin" valueType="num">
+                                      <p:cBhvr>
+                                        <p:cTn id="31" dur="1000" fill="hold"/>
+                                        <p:tgtEl>
+                                          <p:spTgt spid="9"/>
+                                        </p:tgtEl>
+                                        <p:attrNameLst>
+                                          <p:attrName>ppt_x</p:attrName>
+                                        </p:attrNameLst>
+                                      </p:cBhvr>
+                                      <p:tavLst>
+                                        <p:tav tm="0">
+                                          <p:val>
+                                            <p:strVal val="#ppt_x"/>
+                                          </p:val>
+                                        </p:tav>
+                                        <p:tav tm="100000">
+                                          <p:val>
+                                            <p:strVal val="#ppt_x"/>
+                                          </p:val>
+                                        </p:tav>
+                                      </p:tavLst>
+                                    </p:anim>
+                                    <p:anim calcmode="lin" valueType="num">
+                                      <p:cBhvr>
+                                        <p:cTn id="32" dur="1000" fill="hold"/>
+                                        <p:tgtEl>
+                                          <p:spTgt spid="9"/>
+                                        </p:tgtEl>
+                                        <p:attrNameLst>
+                                          <p:attrName>ppt_y</p:attrName>
+                                        </p:attrNameLst>
+                                      </p:cBhvr>
+                                      <p:tavLst>
+                                        <p:tav tm="0">
+                                          <p:val>
+                                            <p:strVal val="#ppt_y+.1"/>
+                                          </p:val>
+                                        </p:tav>
+                                        <p:tav tm="100000">
+                                          <p:val>
+                                            <p:strVal val="#ppt_y"/>
+                                          </p:val>
+                                        </p:tav>
+                                      </p:tavLst>
+                                    </p:anim>
+                                  </p:childTnLst>
+                                </p:cTn>
+                              </p:par>
+                            </p:childTnLst>
+                          </p:cTn>
+                        </p:par>
                       </p:childTnLst>
                     </p:cTn>
                   </p:par>
@@ -18034,6 +18585,12 @@
         </p:cTn>
       </p:par>
     </p:tnLst>
+    <p:bldLst>
+      <p:bldP spid="5" grpId="0" animBg="1"/>
+      <p:bldP spid="8" grpId="0"/>
+      <p:bldP spid="9" grpId="0"/>
+      <p:bldP spid="10" grpId="0" animBg="1"/>
+    </p:bldLst>
   </p:timing>
 </p:sld>
 </file>
@@ -18082,12 +18639,48 @@
           <a:lstStyle/>
           <a:p>
             <a:r>
-              <a:rPr lang="fr-FR" dirty="0"/>
+              <a:rPr lang="fr-FR" dirty="0">
+                <a:latin typeface="Chalkboard" panose="03050602040202020205" pitchFamily="66" charset="77"/>
+              </a:rPr>
               <a:t>Traitement du Langage Naturel NLP</a:t>
             </a:r>
           </a:p>
         </p:txBody>
       </p:sp>
+      <p:pic>
+        <p:nvPicPr>
+          <p:cNvPr id="5" name="Picture 4">
+            <a:extLst>
+              <a:ext uri="{FF2B5EF4-FFF2-40B4-BE49-F238E27FC236}">
+                <a16:creationId xmlns:a16="http://schemas.microsoft.com/office/drawing/2014/main" id="{5CC8FD88-9044-9849-B1A9-5464FC629080}"/>
+              </a:ext>
+            </a:extLst>
+          </p:cNvPr>
+          <p:cNvPicPr/>
+          <p:nvPr/>
+        </p:nvPicPr>
+        <p:blipFill>
+          <a:blip r:embed="rId3" cstate="print">
+            <a:extLst>
+              <a:ext uri="{28A0092B-C50C-407E-A947-70E740481C1C}">
+                <a14:useLocalDpi xmlns:a14="http://schemas.microsoft.com/office/drawing/2010/main" val="0"/>
+              </a:ext>
+            </a:extLst>
+          </a:blip>
+          <a:stretch>
+            <a:fillRect/>
+          </a:stretch>
+        </p:blipFill>
+        <p:spPr>
+          <a:xfrm>
+            <a:off x="237276" y="1550291"/>
+            <a:ext cx="2430529" cy="2618982"/>
+          </a:xfrm>
+          <a:prstGeom prst="rect">
+            <a:avLst/>
+          </a:prstGeom>
+        </p:spPr>
+      </p:pic>
       <p:sp>
         <p:nvSpPr>
           <p:cNvPr id="6" name="Frame 5">
@@ -18142,44 +18735,215 @@
               <a:solidFill>
                 <a:schemeClr val="tx1"/>
               </a:solidFill>
+              <a:latin typeface="Chalkboard" panose="03050602040202020205" pitchFamily="66" charset="77"/>
             </a:endParaRPr>
           </a:p>
         </p:txBody>
       </p:sp>
-      <p:pic>
-        <p:nvPicPr>
-          <p:cNvPr id="5" name="Picture 4">
+      <p:sp>
+        <p:nvSpPr>
+          <p:cNvPr id="7" name="Oval 6">
             <a:extLst>
               <a:ext uri="{FF2B5EF4-FFF2-40B4-BE49-F238E27FC236}">
-                <a16:creationId xmlns:a16="http://schemas.microsoft.com/office/drawing/2014/main" id="{5CC8FD88-9044-9849-B1A9-5464FC629080}"/>
+                <a16:creationId xmlns:a16="http://schemas.microsoft.com/office/drawing/2014/main" id="{F7A0E803-6D61-6240-B04E-C1FD20387116}"/>
               </a:ext>
             </a:extLst>
           </p:cNvPr>
-          <p:cNvPicPr/>
+          <p:cNvSpPr/>
           <p:nvPr/>
-        </p:nvPicPr>
-        <p:blipFill>
-          <a:blip r:embed="rId3" cstate="print">
+        </p:nvSpPr>
+        <p:spPr>
+          <a:xfrm>
+            <a:off x="2776881" y="1851670"/>
+            <a:ext cx="664952" cy="576064"/>
+          </a:xfrm>
+          <a:prstGeom prst="ellipse">
+            <a:avLst/>
+          </a:prstGeom>
+          <a:solidFill>
+            <a:schemeClr val="accent1"/>
+          </a:solidFill>
+          <a:ln>
+            <a:noFill/>
+          </a:ln>
+        </p:spPr>
+        <p:style>
+          <a:lnRef idx="2">
+            <a:schemeClr val="accent1">
+              <a:shade val="50000"/>
+            </a:schemeClr>
+          </a:lnRef>
+          <a:fillRef idx="1">
+            <a:schemeClr val="accent1"/>
+          </a:fillRef>
+          <a:effectRef idx="0">
+            <a:schemeClr val="accent1"/>
+          </a:effectRef>
+          <a:fontRef idx="minor">
+            <a:schemeClr val="lt1"/>
+          </a:fontRef>
+        </p:style>
+        <p:txBody>
+          <a:bodyPr rot="0" spcFirstLastPara="0" vertOverflow="overflow" horzOverflow="overflow" vert="horz" wrap="square" lIns="91440" tIns="45720" rIns="91440" bIns="45720" numCol="1" spcCol="0" rtlCol="0" fromWordArt="0" anchor="ctr" anchorCtr="0" forceAA="0" compatLnSpc="1">
+            <a:noAutofit/>
+          </a:bodyPr>
+          <a:lstStyle/>
+          <a:p>
+            <a:pPr algn="ctr"/>
+            <a:endParaRPr lang="ko-KR" altLang="en-US">
+              <a:solidFill>
+                <a:srgbClr val="32AEB8"/>
+              </a:solidFill>
+              <a:latin typeface="Chalkboard" panose="03050602040202020205" pitchFamily="66" charset="77"/>
+            </a:endParaRPr>
+          </a:p>
+        </p:txBody>
+      </p:sp>
+      <p:sp>
+        <p:nvSpPr>
+          <p:cNvPr id="8" name="TextBox 7">
             <a:extLst>
-              <a:ext uri="{28A0092B-C50C-407E-A947-70E740481C1C}">
-                <a14:useLocalDpi xmlns:a14="http://schemas.microsoft.com/office/drawing/2010/main" val="0"/>
+              <a:ext uri="{FF2B5EF4-FFF2-40B4-BE49-F238E27FC236}">
+                <a16:creationId xmlns:a16="http://schemas.microsoft.com/office/drawing/2014/main" id="{FB2E524D-A876-8049-A1B9-F861A01D374C}"/>
               </a:ext>
             </a:extLst>
-          </a:blip>
-          <a:stretch>
-            <a:fillRect/>
-          </a:stretch>
-        </p:blipFill>
+          </p:cNvPr>
+          <p:cNvSpPr txBox="1"/>
+          <p:nvPr/>
+        </p:nvSpPr>
         <p:spPr>
           <a:xfrm>
-            <a:off x="2699792" y="957586"/>
-            <a:ext cx="3744416" cy="3702396"/>
+            <a:off x="3508522" y="1978119"/>
+            <a:ext cx="5050679" cy="323165"/>
           </a:xfrm>
           <a:prstGeom prst="rect">
             <a:avLst/>
           </a:prstGeom>
+          <a:noFill/>
         </p:spPr>
-      </p:pic>
+        <p:txBody>
+          <a:bodyPr wrap="square" rtlCol="0">
+            <a:spAutoFit/>
+          </a:bodyPr>
+          <a:lstStyle/>
+          <a:p>
+            <a:r>
+              <a:rPr lang="fr-FR" sz="1500" b="1" dirty="0">
+                <a:latin typeface="Chalkboard" panose="03050602040202020205" pitchFamily="66" charset="77"/>
+              </a:rPr>
+              <a:t>Compréhension automatique du langage humain.</a:t>
+            </a:r>
+          </a:p>
+        </p:txBody>
+      </p:sp>
+      <p:sp>
+        <p:nvSpPr>
+          <p:cNvPr id="9" name="TextBox 8">
+            <a:extLst>
+              <a:ext uri="{FF2B5EF4-FFF2-40B4-BE49-F238E27FC236}">
+                <a16:creationId xmlns:a16="http://schemas.microsoft.com/office/drawing/2014/main" id="{5175A380-97BA-B941-842C-DD6143449FC8}"/>
+              </a:ext>
+            </a:extLst>
+          </p:cNvPr>
+          <p:cNvSpPr txBox="1"/>
+          <p:nvPr/>
+        </p:nvSpPr>
+        <p:spPr>
+          <a:xfrm>
+            <a:off x="3508522" y="3122836"/>
+            <a:ext cx="5738977" cy="307777"/>
+          </a:xfrm>
+          <a:prstGeom prst="rect">
+            <a:avLst/>
+          </a:prstGeom>
+          <a:noFill/>
+        </p:spPr>
+        <p:txBody>
+          <a:bodyPr wrap="square" rtlCol="0">
+            <a:spAutoFit/>
+          </a:bodyPr>
+          <a:lstStyle/>
+          <a:p>
+            <a:r>
+              <a:rPr lang="fr-FR" sz="1300" b="1" dirty="0">
+                <a:latin typeface="Chalkboard" panose="03050602040202020205" pitchFamily="66" charset="77"/>
+              </a:rPr>
+              <a:t>Application des </a:t>
+            </a:r>
+            <a:r>
+              <a:rPr lang="fr-FR" sz="1400" b="1" dirty="0">
+                <a:latin typeface="Chalkboard" panose="03050602040202020205" pitchFamily="66" charset="77"/>
+              </a:rPr>
+              <a:t>techniques</a:t>
+            </a:r>
+            <a:r>
+              <a:rPr lang="fr-FR" sz="1300" b="1" dirty="0">
+                <a:latin typeface="Chalkboard" panose="03050602040202020205" pitchFamily="66" charset="77"/>
+              </a:rPr>
+              <a:t> informatiques sur le langage naturel.</a:t>
+            </a:r>
+          </a:p>
+        </p:txBody>
+      </p:sp>
+      <p:sp>
+        <p:nvSpPr>
+          <p:cNvPr id="10" name="Oval 9">
+            <a:extLst>
+              <a:ext uri="{FF2B5EF4-FFF2-40B4-BE49-F238E27FC236}">
+                <a16:creationId xmlns:a16="http://schemas.microsoft.com/office/drawing/2014/main" id="{BC7456A3-B7B1-CD48-8557-80B63FFCCCA1}"/>
+              </a:ext>
+            </a:extLst>
+          </p:cNvPr>
+          <p:cNvSpPr/>
+          <p:nvPr/>
+        </p:nvSpPr>
+        <p:spPr>
+          <a:xfrm>
+            <a:off x="2776881" y="2977674"/>
+            <a:ext cx="664952" cy="576064"/>
+          </a:xfrm>
+          <a:prstGeom prst="ellipse">
+            <a:avLst/>
+          </a:prstGeom>
+          <a:solidFill>
+            <a:schemeClr val="accent1"/>
+          </a:solidFill>
+          <a:ln>
+            <a:noFill/>
+          </a:ln>
+        </p:spPr>
+        <p:style>
+          <a:lnRef idx="2">
+            <a:schemeClr val="accent1">
+              <a:shade val="50000"/>
+            </a:schemeClr>
+          </a:lnRef>
+          <a:fillRef idx="1">
+            <a:schemeClr val="accent1"/>
+          </a:fillRef>
+          <a:effectRef idx="0">
+            <a:schemeClr val="accent1"/>
+          </a:effectRef>
+          <a:fontRef idx="minor">
+            <a:schemeClr val="lt1"/>
+          </a:fontRef>
+        </p:style>
+        <p:txBody>
+          <a:bodyPr rot="0" spcFirstLastPara="0" vertOverflow="overflow" horzOverflow="overflow" vert="horz" wrap="square" lIns="91440" tIns="45720" rIns="91440" bIns="45720" numCol="1" spcCol="0" rtlCol="0" fromWordArt="0" anchor="ctr" anchorCtr="0" forceAA="0" compatLnSpc="1">
+            <a:noAutofit/>
+          </a:bodyPr>
+          <a:lstStyle/>
+          <a:p>
+            <a:pPr algn="ctr"/>
+            <a:endParaRPr lang="ko-KR" altLang="en-US">
+              <a:solidFill>
+                <a:srgbClr val="32AEB8"/>
+              </a:solidFill>
+              <a:latin typeface="Chalkboard" panose="03050602040202020205" pitchFamily="66" charset="77"/>
+            </a:endParaRPr>
+          </a:p>
+        </p:txBody>
+      </p:sp>
     </p:spTree>
     <p:extLst>
       <p:ext uri="{BB962C8B-B14F-4D97-AF65-F5344CB8AC3E}">
@@ -18335,6 +19099,348 @@
                             </p:childTnLst>
                           </p:cTn>
                         </p:par>
+                        <p:par>
+                          <p:cTn id="11" fill="hold">
+                            <p:stCondLst>
+                              <p:cond delay="1000"/>
+                            </p:stCondLst>
+                            <p:childTnLst>
+                              <p:par>
+                                <p:cTn id="12" presetID="42" presetClass="entr" presetSubtype="0" fill="hold" grpId="0" nodeType="afterEffect">
+                                  <p:stCondLst>
+                                    <p:cond delay="0"/>
+                                  </p:stCondLst>
+                                  <p:childTnLst>
+                                    <p:set>
+                                      <p:cBhvr>
+                                        <p:cTn id="13" dur="1" fill="hold">
+                                          <p:stCondLst>
+                                            <p:cond delay="0"/>
+                                          </p:stCondLst>
+                                        </p:cTn>
+                                        <p:tgtEl>
+                                          <p:spTgt spid="7"/>
+                                        </p:tgtEl>
+                                        <p:attrNameLst>
+                                          <p:attrName>style.visibility</p:attrName>
+                                        </p:attrNameLst>
+                                      </p:cBhvr>
+                                      <p:to>
+                                        <p:strVal val="visible"/>
+                                      </p:to>
+                                    </p:set>
+                                    <p:animEffect transition="in" filter="fade">
+                                      <p:cBhvr>
+                                        <p:cTn id="14" dur="1000"/>
+                                        <p:tgtEl>
+                                          <p:spTgt spid="7"/>
+                                        </p:tgtEl>
+                                      </p:cBhvr>
+                                    </p:animEffect>
+                                    <p:anim calcmode="lin" valueType="num">
+                                      <p:cBhvr>
+                                        <p:cTn id="15" dur="1000" fill="hold"/>
+                                        <p:tgtEl>
+                                          <p:spTgt spid="7"/>
+                                        </p:tgtEl>
+                                        <p:attrNameLst>
+                                          <p:attrName>ppt_x</p:attrName>
+                                        </p:attrNameLst>
+                                      </p:cBhvr>
+                                      <p:tavLst>
+                                        <p:tav tm="0">
+                                          <p:val>
+                                            <p:strVal val="#ppt_x"/>
+                                          </p:val>
+                                        </p:tav>
+                                        <p:tav tm="100000">
+                                          <p:val>
+                                            <p:strVal val="#ppt_x"/>
+                                          </p:val>
+                                        </p:tav>
+                                      </p:tavLst>
+                                    </p:anim>
+                                    <p:anim calcmode="lin" valueType="num">
+                                      <p:cBhvr>
+                                        <p:cTn id="16" dur="1000" fill="hold"/>
+                                        <p:tgtEl>
+                                          <p:spTgt spid="7"/>
+                                        </p:tgtEl>
+                                        <p:attrNameLst>
+                                          <p:attrName>ppt_y</p:attrName>
+                                        </p:attrNameLst>
+                                      </p:cBhvr>
+                                      <p:tavLst>
+                                        <p:tav tm="0">
+                                          <p:val>
+                                            <p:strVal val="#ppt_y+.1"/>
+                                          </p:val>
+                                        </p:tav>
+                                        <p:tav tm="100000">
+                                          <p:val>
+                                            <p:strVal val="#ppt_y"/>
+                                          </p:val>
+                                        </p:tav>
+                                      </p:tavLst>
+                                    </p:anim>
+                                  </p:childTnLst>
+                                </p:cTn>
+                              </p:par>
+                              <p:par>
+                                <p:cTn id="17" presetID="42" presetClass="entr" presetSubtype="0" fill="hold" grpId="0" nodeType="withEffect">
+                                  <p:stCondLst>
+                                    <p:cond delay="0"/>
+                                  </p:stCondLst>
+                                  <p:childTnLst>
+                                    <p:set>
+                                      <p:cBhvr>
+                                        <p:cTn id="18" dur="1" fill="hold">
+                                          <p:stCondLst>
+                                            <p:cond delay="0"/>
+                                          </p:stCondLst>
+                                        </p:cTn>
+                                        <p:tgtEl>
+                                          <p:spTgt spid="8"/>
+                                        </p:tgtEl>
+                                        <p:attrNameLst>
+                                          <p:attrName>style.visibility</p:attrName>
+                                        </p:attrNameLst>
+                                      </p:cBhvr>
+                                      <p:to>
+                                        <p:strVal val="visible"/>
+                                      </p:to>
+                                    </p:set>
+                                    <p:animEffect transition="in" filter="fade">
+                                      <p:cBhvr>
+                                        <p:cTn id="19" dur="1000"/>
+                                        <p:tgtEl>
+                                          <p:spTgt spid="8"/>
+                                        </p:tgtEl>
+                                      </p:cBhvr>
+                                    </p:animEffect>
+                                    <p:anim calcmode="lin" valueType="num">
+                                      <p:cBhvr>
+                                        <p:cTn id="20" dur="1000" fill="hold"/>
+                                        <p:tgtEl>
+                                          <p:spTgt spid="8"/>
+                                        </p:tgtEl>
+                                        <p:attrNameLst>
+                                          <p:attrName>ppt_x</p:attrName>
+                                        </p:attrNameLst>
+                                      </p:cBhvr>
+                                      <p:tavLst>
+                                        <p:tav tm="0">
+                                          <p:val>
+                                            <p:strVal val="#ppt_x"/>
+                                          </p:val>
+                                        </p:tav>
+                                        <p:tav tm="100000">
+                                          <p:val>
+                                            <p:strVal val="#ppt_x"/>
+                                          </p:val>
+                                        </p:tav>
+                                      </p:tavLst>
+                                    </p:anim>
+                                    <p:anim calcmode="lin" valueType="num">
+                                      <p:cBhvr>
+                                        <p:cTn id="21" dur="1000" fill="hold"/>
+                                        <p:tgtEl>
+                                          <p:spTgt spid="8"/>
+                                        </p:tgtEl>
+                                        <p:attrNameLst>
+                                          <p:attrName>ppt_y</p:attrName>
+                                        </p:attrNameLst>
+                                      </p:cBhvr>
+                                      <p:tavLst>
+                                        <p:tav tm="0">
+                                          <p:val>
+                                            <p:strVal val="#ppt_y+.1"/>
+                                          </p:val>
+                                        </p:tav>
+                                        <p:tav tm="100000">
+                                          <p:val>
+                                            <p:strVal val="#ppt_y"/>
+                                          </p:val>
+                                        </p:tav>
+                                      </p:tavLst>
+                                    </p:anim>
+                                  </p:childTnLst>
+                                </p:cTn>
+                              </p:par>
+                            </p:childTnLst>
+                          </p:cTn>
+                        </p:par>
+                        <p:par>
+                          <p:cTn id="22" fill="hold">
+                            <p:stCondLst>
+                              <p:cond delay="2000"/>
+                            </p:stCondLst>
+                            <p:childTnLst>
+                              <p:par>
+                                <p:cTn id="23" presetID="42" presetClass="entr" presetSubtype="0" fill="hold" grpId="0" nodeType="afterEffect">
+                                  <p:stCondLst>
+                                    <p:cond delay="0"/>
+                                  </p:stCondLst>
+                                  <p:childTnLst>
+                                    <p:set>
+                                      <p:cBhvr>
+                                        <p:cTn id="24" dur="1" fill="hold">
+                                          <p:stCondLst>
+                                            <p:cond delay="0"/>
+                                          </p:stCondLst>
+                                        </p:cTn>
+                                        <p:tgtEl>
+                                          <p:spTgt spid="10"/>
+                                        </p:tgtEl>
+                                        <p:attrNameLst>
+                                          <p:attrName>style.visibility</p:attrName>
+                                        </p:attrNameLst>
+                                      </p:cBhvr>
+                                      <p:to>
+                                        <p:strVal val="visible"/>
+                                      </p:to>
+                                    </p:set>
+                                    <p:animEffect transition="in" filter="fade">
+                                      <p:cBhvr>
+                                        <p:cTn id="25" dur="1000"/>
+                                        <p:tgtEl>
+                                          <p:spTgt spid="10"/>
+                                        </p:tgtEl>
+                                      </p:cBhvr>
+                                    </p:animEffect>
+                                    <p:anim calcmode="lin" valueType="num">
+                                      <p:cBhvr>
+                                        <p:cTn id="26" dur="1000" fill="hold"/>
+                                        <p:tgtEl>
+                                          <p:spTgt spid="10"/>
+                                        </p:tgtEl>
+                                        <p:attrNameLst>
+                                          <p:attrName>ppt_x</p:attrName>
+                                        </p:attrNameLst>
+                                      </p:cBhvr>
+                                      <p:tavLst>
+                                        <p:tav tm="0">
+                                          <p:val>
+                                            <p:strVal val="#ppt_x"/>
+                                          </p:val>
+                                        </p:tav>
+                                        <p:tav tm="100000">
+                                          <p:val>
+                                            <p:strVal val="#ppt_x"/>
+                                          </p:val>
+                                        </p:tav>
+                                      </p:tavLst>
+                                    </p:anim>
+                                    <p:anim calcmode="lin" valueType="num">
+                                      <p:cBhvr>
+                                        <p:cTn id="27" dur="1000" fill="hold"/>
+                                        <p:tgtEl>
+                                          <p:spTgt spid="10"/>
+                                        </p:tgtEl>
+                                        <p:attrNameLst>
+                                          <p:attrName>ppt_y</p:attrName>
+                                        </p:attrNameLst>
+                                      </p:cBhvr>
+                                      <p:tavLst>
+                                        <p:tav tm="0">
+                                          <p:val>
+                                            <p:strVal val="#ppt_y+.1"/>
+                                          </p:val>
+                                        </p:tav>
+                                        <p:tav tm="100000">
+                                          <p:val>
+                                            <p:strVal val="#ppt_y"/>
+                                          </p:val>
+                                        </p:tav>
+                                      </p:tavLst>
+                                    </p:anim>
+                                  </p:childTnLst>
+                                </p:cTn>
+                              </p:par>
+                              <p:par>
+                                <p:cTn id="28" presetID="42" presetClass="entr" presetSubtype="0" fill="hold" grpId="0" nodeType="withEffect">
+                                  <p:stCondLst>
+                                    <p:cond delay="0"/>
+                                  </p:stCondLst>
+                                  <p:childTnLst>
+                                    <p:set>
+                                      <p:cBhvr>
+                                        <p:cTn id="29" dur="1" fill="hold">
+                                          <p:stCondLst>
+                                            <p:cond delay="0"/>
+                                          </p:stCondLst>
+                                        </p:cTn>
+                                        <p:tgtEl>
+                                          <p:spTgt spid="9"/>
+                                        </p:tgtEl>
+                                        <p:attrNameLst>
+                                          <p:attrName>style.visibility</p:attrName>
+                                        </p:attrNameLst>
+                                      </p:cBhvr>
+                                      <p:to>
+                                        <p:strVal val="visible"/>
+                                      </p:to>
+                                    </p:set>
+                                    <p:animEffect transition="in" filter="fade">
+                                      <p:cBhvr>
+                                        <p:cTn id="30" dur="1000"/>
+                                        <p:tgtEl>
+                                          <p:spTgt spid="9"/>
+                                        </p:tgtEl>
+                                      </p:cBhvr>
+                                    </p:animEffect>
+                                    <p:anim calcmode="lin" valueType="num">
+                                      <p:cBhvr>
+                                        <p:cTn id="31" dur="1000" fill="hold"/>
+                                        <p:tgtEl>
+                                          <p:spTgt spid="9"/>
+                                        </p:tgtEl>
+                                        <p:attrNameLst>
+                                          <p:attrName>ppt_x</p:attrName>
+                                        </p:attrNameLst>
+                                      </p:cBhvr>
+                                      <p:tavLst>
+                                        <p:tav tm="0">
+                                          <p:val>
+                                            <p:strVal val="#ppt_x"/>
+                                          </p:val>
+                                        </p:tav>
+                                        <p:tav tm="100000">
+                                          <p:val>
+                                            <p:strVal val="#ppt_x"/>
+                                          </p:val>
+                                        </p:tav>
+                                      </p:tavLst>
+                                    </p:anim>
+                                    <p:anim calcmode="lin" valueType="num">
+                                      <p:cBhvr>
+                                        <p:cTn id="32" dur="1000" fill="hold"/>
+                                        <p:tgtEl>
+                                          <p:spTgt spid="9"/>
+                                        </p:tgtEl>
+                                        <p:attrNameLst>
+                                          <p:attrName>ppt_y</p:attrName>
+                                        </p:attrNameLst>
+                                      </p:cBhvr>
+                                      <p:tavLst>
+                                        <p:tav tm="0">
+                                          <p:val>
+                                            <p:strVal val="#ppt_y+.1"/>
+                                          </p:val>
+                                        </p:tav>
+                                        <p:tav tm="100000">
+                                          <p:val>
+                                            <p:strVal val="#ppt_y"/>
+                                          </p:val>
+                                        </p:tav>
+                                      </p:tavLst>
+                                    </p:anim>
+                                  </p:childTnLst>
+                                </p:cTn>
+                              </p:par>
+                            </p:childTnLst>
+                          </p:cTn>
+                        </p:par>
                       </p:childTnLst>
                     </p:cTn>
                   </p:par>
@@ -18359,6 +19465,12 @@
         </p:cTn>
       </p:par>
     </p:tnLst>
+    <p:bldLst>
+      <p:bldP spid="7" grpId="0" animBg="1"/>
+      <p:bldP spid="8" grpId="0"/>
+      <p:bldP spid="9" grpId="0"/>
+      <p:bldP spid="10" grpId="0" animBg="1"/>
+    </p:bldLst>
   </p:timing>
 </p:sld>
 </file>
@@ -18407,12 +19519,48 @@
           <a:lstStyle/>
           <a:p>
             <a:r>
-              <a:rPr lang="fr-FR" dirty="0"/>
+              <a:rPr lang="fr-FR" dirty="0">
+                <a:latin typeface="Chalkboard" panose="03050602040202020205" pitchFamily="66" charset="77"/>
+              </a:rPr>
               <a:t>Mécanisme d’attention</a:t>
             </a:r>
           </a:p>
         </p:txBody>
       </p:sp>
+      <p:pic>
+        <p:nvPicPr>
+          <p:cNvPr id="7" name="Picture 6">
+            <a:extLst>
+              <a:ext uri="{FF2B5EF4-FFF2-40B4-BE49-F238E27FC236}">
+                <a16:creationId xmlns:a16="http://schemas.microsoft.com/office/drawing/2014/main" id="{0065359F-7883-1D42-9A95-78DEF8DC833A}"/>
+              </a:ext>
+            </a:extLst>
+          </p:cNvPr>
+          <p:cNvPicPr/>
+          <p:nvPr/>
+        </p:nvPicPr>
+        <p:blipFill>
+          <a:blip r:embed="rId3">
+            <a:extLst>
+              <a:ext uri="{28A0092B-C50C-407E-A947-70E740481C1C}">
+                <a14:useLocalDpi xmlns:a14="http://schemas.microsoft.com/office/drawing/2010/main" val="0"/>
+              </a:ext>
+            </a:extLst>
+          </a:blip>
+          <a:stretch>
+            <a:fillRect/>
+          </a:stretch>
+        </p:blipFill>
+        <p:spPr>
+          <a:xfrm>
+            <a:off x="187240" y="1563638"/>
+            <a:ext cx="3096344" cy="2351294"/>
+          </a:xfrm>
+          <a:prstGeom prst="rect">
+            <a:avLst/>
+          </a:prstGeom>
+        </p:spPr>
+      </p:pic>
       <p:sp>
         <p:nvSpPr>
           <p:cNvPr id="6" name="Frame 5">
@@ -18467,44 +19615,242 @@
               <a:solidFill>
                 <a:schemeClr val="tx1"/>
               </a:solidFill>
+              <a:latin typeface="Chalkboard" panose="03050602040202020205" pitchFamily="66" charset="77"/>
             </a:endParaRPr>
           </a:p>
         </p:txBody>
       </p:sp>
-      <p:pic>
-        <p:nvPicPr>
-          <p:cNvPr id="7" name="Picture 6">
+      <p:sp>
+        <p:nvSpPr>
+          <p:cNvPr id="5" name="Oval 4">
             <a:extLst>
               <a:ext uri="{FF2B5EF4-FFF2-40B4-BE49-F238E27FC236}">
-                <a16:creationId xmlns:a16="http://schemas.microsoft.com/office/drawing/2014/main" id="{0065359F-7883-1D42-9A95-78DEF8DC833A}"/>
+                <a16:creationId xmlns:a16="http://schemas.microsoft.com/office/drawing/2014/main" id="{8478CA0A-A959-A048-AE97-447FCCDA6FE8}"/>
               </a:ext>
             </a:extLst>
           </p:cNvPr>
-          <p:cNvPicPr/>
+          <p:cNvSpPr/>
           <p:nvPr/>
-        </p:nvPicPr>
-        <p:blipFill>
-          <a:blip r:embed="rId3">
+        </p:nvSpPr>
+        <p:spPr>
+          <a:xfrm>
+            <a:off x="3255307" y="1849492"/>
+            <a:ext cx="664952" cy="576064"/>
+          </a:xfrm>
+          <a:prstGeom prst="ellipse">
+            <a:avLst/>
+          </a:prstGeom>
+          <a:solidFill>
+            <a:schemeClr val="accent1"/>
+          </a:solidFill>
+          <a:ln>
+            <a:noFill/>
+          </a:ln>
+        </p:spPr>
+        <p:style>
+          <a:lnRef idx="2">
+            <a:schemeClr val="accent1">
+              <a:shade val="50000"/>
+            </a:schemeClr>
+          </a:lnRef>
+          <a:fillRef idx="1">
+            <a:schemeClr val="accent1"/>
+          </a:fillRef>
+          <a:effectRef idx="0">
+            <a:schemeClr val="accent1"/>
+          </a:effectRef>
+          <a:fontRef idx="minor">
+            <a:schemeClr val="lt1"/>
+          </a:fontRef>
+        </p:style>
+        <p:txBody>
+          <a:bodyPr rot="0" spcFirstLastPara="0" vertOverflow="overflow" horzOverflow="overflow" vert="horz" wrap="square" lIns="91440" tIns="45720" rIns="91440" bIns="45720" numCol="1" spcCol="0" rtlCol="0" fromWordArt="0" anchor="ctr" anchorCtr="0" forceAA="0" compatLnSpc="1">
+            <a:noAutofit/>
+          </a:bodyPr>
+          <a:lstStyle/>
+          <a:p>
+            <a:pPr algn="ctr"/>
+            <a:endParaRPr lang="ko-KR" altLang="en-US">
+              <a:solidFill>
+                <a:srgbClr val="32AEB8"/>
+              </a:solidFill>
+              <a:latin typeface="Chalkboard" panose="03050602040202020205" pitchFamily="66" charset="77"/>
+            </a:endParaRPr>
+          </a:p>
+        </p:txBody>
+      </p:sp>
+      <p:sp>
+        <p:nvSpPr>
+          <p:cNvPr id="8" name="TextBox 7">
             <a:extLst>
-              <a:ext uri="{28A0092B-C50C-407E-A947-70E740481C1C}">
-                <a14:useLocalDpi xmlns:a14="http://schemas.microsoft.com/office/drawing/2010/main" val="0"/>
+              <a:ext uri="{FF2B5EF4-FFF2-40B4-BE49-F238E27FC236}">
+                <a16:creationId xmlns:a16="http://schemas.microsoft.com/office/drawing/2014/main" id="{134C766C-4D8B-C44B-999A-A46F848D56E1}"/>
               </a:ext>
             </a:extLst>
-          </a:blip>
-          <a:stretch>
-            <a:fillRect/>
-          </a:stretch>
-        </p:blipFill>
+          </p:cNvPr>
+          <p:cNvSpPr txBox="1"/>
+          <p:nvPr/>
+        </p:nvSpPr>
         <p:spPr>
           <a:xfrm>
-            <a:off x="1259632" y="580496"/>
-            <a:ext cx="5976664" cy="3982508"/>
+            <a:off x="3927784" y="1981315"/>
+            <a:ext cx="5050679" cy="292388"/>
           </a:xfrm>
           <a:prstGeom prst="rect">
             <a:avLst/>
           </a:prstGeom>
+          <a:noFill/>
         </p:spPr>
-      </p:pic>
+        <p:txBody>
+          <a:bodyPr wrap="square" rtlCol="0">
+            <a:spAutoFit/>
+          </a:bodyPr>
+          <a:lstStyle/>
+          <a:p>
+            <a:r>
+              <a:rPr lang="en-DZ" sz="1300" b="1" dirty="0">
+                <a:latin typeface="Chalkboard" panose="03050602040202020205" pitchFamily="66" charset="77"/>
+              </a:rPr>
+              <a:t>Apprendre à la machine la pertinence des </a:t>
+            </a:r>
+            <a:r>
+              <a:rPr lang="fr-FR" sz="1300" b="1" dirty="0" err="1">
+                <a:latin typeface="Chalkboard" panose="03050602040202020205" pitchFamily="66" charset="77"/>
+              </a:rPr>
+              <a:t>é</a:t>
+            </a:r>
+            <a:r>
+              <a:rPr lang="en-DZ" sz="1300" b="1" dirty="0">
+                <a:latin typeface="Chalkboard" panose="03050602040202020205" pitchFamily="66" charset="77"/>
+              </a:rPr>
+              <a:t>l</a:t>
+            </a:r>
+            <a:r>
+              <a:rPr lang="fr-FR" sz="1300" b="1" dirty="0" err="1">
+                <a:latin typeface="Chalkboard" panose="03050602040202020205" pitchFamily="66" charset="77"/>
+              </a:rPr>
+              <a:t>é</a:t>
+            </a:r>
+            <a:r>
+              <a:rPr lang="en-DZ" sz="1300" b="1" dirty="0">
+                <a:latin typeface="Chalkboard" panose="03050602040202020205" pitchFamily="66" charset="77"/>
+              </a:rPr>
+              <a:t>ments d’entr</a:t>
+            </a:r>
+            <a:r>
+              <a:rPr lang="fr-FR" sz="1300" b="1" dirty="0" err="1">
+                <a:latin typeface="Chalkboard" panose="03050602040202020205" pitchFamily="66" charset="77"/>
+              </a:rPr>
+              <a:t>é</a:t>
+            </a:r>
+            <a:r>
+              <a:rPr lang="en-DZ" sz="1300" b="1" dirty="0">
+                <a:latin typeface="Chalkboard" panose="03050602040202020205" pitchFamily="66" charset="77"/>
+              </a:rPr>
+              <a:t>e.</a:t>
+            </a:r>
+            <a:endParaRPr lang="fr-FR" sz="1300" b="1" dirty="0">
+              <a:latin typeface="Chalkboard" panose="03050602040202020205" pitchFamily="66" charset="77"/>
+            </a:endParaRPr>
+          </a:p>
+        </p:txBody>
+      </p:sp>
+      <p:sp>
+        <p:nvSpPr>
+          <p:cNvPr id="9" name="TextBox 8">
+            <a:extLst>
+              <a:ext uri="{FF2B5EF4-FFF2-40B4-BE49-F238E27FC236}">
+                <a16:creationId xmlns:a16="http://schemas.microsoft.com/office/drawing/2014/main" id="{F3D2D502-AEC9-2C46-84CA-A6787B814ABD}"/>
+              </a:ext>
+            </a:extLst>
+          </p:cNvPr>
+          <p:cNvSpPr txBox="1"/>
+          <p:nvPr/>
+        </p:nvSpPr>
+        <p:spPr>
+          <a:xfrm>
+            <a:off x="3935289" y="3148189"/>
+            <a:ext cx="5738977" cy="292388"/>
+          </a:xfrm>
+          <a:prstGeom prst="rect">
+            <a:avLst/>
+          </a:prstGeom>
+          <a:noFill/>
+        </p:spPr>
+        <p:txBody>
+          <a:bodyPr wrap="square" rtlCol="0">
+            <a:spAutoFit/>
+          </a:bodyPr>
+          <a:lstStyle/>
+          <a:p>
+            <a:r>
+              <a:rPr lang="fr-FR" sz="1300" b="1" dirty="0">
+                <a:latin typeface="Chalkboard" panose="03050602040202020205" pitchFamily="66" charset="77"/>
+              </a:rPr>
+              <a:t>Se focaliser sur l’essentiel d’une phrase.</a:t>
+            </a:r>
+          </a:p>
+        </p:txBody>
+      </p:sp>
+      <p:sp>
+        <p:nvSpPr>
+          <p:cNvPr id="10" name="Oval 9">
+            <a:extLst>
+              <a:ext uri="{FF2B5EF4-FFF2-40B4-BE49-F238E27FC236}">
+                <a16:creationId xmlns:a16="http://schemas.microsoft.com/office/drawing/2014/main" id="{45C53F57-6276-A142-A0D8-C6630906A31E}"/>
+              </a:ext>
+            </a:extLst>
+          </p:cNvPr>
+          <p:cNvSpPr/>
+          <p:nvPr/>
+        </p:nvSpPr>
+        <p:spPr>
+          <a:xfrm>
+            <a:off x="3255307" y="3006351"/>
+            <a:ext cx="664952" cy="576064"/>
+          </a:xfrm>
+          <a:prstGeom prst="ellipse">
+            <a:avLst/>
+          </a:prstGeom>
+          <a:solidFill>
+            <a:schemeClr val="accent1"/>
+          </a:solidFill>
+          <a:ln>
+            <a:noFill/>
+          </a:ln>
+        </p:spPr>
+        <p:style>
+          <a:lnRef idx="2">
+            <a:schemeClr val="accent1">
+              <a:shade val="50000"/>
+            </a:schemeClr>
+          </a:lnRef>
+          <a:fillRef idx="1">
+            <a:schemeClr val="accent1"/>
+          </a:fillRef>
+          <a:effectRef idx="0">
+            <a:schemeClr val="accent1"/>
+          </a:effectRef>
+          <a:fontRef idx="minor">
+            <a:schemeClr val="lt1"/>
+          </a:fontRef>
+        </p:style>
+        <p:txBody>
+          <a:bodyPr rot="0" spcFirstLastPara="0" vertOverflow="overflow" horzOverflow="overflow" vert="horz" wrap="square" lIns="91440" tIns="45720" rIns="91440" bIns="45720" numCol="1" spcCol="0" rtlCol="0" fromWordArt="0" anchor="ctr" anchorCtr="0" forceAA="0" compatLnSpc="1">
+            <a:noAutofit/>
+          </a:bodyPr>
+          <a:lstStyle/>
+          <a:p>
+            <a:pPr algn="ctr"/>
+            <a:endParaRPr lang="ko-KR" altLang="en-US">
+              <a:solidFill>
+                <a:srgbClr val="32AEB8"/>
+              </a:solidFill>
+              <a:latin typeface="Chalkboard" panose="03050602040202020205" pitchFamily="66" charset="77"/>
+            </a:endParaRPr>
+          </a:p>
+        </p:txBody>
+      </p:sp>
     </p:spTree>
     <p:extLst>
       <p:ext uri="{BB962C8B-B14F-4D97-AF65-F5344CB8AC3E}">
@@ -18576,6 +19922,348 @@
                             </p:childTnLst>
                           </p:cTn>
                         </p:par>
+                        <p:par>
+                          <p:cTn id="8" fill="hold">
+                            <p:stCondLst>
+                              <p:cond delay="500"/>
+                            </p:stCondLst>
+                            <p:childTnLst>
+                              <p:par>
+                                <p:cTn id="9" presetID="42" presetClass="entr" presetSubtype="0" fill="hold" grpId="0" nodeType="afterEffect">
+                                  <p:stCondLst>
+                                    <p:cond delay="0"/>
+                                  </p:stCondLst>
+                                  <p:childTnLst>
+                                    <p:set>
+                                      <p:cBhvr>
+                                        <p:cTn id="10" dur="1" fill="hold">
+                                          <p:stCondLst>
+                                            <p:cond delay="0"/>
+                                          </p:stCondLst>
+                                        </p:cTn>
+                                        <p:tgtEl>
+                                          <p:spTgt spid="5"/>
+                                        </p:tgtEl>
+                                        <p:attrNameLst>
+                                          <p:attrName>style.visibility</p:attrName>
+                                        </p:attrNameLst>
+                                      </p:cBhvr>
+                                      <p:to>
+                                        <p:strVal val="visible"/>
+                                      </p:to>
+                                    </p:set>
+                                    <p:animEffect transition="in" filter="fade">
+                                      <p:cBhvr>
+                                        <p:cTn id="11" dur="1000"/>
+                                        <p:tgtEl>
+                                          <p:spTgt spid="5"/>
+                                        </p:tgtEl>
+                                      </p:cBhvr>
+                                    </p:animEffect>
+                                    <p:anim calcmode="lin" valueType="num">
+                                      <p:cBhvr>
+                                        <p:cTn id="12" dur="1000" fill="hold"/>
+                                        <p:tgtEl>
+                                          <p:spTgt spid="5"/>
+                                        </p:tgtEl>
+                                        <p:attrNameLst>
+                                          <p:attrName>ppt_x</p:attrName>
+                                        </p:attrNameLst>
+                                      </p:cBhvr>
+                                      <p:tavLst>
+                                        <p:tav tm="0">
+                                          <p:val>
+                                            <p:strVal val="#ppt_x"/>
+                                          </p:val>
+                                        </p:tav>
+                                        <p:tav tm="100000">
+                                          <p:val>
+                                            <p:strVal val="#ppt_x"/>
+                                          </p:val>
+                                        </p:tav>
+                                      </p:tavLst>
+                                    </p:anim>
+                                    <p:anim calcmode="lin" valueType="num">
+                                      <p:cBhvr>
+                                        <p:cTn id="13" dur="1000" fill="hold"/>
+                                        <p:tgtEl>
+                                          <p:spTgt spid="5"/>
+                                        </p:tgtEl>
+                                        <p:attrNameLst>
+                                          <p:attrName>ppt_y</p:attrName>
+                                        </p:attrNameLst>
+                                      </p:cBhvr>
+                                      <p:tavLst>
+                                        <p:tav tm="0">
+                                          <p:val>
+                                            <p:strVal val="#ppt_y+.1"/>
+                                          </p:val>
+                                        </p:tav>
+                                        <p:tav tm="100000">
+                                          <p:val>
+                                            <p:strVal val="#ppt_y"/>
+                                          </p:val>
+                                        </p:tav>
+                                      </p:tavLst>
+                                    </p:anim>
+                                  </p:childTnLst>
+                                </p:cTn>
+                              </p:par>
+                              <p:par>
+                                <p:cTn id="14" presetID="42" presetClass="entr" presetSubtype="0" fill="hold" grpId="0" nodeType="withEffect">
+                                  <p:stCondLst>
+                                    <p:cond delay="0"/>
+                                  </p:stCondLst>
+                                  <p:childTnLst>
+                                    <p:set>
+                                      <p:cBhvr>
+                                        <p:cTn id="15" dur="1" fill="hold">
+                                          <p:stCondLst>
+                                            <p:cond delay="0"/>
+                                          </p:stCondLst>
+                                        </p:cTn>
+                                        <p:tgtEl>
+                                          <p:spTgt spid="8"/>
+                                        </p:tgtEl>
+                                        <p:attrNameLst>
+                                          <p:attrName>style.visibility</p:attrName>
+                                        </p:attrNameLst>
+                                      </p:cBhvr>
+                                      <p:to>
+                                        <p:strVal val="visible"/>
+                                      </p:to>
+                                    </p:set>
+                                    <p:animEffect transition="in" filter="fade">
+                                      <p:cBhvr>
+                                        <p:cTn id="16" dur="1000"/>
+                                        <p:tgtEl>
+                                          <p:spTgt spid="8"/>
+                                        </p:tgtEl>
+                                      </p:cBhvr>
+                                    </p:animEffect>
+                                    <p:anim calcmode="lin" valueType="num">
+                                      <p:cBhvr>
+                                        <p:cTn id="17" dur="1000" fill="hold"/>
+                                        <p:tgtEl>
+                                          <p:spTgt spid="8"/>
+                                        </p:tgtEl>
+                                        <p:attrNameLst>
+                                          <p:attrName>ppt_x</p:attrName>
+                                        </p:attrNameLst>
+                                      </p:cBhvr>
+                                      <p:tavLst>
+                                        <p:tav tm="0">
+                                          <p:val>
+                                            <p:strVal val="#ppt_x"/>
+                                          </p:val>
+                                        </p:tav>
+                                        <p:tav tm="100000">
+                                          <p:val>
+                                            <p:strVal val="#ppt_x"/>
+                                          </p:val>
+                                        </p:tav>
+                                      </p:tavLst>
+                                    </p:anim>
+                                    <p:anim calcmode="lin" valueType="num">
+                                      <p:cBhvr>
+                                        <p:cTn id="18" dur="1000" fill="hold"/>
+                                        <p:tgtEl>
+                                          <p:spTgt spid="8"/>
+                                        </p:tgtEl>
+                                        <p:attrNameLst>
+                                          <p:attrName>ppt_y</p:attrName>
+                                        </p:attrNameLst>
+                                      </p:cBhvr>
+                                      <p:tavLst>
+                                        <p:tav tm="0">
+                                          <p:val>
+                                            <p:strVal val="#ppt_y+.1"/>
+                                          </p:val>
+                                        </p:tav>
+                                        <p:tav tm="100000">
+                                          <p:val>
+                                            <p:strVal val="#ppt_y"/>
+                                          </p:val>
+                                        </p:tav>
+                                      </p:tavLst>
+                                    </p:anim>
+                                  </p:childTnLst>
+                                </p:cTn>
+                              </p:par>
+                            </p:childTnLst>
+                          </p:cTn>
+                        </p:par>
+                        <p:par>
+                          <p:cTn id="19" fill="hold">
+                            <p:stCondLst>
+                              <p:cond delay="1500"/>
+                            </p:stCondLst>
+                            <p:childTnLst>
+                              <p:par>
+                                <p:cTn id="20" presetID="42" presetClass="entr" presetSubtype="0" fill="hold" grpId="0" nodeType="afterEffect">
+                                  <p:stCondLst>
+                                    <p:cond delay="0"/>
+                                  </p:stCondLst>
+                                  <p:childTnLst>
+                                    <p:set>
+                                      <p:cBhvr>
+                                        <p:cTn id="21" dur="1" fill="hold">
+                                          <p:stCondLst>
+                                            <p:cond delay="0"/>
+                                          </p:stCondLst>
+                                        </p:cTn>
+                                        <p:tgtEl>
+                                          <p:spTgt spid="10"/>
+                                        </p:tgtEl>
+                                        <p:attrNameLst>
+                                          <p:attrName>style.visibility</p:attrName>
+                                        </p:attrNameLst>
+                                      </p:cBhvr>
+                                      <p:to>
+                                        <p:strVal val="visible"/>
+                                      </p:to>
+                                    </p:set>
+                                    <p:animEffect transition="in" filter="fade">
+                                      <p:cBhvr>
+                                        <p:cTn id="22" dur="1000"/>
+                                        <p:tgtEl>
+                                          <p:spTgt spid="10"/>
+                                        </p:tgtEl>
+                                      </p:cBhvr>
+                                    </p:animEffect>
+                                    <p:anim calcmode="lin" valueType="num">
+                                      <p:cBhvr>
+                                        <p:cTn id="23" dur="1000" fill="hold"/>
+                                        <p:tgtEl>
+                                          <p:spTgt spid="10"/>
+                                        </p:tgtEl>
+                                        <p:attrNameLst>
+                                          <p:attrName>ppt_x</p:attrName>
+                                        </p:attrNameLst>
+                                      </p:cBhvr>
+                                      <p:tavLst>
+                                        <p:tav tm="0">
+                                          <p:val>
+                                            <p:strVal val="#ppt_x"/>
+                                          </p:val>
+                                        </p:tav>
+                                        <p:tav tm="100000">
+                                          <p:val>
+                                            <p:strVal val="#ppt_x"/>
+                                          </p:val>
+                                        </p:tav>
+                                      </p:tavLst>
+                                    </p:anim>
+                                    <p:anim calcmode="lin" valueType="num">
+                                      <p:cBhvr>
+                                        <p:cTn id="24" dur="1000" fill="hold"/>
+                                        <p:tgtEl>
+                                          <p:spTgt spid="10"/>
+                                        </p:tgtEl>
+                                        <p:attrNameLst>
+                                          <p:attrName>ppt_y</p:attrName>
+                                        </p:attrNameLst>
+                                      </p:cBhvr>
+                                      <p:tavLst>
+                                        <p:tav tm="0">
+                                          <p:val>
+                                            <p:strVal val="#ppt_y+.1"/>
+                                          </p:val>
+                                        </p:tav>
+                                        <p:tav tm="100000">
+                                          <p:val>
+                                            <p:strVal val="#ppt_y"/>
+                                          </p:val>
+                                        </p:tav>
+                                      </p:tavLst>
+                                    </p:anim>
+                                  </p:childTnLst>
+                                </p:cTn>
+                              </p:par>
+                              <p:par>
+                                <p:cTn id="25" presetID="42" presetClass="entr" presetSubtype="0" fill="hold" grpId="0" nodeType="withEffect">
+                                  <p:stCondLst>
+                                    <p:cond delay="0"/>
+                                  </p:stCondLst>
+                                  <p:childTnLst>
+                                    <p:set>
+                                      <p:cBhvr>
+                                        <p:cTn id="26" dur="1" fill="hold">
+                                          <p:stCondLst>
+                                            <p:cond delay="0"/>
+                                          </p:stCondLst>
+                                        </p:cTn>
+                                        <p:tgtEl>
+                                          <p:spTgt spid="9"/>
+                                        </p:tgtEl>
+                                        <p:attrNameLst>
+                                          <p:attrName>style.visibility</p:attrName>
+                                        </p:attrNameLst>
+                                      </p:cBhvr>
+                                      <p:to>
+                                        <p:strVal val="visible"/>
+                                      </p:to>
+                                    </p:set>
+                                    <p:animEffect transition="in" filter="fade">
+                                      <p:cBhvr>
+                                        <p:cTn id="27" dur="1000"/>
+                                        <p:tgtEl>
+                                          <p:spTgt spid="9"/>
+                                        </p:tgtEl>
+                                      </p:cBhvr>
+                                    </p:animEffect>
+                                    <p:anim calcmode="lin" valueType="num">
+                                      <p:cBhvr>
+                                        <p:cTn id="28" dur="1000" fill="hold"/>
+                                        <p:tgtEl>
+                                          <p:spTgt spid="9"/>
+                                        </p:tgtEl>
+                                        <p:attrNameLst>
+                                          <p:attrName>ppt_x</p:attrName>
+                                        </p:attrNameLst>
+                                      </p:cBhvr>
+                                      <p:tavLst>
+                                        <p:tav tm="0">
+                                          <p:val>
+                                            <p:strVal val="#ppt_x"/>
+                                          </p:val>
+                                        </p:tav>
+                                        <p:tav tm="100000">
+                                          <p:val>
+                                            <p:strVal val="#ppt_x"/>
+                                          </p:val>
+                                        </p:tav>
+                                      </p:tavLst>
+                                    </p:anim>
+                                    <p:anim calcmode="lin" valueType="num">
+                                      <p:cBhvr>
+                                        <p:cTn id="29" dur="1000" fill="hold"/>
+                                        <p:tgtEl>
+                                          <p:spTgt spid="9"/>
+                                        </p:tgtEl>
+                                        <p:attrNameLst>
+                                          <p:attrName>ppt_y</p:attrName>
+                                        </p:attrNameLst>
+                                      </p:cBhvr>
+                                      <p:tavLst>
+                                        <p:tav tm="0">
+                                          <p:val>
+                                            <p:strVal val="#ppt_y+.1"/>
+                                          </p:val>
+                                        </p:tav>
+                                        <p:tav tm="100000">
+                                          <p:val>
+                                            <p:strVal val="#ppt_y"/>
+                                          </p:val>
+                                        </p:tav>
+                                      </p:tavLst>
+                                    </p:anim>
+                                  </p:childTnLst>
+                                </p:cTn>
+                              </p:par>
+                            </p:childTnLst>
+                          </p:cTn>
+                        </p:par>
                       </p:childTnLst>
                     </p:cTn>
                   </p:par>
@@ -18600,6 +20288,12 @@
         </p:cTn>
       </p:par>
     </p:tnLst>
+    <p:bldLst>
+      <p:bldP spid="5" grpId="0" animBg="1"/>
+      <p:bldP spid="8" grpId="0"/>
+      <p:bldP spid="9" grpId="0"/>
+      <p:bldP spid="10" grpId="0" animBg="1"/>
+    </p:bldLst>
   </p:timing>
 </p:sld>
 </file>
@@ -18648,12 +20342,48 @@
           <a:lstStyle/>
           <a:p>
             <a:r>
-              <a:rPr lang="fr-FR" dirty="0"/>
+              <a:rPr lang="fr-FR" dirty="0">
+                <a:latin typeface="Chalkboard" panose="03050602040202020205" pitchFamily="66" charset="77"/>
+              </a:rPr>
               <a:t>Les Transformateurs</a:t>
             </a:r>
           </a:p>
         </p:txBody>
       </p:sp>
+      <p:pic>
+        <p:nvPicPr>
+          <p:cNvPr id="5" name="Picture 4">
+            <a:extLst>
+              <a:ext uri="{FF2B5EF4-FFF2-40B4-BE49-F238E27FC236}">
+                <a16:creationId xmlns:a16="http://schemas.microsoft.com/office/drawing/2014/main" id="{2F9BB871-5B0F-3F45-8F25-DA534F93F9CD}"/>
+              </a:ext>
+            </a:extLst>
+          </p:cNvPr>
+          <p:cNvPicPr/>
+          <p:nvPr/>
+        </p:nvPicPr>
+        <p:blipFill>
+          <a:blip r:embed="rId3" cstate="print">
+            <a:extLst>
+              <a:ext uri="{28A0092B-C50C-407E-A947-70E740481C1C}">
+                <a14:useLocalDpi xmlns:a14="http://schemas.microsoft.com/office/drawing/2010/main" val="0"/>
+              </a:ext>
+            </a:extLst>
+          </a:blip>
+          <a:stretch>
+            <a:fillRect/>
+          </a:stretch>
+        </p:blipFill>
+        <p:spPr>
+          <a:xfrm>
+            <a:off x="221804" y="1059582"/>
+            <a:ext cx="3713485" cy="3384376"/>
+          </a:xfrm>
+          <a:prstGeom prst="rect">
+            <a:avLst/>
+          </a:prstGeom>
+        </p:spPr>
+      </p:pic>
       <p:sp>
         <p:nvSpPr>
           <p:cNvPr id="6" name="Frame 5">
@@ -18712,40 +20442,294 @@
           </a:p>
         </p:txBody>
       </p:sp>
-      <p:pic>
-        <p:nvPicPr>
-          <p:cNvPr id="5" name="Picture 4">
+      <p:sp>
+        <p:nvSpPr>
+          <p:cNvPr id="7" name="Oval 6">
             <a:extLst>
               <a:ext uri="{FF2B5EF4-FFF2-40B4-BE49-F238E27FC236}">
-                <a16:creationId xmlns:a16="http://schemas.microsoft.com/office/drawing/2014/main" id="{2F9BB871-5B0F-3F45-8F25-DA534F93F9CD}"/>
+                <a16:creationId xmlns:a16="http://schemas.microsoft.com/office/drawing/2014/main" id="{A556C0B5-EE3A-514A-9273-5700EEAA555A}"/>
               </a:ext>
             </a:extLst>
           </p:cNvPr>
-          <p:cNvPicPr/>
+          <p:cNvSpPr/>
           <p:nvPr/>
-        </p:nvPicPr>
-        <p:blipFill>
-          <a:blip r:embed="rId3" cstate="print">
+        </p:nvSpPr>
+        <p:spPr>
+          <a:xfrm>
+            <a:off x="3965529" y="1757002"/>
+            <a:ext cx="664952" cy="576064"/>
+          </a:xfrm>
+          <a:prstGeom prst="ellipse">
+            <a:avLst/>
+          </a:prstGeom>
+          <a:solidFill>
+            <a:schemeClr val="accent1"/>
+          </a:solidFill>
+          <a:ln>
+            <a:noFill/>
+          </a:ln>
+        </p:spPr>
+        <p:style>
+          <a:lnRef idx="2">
+            <a:schemeClr val="accent1">
+              <a:shade val="50000"/>
+            </a:schemeClr>
+          </a:lnRef>
+          <a:fillRef idx="1">
+            <a:schemeClr val="accent1"/>
+          </a:fillRef>
+          <a:effectRef idx="0">
+            <a:schemeClr val="accent1"/>
+          </a:effectRef>
+          <a:fontRef idx="minor">
+            <a:schemeClr val="lt1"/>
+          </a:fontRef>
+        </p:style>
+        <p:txBody>
+          <a:bodyPr rot="0" spcFirstLastPara="0" vertOverflow="overflow" horzOverflow="overflow" vert="horz" wrap="square" lIns="91440" tIns="45720" rIns="91440" bIns="45720" numCol="1" spcCol="0" rtlCol="0" fromWordArt="0" anchor="ctr" anchorCtr="0" forceAA="0" compatLnSpc="1">
+            <a:noAutofit/>
+          </a:bodyPr>
+          <a:lstStyle/>
+          <a:p>
+            <a:pPr algn="ctr"/>
+            <a:endParaRPr lang="ko-KR" altLang="en-US">
+              <a:solidFill>
+                <a:srgbClr val="32AEB8"/>
+              </a:solidFill>
+              <a:latin typeface="Chalkboard" panose="03050602040202020205" pitchFamily="66" charset="77"/>
+            </a:endParaRPr>
+          </a:p>
+        </p:txBody>
+      </p:sp>
+      <p:sp>
+        <p:nvSpPr>
+          <p:cNvPr id="8" name="TextBox 7">
             <a:extLst>
-              <a:ext uri="{28A0092B-C50C-407E-A947-70E740481C1C}">
-                <a14:useLocalDpi xmlns:a14="http://schemas.microsoft.com/office/drawing/2010/main" val="0"/>
+              <a:ext uri="{FF2B5EF4-FFF2-40B4-BE49-F238E27FC236}">
+                <a16:creationId xmlns:a16="http://schemas.microsoft.com/office/drawing/2014/main" id="{3108AE42-CE3B-7746-9565-CDA26EAB7CFA}"/>
               </a:ext>
             </a:extLst>
-          </a:blip>
-          <a:stretch>
-            <a:fillRect/>
-          </a:stretch>
-        </p:blipFill>
+          </p:cNvPr>
+          <p:cNvSpPr txBox="1"/>
+          <p:nvPr/>
+        </p:nvSpPr>
         <p:spPr>
           <a:xfrm>
-            <a:off x="1727684" y="821490"/>
-            <a:ext cx="5688632" cy="3838492"/>
+            <a:off x="4660721" y="1927981"/>
+            <a:ext cx="5050679" cy="292388"/>
           </a:xfrm>
           <a:prstGeom prst="rect">
             <a:avLst/>
           </a:prstGeom>
+          <a:noFill/>
         </p:spPr>
-      </p:pic>
+        <p:txBody>
+          <a:bodyPr wrap="square" rtlCol="0">
+            <a:spAutoFit/>
+          </a:bodyPr>
+          <a:lstStyle/>
+          <a:p>
+            <a:r>
+              <a:rPr lang="fr-FR" sz="1300" b="1" dirty="0">
+                <a:latin typeface="Chalkboard" panose="03050602040202020205" pitchFamily="66" charset="77"/>
+              </a:rPr>
+              <a:t>Basés sur le mécanisme d’attention.</a:t>
+            </a:r>
+          </a:p>
+        </p:txBody>
+      </p:sp>
+      <p:sp>
+        <p:nvSpPr>
+          <p:cNvPr id="9" name="TextBox 8">
+            <a:extLst>
+              <a:ext uri="{FF2B5EF4-FFF2-40B4-BE49-F238E27FC236}">
+                <a16:creationId xmlns:a16="http://schemas.microsoft.com/office/drawing/2014/main" id="{414FEAF6-2008-E846-BF7F-3A6944E2BEE6}"/>
+              </a:ext>
+            </a:extLst>
+          </p:cNvPr>
+          <p:cNvSpPr txBox="1"/>
+          <p:nvPr/>
+        </p:nvSpPr>
+        <p:spPr>
+          <a:xfrm>
+            <a:off x="4660721" y="2697603"/>
+            <a:ext cx="5738977" cy="292388"/>
+          </a:xfrm>
+          <a:prstGeom prst="rect">
+            <a:avLst/>
+          </a:prstGeom>
+          <a:noFill/>
+        </p:spPr>
+        <p:txBody>
+          <a:bodyPr wrap="square" rtlCol="0">
+            <a:spAutoFit/>
+          </a:bodyPr>
+          <a:lstStyle/>
+          <a:p>
+            <a:r>
+              <a:rPr lang="fr-FR" sz="1300" b="1" dirty="0">
+                <a:latin typeface="Chalkboard" panose="03050602040202020205" pitchFamily="66" charset="77"/>
+              </a:rPr>
+              <a:t>Traiter les données séquentielles du langage naturel. </a:t>
+            </a:r>
+          </a:p>
+        </p:txBody>
+      </p:sp>
+      <p:sp>
+        <p:nvSpPr>
+          <p:cNvPr id="10" name="Oval 9">
+            <a:extLst>
+              <a:ext uri="{FF2B5EF4-FFF2-40B4-BE49-F238E27FC236}">
+                <a16:creationId xmlns:a16="http://schemas.microsoft.com/office/drawing/2014/main" id="{E0306B22-E8AB-7345-8590-85A1CFF9C920}"/>
+              </a:ext>
+            </a:extLst>
+          </p:cNvPr>
+          <p:cNvSpPr/>
+          <p:nvPr/>
+        </p:nvSpPr>
+        <p:spPr>
+          <a:xfrm>
+            <a:off x="3965529" y="2555765"/>
+            <a:ext cx="664952" cy="576064"/>
+          </a:xfrm>
+          <a:prstGeom prst="ellipse">
+            <a:avLst/>
+          </a:prstGeom>
+          <a:solidFill>
+            <a:schemeClr val="accent1"/>
+          </a:solidFill>
+          <a:ln>
+            <a:noFill/>
+          </a:ln>
+        </p:spPr>
+        <p:style>
+          <a:lnRef idx="2">
+            <a:schemeClr val="accent1">
+              <a:shade val="50000"/>
+            </a:schemeClr>
+          </a:lnRef>
+          <a:fillRef idx="1">
+            <a:schemeClr val="accent1"/>
+          </a:fillRef>
+          <a:effectRef idx="0">
+            <a:schemeClr val="accent1"/>
+          </a:effectRef>
+          <a:fontRef idx="minor">
+            <a:schemeClr val="lt1"/>
+          </a:fontRef>
+        </p:style>
+        <p:txBody>
+          <a:bodyPr rot="0" spcFirstLastPara="0" vertOverflow="overflow" horzOverflow="overflow" vert="horz" wrap="square" lIns="91440" tIns="45720" rIns="91440" bIns="45720" numCol="1" spcCol="0" rtlCol="0" fromWordArt="0" anchor="ctr" anchorCtr="0" forceAA="0" compatLnSpc="1">
+            <a:noAutofit/>
+          </a:bodyPr>
+          <a:lstStyle/>
+          <a:p>
+            <a:pPr algn="ctr"/>
+            <a:endParaRPr lang="ko-KR" altLang="en-US">
+              <a:solidFill>
+                <a:srgbClr val="32AEB8"/>
+              </a:solidFill>
+              <a:latin typeface="Chalkboard" panose="03050602040202020205" pitchFamily="66" charset="77"/>
+            </a:endParaRPr>
+          </a:p>
+        </p:txBody>
+      </p:sp>
+      <p:sp>
+        <p:nvSpPr>
+          <p:cNvPr id="11" name="TextBox 10">
+            <a:extLst>
+              <a:ext uri="{FF2B5EF4-FFF2-40B4-BE49-F238E27FC236}">
+                <a16:creationId xmlns:a16="http://schemas.microsoft.com/office/drawing/2014/main" id="{557D4869-AD20-5C4C-A2CC-B600674802DA}"/>
+              </a:ext>
+            </a:extLst>
+          </p:cNvPr>
+          <p:cNvSpPr txBox="1"/>
+          <p:nvPr/>
+        </p:nvSpPr>
+        <p:spPr>
+          <a:xfrm>
+            <a:off x="4672689" y="3496366"/>
+            <a:ext cx="5738977" cy="292388"/>
+          </a:xfrm>
+          <a:prstGeom prst="rect">
+            <a:avLst/>
+          </a:prstGeom>
+          <a:noFill/>
+        </p:spPr>
+        <p:txBody>
+          <a:bodyPr wrap="square" rtlCol="0">
+            <a:spAutoFit/>
+          </a:bodyPr>
+          <a:lstStyle/>
+          <a:p>
+            <a:r>
+              <a:rPr lang="fr-FR" sz="1300" b="1" dirty="0">
+                <a:latin typeface="Chalkboard" panose="03050602040202020205" pitchFamily="66" charset="77"/>
+              </a:rPr>
+              <a:t>Utilisés pour accomplir les tâches NLP.</a:t>
+            </a:r>
+          </a:p>
+        </p:txBody>
+      </p:sp>
+      <p:sp>
+        <p:nvSpPr>
+          <p:cNvPr id="12" name="Oval 11">
+            <a:extLst>
+              <a:ext uri="{FF2B5EF4-FFF2-40B4-BE49-F238E27FC236}">
+                <a16:creationId xmlns:a16="http://schemas.microsoft.com/office/drawing/2014/main" id="{693E9B35-2113-9B46-91A6-B76BF5376CB7}"/>
+              </a:ext>
+            </a:extLst>
+          </p:cNvPr>
+          <p:cNvSpPr/>
+          <p:nvPr/>
+        </p:nvSpPr>
+        <p:spPr>
+          <a:xfrm>
+            <a:off x="3965529" y="3354528"/>
+            <a:ext cx="664952" cy="576064"/>
+          </a:xfrm>
+          <a:prstGeom prst="ellipse">
+            <a:avLst/>
+          </a:prstGeom>
+          <a:solidFill>
+            <a:schemeClr val="accent1"/>
+          </a:solidFill>
+          <a:ln>
+            <a:noFill/>
+          </a:ln>
+        </p:spPr>
+        <p:style>
+          <a:lnRef idx="2">
+            <a:schemeClr val="accent1">
+              <a:shade val="50000"/>
+            </a:schemeClr>
+          </a:lnRef>
+          <a:fillRef idx="1">
+            <a:schemeClr val="accent1"/>
+          </a:fillRef>
+          <a:effectRef idx="0">
+            <a:schemeClr val="accent1"/>
+          </a:effectRef>
+          <a:fontRef idx="minor">
+            <a:schemeClr val="lt1"/>
+          </a:fontRef>
+        </p:style>
+        <p:txBody>
+          <a:bodyPr rot="0" spcFirstLastPara="0" vertOverflow="overflow" horzOverflow="overflow" vert="horz" wrap="square" lIns="91440" tIns="45720" rIns="91440" bIns="45720" numCol="1" spcCol="0" rtlCol="0" fromWordArt="0" anchor="ctr" anchorCtr="0" forceAA="0" compatLnSpc="1">
+            <a:noAutofit/>
+          </a:bodyPr>
+          <a:lstStyle/>
+          <a:p>
+            <a:pPr algn="ctr"/>
+            <a:endParaRPr lang="ko-KR" altLang="en-US">
+              <a:solidFill>
+                <a:srgbClr val="32AEB8"/>
+              </a:solidFill>
+              <a:latin typeface="Chalkboard" panose="03050602040202020205" pitchFamily="66" charset="77"/>
+            </a:endParaRPr>
+          </a:p>
+        </p:txBody>
+      </p:sp>
     </p:spTree>
     <p:extLst>
       <p:ext uri="{BB962C8B-B14F-4D97-AF65-F5344CB8AC3E}">
@@ -18817,6 +20801,519 @@
                             </p:childTnLst>
                           </p:cTn>
                         </p:par>
+                        <p:par>
+                          <p:cTn id="8" fill="hold">
+                            <p:stCondLst>
+                              <p:cond delay="500"/>
+                            </p:stCondLst>
+                            <p:childTnLst>
+                              <p:par>
+                                <p:cTn id="9" presetID="42" presetClass="entr" presetSubtype="0" fill="hold" grpId="0" nodeType="afterEffect">
+                                  <p:stCondLst>
+                                    <p:cond delay="0"/>
+                                  </p:stCondLst>
+                                  <p:childTnLst>
+                                    <p:set>
+                                      <p:cBhvr>
+                                        <p:cTn id="10" dur="1" fill="hold">
+                                          <p:stCondLst>
+                                            <p:cond delay="0"/>
+                                          </p:stCondLst>
+                                        </p:cTn>
+                                        <p:tgtEl>
+                                          <p:spTgt spid="7"/>
+                                        </p:tgtEl>
+                                        <p:attrNameLst>
+                                          <p:attrName>style.visibility</p:attrName>
+                                        </p:attrNameLst>
+                                      </p:cBhvr>
+                                      <p:to>
+                                        <p:strVal val="visible"/>
+                                      </p:to>
+                                    </p:set>
+                                    <p:animEffect transition="in" filter="fade">
+                                      <p:cBhvr>
+                                        <p:cTn id="11" dur="1000"/>
+                                        <p:tgtEl>
+                                          <p:spTgt spid="7"/>
+                                        </p:tgtEl>
+                                      </p:cBhvr>
+                                    </p:animEffect>
+                                    <p:anim calcmode="lin" valueType="num">
+                                      <p:cBhvr>
+                                        <p:cTn id="12" dur="1000" fill="hold"/>
+                                        <p:tgtEl>
+                                          <p:spTgt spid="7"/>
+                                        </p:tgtEl>
+                                        <p:attrNameLst>
+                                          <p:attrName>ppt_x</p:attrName>
+                                        </p:attrNameLst>
+                                      </p:cBhvr>
+                                      <p:tavLst>
+                                        <p:tav tm="0">
+                                          <p:val>
+                                            <p:strVal val="#ppt_x"/>
+                                          </p:val>
+                                        </p:tav>
+                                        <p:tav tm="100000">
+                                          <p:val>
+                                            <p:strVal val="#ppt_x"/>
+                                          </p:val>
+                                        </p:tav>
+                                      </p:tavLst>
+                                    </p:anim>
+                                    <p:anim calcmode="lin" valueType="num">
+                                      <p:cBhvr>
+                                        <p:cTn id="13" dur="1000" fill="hold"/>
+                                        <p:tgtEl>
+                                          <p:spTgt spid="7"/>
+                                        </p:tgtEl>
+                                        <p:attrNameLst>
+                                          <p:attrName>ppt_y</p:attrName>
+                                        </p:attrNameLst>
+                                      </p:cBhvr>
+                                      <p:tavLst>
+                                        <p:tav tm="0">
+                                          <p:val>
+                                            <p:strVal val="#ppt_y+.1"/>
+                                          </p:val>
+                                        </p:tav>
+                                        <p:tav tm="100000">
+                                          <p:val>
+                                            <p:strVal val="#ppt_y"/>
+                                          </p:val>
+                                        </p:tav>
+                                      </p:tavLst>
+                                    </p:anim>
+                                  </p:childTnLst>
+                                </p:cTn>
+                              </p:par>
+                              <p:par>
+                                <p:cTn id="14" presetID="42" presetClass="entr" presetSubtype="0" fill="hold" grpId="0" nodeType="withEffect">
+                                  <p:stCondLst>
+                                    <p:cond delay="0"/>
+                                  </p:stCondLst>
+                                  <p:childTnLst>
+                                    <p:set>
+                                      <p:cBhvr>
+                                        <p:cTn id="15" dur="1" fill="hold">
+                                          <p:stCondLst>
+                                            <p:cond delay="0"/>
+                                          </p:stCondLst>
+                                        </p:cTn>
+                                        <p:tgtEl>
+                                          <p:spTgt spid="8"/>
+                                        </p:tgtEl>
+                                        <p:attrNameLst>
+                                          <p:attrName>style.visibility</p:attrName>
+                                        </p:attrNameLst>
+                                      </p:cBhvr>
+                                      <p:to>
+                                        <p:strVal val="visible"/>
+                                      </p:to>
+                                    </p:set>
+                                    <p:animEffect transition="in" filter="fade">
+                                      <p:cBhvr>
+                                        <p:cTn id="16" dur="1000"/>
+                                        <p:tgtEl>
+                                          <p:spTgt spid="8"/>
+                                        </p:tgtEl>
+                                      </p:cBhvr>
+                                    </p:animEffect>
+                                    <p:anim calcmode="lin" valueType="num">
+                                      <p:cBhvr>
+                                        <p:cTn id="17" dur="1000" fill="hold"/>
+                                        <p:tgtEl>
+                                          <p:spTgt spid="8"/>
+                                        </p:tgtEl>
+                                        <p:attrNameLst>
+                                          <p:attrName>ppt_x</p:attrName>
+                                        </p:attrNameLst>
+                                      </p:cBhvr>
+                                      <p:tavLst>
+                                        <p:tav tm="0">
+                                          <p:val>
+                                            <p:strVal val="#ppt_x"/>
+                                          </p:val>
+                                        </p:tav>
+                                        <p:tav tm="100000">
+                                          <p:val>
+                                            <p:strVal val="#ppt_x"/>
+                                          </p:val>
+                                        </p:tav>
+                                      </p:tavLst>
+                                    </p:anim>
+                                    <p:anim calcmode="lin" valueType="num">
+                                      <p:cBhvr>
+                                        <p:cTn id="18" dur="1000" fill="hold"/>
+                                        <p:tgtEl>
+                                          <p:spTgt spid="8"/>
+                                        </p:tgtEl>
+                                        <p:attrNameLst>
+                                          <p:attrName>ppt_y</p:attrName>
+                                        </p:attrNameLst>
+                                      </p:cBhvr>
+                                      <p:tavLst>
+                                        <p:tav tm="0">
+                                          <p:val>
+                                            <p:strVal val="#ppt_y+.1"/>
+                                          </p:val>
+                                        </p:tav>
+                                        <p:tav tm="100000">
+                                          <p:val>
+                                            <p:strVal val="#ppt_y"/>
+                                          </p:val>
+                                        </p:tav>
+                                      </p:tavLst>
+                                    </p:anim>
+                                  </p:childTnLst>
+                                </p:cTn>
+                              </p:par>
+                            </p:childTnLst>
+                          </p:cTn>
+                        </p:par>
+                        <p:par>
+                          <p:cTn id="19" fill="hold">
+                            <p:stCondLst>
+                              <p:cond delay="1500"/>
+                            </p:stCondLst>
+                            <p:childTnLst>
+                              <p:par>
+                                <p:cTn id="20" presetID="42" presetClass="entr" presetSubtype="0" fill="hold" grpId="0" nodeType="afterEffect">
+                                  <p:stCondLst>
+                                    <p:cond delay="0"/>
+                                  </p:stCondLst>
+                                  <p:childTnLst>
+                                    <p:set>
+                                      <p:cBhvr>
+                                        <p:cTn id="21" dur="1" fill="hold">
+                                          <p:stCondLst>
+                                            <p:cond delay="0"/>
+                                          </p:stCondLst>
+                                        </p:cTn>
+                                        <p:tgtEl>
+                                          <p:spTgt spid="10"/>
+                                        </p:tgtEl>
+                                        <p:attrNameLst>
+                                          <p:attrName>style.visibility</p:attrName>
+                                        </p:attrNameLst>
+                                      </p:cBhvr>
+                                      <p:to>
+                                        <p:strVal val="visible"/>
+                                      </p:to>
+                                    </p:set>
+                                    <p:animEffect transition="in" filter="fade">
+                                      <p:cBhvr>
+                                        <p:cTn id="22" dur="1000"/>
+                                        <p:tgtEl>
+                                          <p:spTgt spid="10"/>
+                                        </p:tgtEl>
+                                      </p:cBhvr>
+                                    </p:animEffect>
+                                    <p:anim calcmode="lin" valueType="num">
+                                      <p:cBhvr>
+                                        <p:cTn id="23" dur="1000" fill="hold"/>
+                                        <p:tgtEl>
+                                          <p:spTgt spid="10"/>
+                                        </p:tgtEl>
+                                        <p:attrNameLst>
+                                          <p:attrName>ppt_x</p:attrName>
+                                        </p:attrNameLst>
+                                      </p:cBhvr>
+                                      <p:tavLst>
+                                        <p:tav tm="0">
+                                          <p:val>
+                                            <p:strVal val="#ppt_x"/>
+                                          </p:val>
+                                        </p:tav>
+                                        <p:tav tm="100000">
+                                          <p:val>
+                                            <p:strVal val="#ppt_x"/>
+                                          </p:val>
+                                        </p:tav>
+                                      </p:tavLst>
+                                    </p:anim>
+                                    <p:anim calcmode="lin" valueType="num">
+                                      <p:cBhvr>
+                                        <p:cTn id="24" dur="1000" fill="hold"/>
+                                        <p:tgtEl>
+                                          <p:spTgt spid="10"/>
+                                        </p:tgtEl>
+                                        <p:attrNameLst>
+                                          <p:attrName>ppt_y</p:attrName>
+                                        </p:attrNameLst>
+                                      </p:cBhvr>
+                                      <p:tavLst>
+                                        <p:tav tm="0">
+                                          <p:val>
+                                            <p:strVal val="#ppt_y+.1"/>
+                                          </p:val>
+                                        </p:tav>
+                                        <p:tav tm="100000">
+                                          <p:val>
+                                            <p:strVal val="#ppt_y"/>
+                                          </p:val>
+                                        </p:tav>
+                                      </p:tavLst>
+                                    </p:anim>
+                                  </p:childTnLst>
+                                </p:cTn>
+                              </p:par>
+                              <p:par>
+                                <p:cTn id="25" presetID="42" presetClass="entr" presetSubtype="0" fill="hold" grpId="0" nodeType="withEffect">
+                                  <p:stCondLst>
+                                    <p:cond delay="0"/>
+                                  </p:stCondLst>
+                                  <p:childTnLst>
+                                    <p:set>
+                                      <p:cBhvr>
+                                        <p:cTn id="26" dur="1" fill="hold">
+                                          <p:stCondLst>
+                                            <p:cond delay="0"/>
+                                          </p:stCondLst>
+                                        </p:cTn>
+                                        <p:tgtEl>
+                                          <p:spTgt spid="9"/>
+                                        </p:tgtEl>
+                                        <p:attrNameLst>
+                                          <p:attrName>style.visibility</p:attrName>
+                                        </p:attrNameLst>
+                                      </p:cBhvr>
+                                      <p:to>
+                                        <p:strVal val="visible"/>
+                                      </p:to>
+                                    </p:set>
+                                    <p:animEffect transition="in" filter="fade">
+                                      <p:cBhvr>
+                                        <p:cTn id="27" dur="1000"/>
+                                        <p:tgtEl>
+                                          <p:spTgt spid="9"/>
+                                        </p:tgtEl>
+                                      </p:cBhvr>
+                                    </p:animEffect>
+                                    <p:anim calcmode="lin" valueType="num">
+                                      <p:cBhvr>
+                                        <p:cTn id="28" dur="1000" fill="hold"/>
+                                        <p:tgtEl>
+                                          <p:spTgt spid="9"/>
+                                        </p:tgtEl>
+                                        <p:attrNameLst>
+                                          <p:attrName>ppt_x</p:attrName>
+                                        </p:attrNameLst>
+                                      </p:cBhvr>
+                                      <p:tavLst>
+                                        <p:tav tm="0">
+                                          <p:val>
+                                            <p:strVal val="#ppt_x"/>
+                                          </p:val>
+                                        </p:tav>
+                                        <p:tav tm="100000">
+                                          <p:val>
+                                            <p:strVal val="#ppt_x"/>
+                                          </p:val>
+                                        </p:tav>
+                                      </p:tavLst>
+                                    </p:anim>
+                                    <p:anim calcmode="lin" valueType="num">
+                                      <p:cBhvr>
+                                        <p:cTn id="29" dur="1000" fill="hold"/>
+                                        <p:tgtEl>
+                                          <p:spTgt spid="9"/>
+                                        </p:tgtEl>
+                                        <p:attrNameLst>
+                                          <p:attrName>ppt_y</p:attrName>
+                                        </p:attrNameLst>
+                                      </p:cBhvr>
+                                      <p:tavLst>
+                                        <p:tav tm="0">
+                                          <p:val>
+                                            <p:strVal val="#ppt_y+.1"/>
+                                          </p:val>
+                                        </p:tav>
+                                        <p:tav tm="100000">
+                                          <p:val>
+                                            <p:strVal val="#ppt_y"/>
+                                          </p:val>
+                                        </p:tav>
+                                      </p:tavLst>
+                                    </p:anim>
+                                  </p:childTnLst>
+                                </p:cTn>
+                              </p:par>
+                            </p:childTnLst>
+                          </p:cTn>
+                        </p:par>
+                        <p:par>
+                          <p:cTn id="30" fill="hold">
+                            <p:stCondLst>
+                              <p:cond delay="2500"/>
+                            </p:stCondLst>
+                            <p:childTnLst>
+                              <p:par>
+                                <p:cTn id="31" presetID="42" presetClass="entr" presetSubtype="0" fill="hold" grpId="0" nodeType="afterEffect">
+                                  <p:stCondLst>
+                                    <p:cond delay="0"/>
+                                  </p:stCondLst>
+                                  <p:childTnLst>
+                                    <p:set>
+                                      <p:cBhvr>
+                                        <p:cTn id="32" dur="1" fill="hold">
+                                          <p:stCondLst>
+                                            <p:cond delay="0"/>
+                                          </p:stCondLst>
+                                        </p:cTn>
+                                        <p:tgtEl>
+                                          <p:spTgt spid="12"/>
+                                        </p:tgtEl>
+                                        <p:attrNameLst>
+                                          <p:attrName>style.visibility</p:attrName>
+                                        </p:attrNameLst>
+                                      </p:cBhvr>
+                                      <p:to>
+                                        <p:strVal val="visible"/>
+                                      </p:to>
+                                    </p:set>
+                                    <p:animEffect transition="in" filter="fade">
+                                      <p:cBhvr>
+                                        <p:cTn id="33" dur="1000"/>
+                                        <p:tgtEl>
+                                          <p:spTgt spid="12"/>
+                                        </p:tgtEl>
+                                      </p:cBhvr>
+                                    </p:animEffect>
+                                    <p:anim calcmode="lin" valueType="num">
+                                      <p:cBhvr>
+                                        <p:cTn id="34" dur="1000" fill="hold"/>
+                                        <p:tgtEl>
+                                          <p:spTgt spid="12"/>
+                                        </p:tgtEl>
+                                        <p:attrNameLst>
+                                          <p:attrName>ppt_x</p:attrName>
+                                        </p:attrNameLst>
+                                      </p:cBhvr>
+                                      <p:tavLst>
+                                        <p:tav tm="0">
+                                          <p:val>
+                                            <p:strVal val="#ppt_x"/>
+                                          </p:val>
+                                        </p:tav>
+                                        <p:tav tm="100000">
+                                          <p:val>
+                                            <p:strVal val="#ppt_x"/>
+                                          </p:val>
+                                        </p:tav>
+                                      </p:tavLst>
+                                    </p:anim>
+                                    <p:anim calcmode="lin" valueType="num">
+                                      <p:cBhvr>
+                                        <p:cTn id="35" dur="1000" fill="hold"/>
+                                        <p:tgtEl>
+                                          <p:spTgt spid="12"/>
+                                        </p:tgtEl>
+                                        <p:attrNameLst>
+                                          <p:attrName>ppt_y</p:attrName>
+                                        </p:attrNameLst>
+                                      </p:cBhvr>
+                                      <p:tavLst>
+                                        <p:tav tm="0">
+                                          <p:val>
+                                            <p:strVal val="#ppt_y+.1"/>
+                                          </p:val>
+                                        </p:tav>
+                                        <p:tav tm="100000">
+                                          <p:val>
+                                            <p:strVal val="#ppt_y"/>
+                                          </p:val>
+                                        </p:tav>
+                                      </p:tavLst>
+                                    </p:anim>
+                                  </p:childTnLst>
+                                </p:cTn>
+                              </p:par>
+                              <p:par>
+                                <p:cTn id="36" presetID="42" presetClass="entr" presetSubtype="0" fill="hold" grpId="0" nodeType="withEffect">
+                                  <p:stCondLst>
+                                    <p:cond delay="0"/>
+                                  </p:stCondLst>
+                                  <p:childTnLst>
+                                    <p:set>
+                                      <p:cBhvr>
+                                        <p:cTn id="37" dur="1" fill="hold">
+                                          <p:stCondLst>
+                                            <p:cond delay="0"/>
+                                          </p:stCondLst>
+                                        </p:cTn>
+                                        <p:tgtEl>
+                                          <p:spTgt spid="11"/>
+                                        </p:tgtEl>
+                                        <p:attrNameLst>
+                                          <p:attrName>style.visibility</p:attrName>
+                                        </p:attrNameLst>
+                                      </p:cBhvr>
+                                      <p:to>
+                                        <p:strVal val="visible"/>
+                                      </p:to>
+                                    </p:set>
+                                    <p:animEffect transition="in" filter="fade">
+                                      <p:cBhvr>
+                                        <p:cTn id="38" dur="1000"/>
+                                        <p:tgtEl>
+                                          <p:spTgt spid="11"/>
+                                        </p:tgtEl>
+                                      </p:cBhvr>
+                                    </p:animEffect>
+                                    <p:anim calcmode="lin" valueType="num">
+                                      <p:cBhvr>
+                                        <p:cTn id="39" dur="1000" fill="hold"/>
+                                        <p:tgtEl>
+                                          <p:spTgt spid="11"/>
+                                        </p:tgtEl>
+                                        <p:attrNameLst>
+                                          <p:attrName>ppt_x</p:attrName>
+                                        </p:attrNameLst>
+                                      </p:cBhvr>
+                                      <p:tavLst>
+                                        <p:tav tm="0">
+                                          <p:val>
+                                            <p:strVal val="#ppt_x"/>
+                                          </p:val>
+                                        </p:tav>
+                                        <p:tav tm="100000">
+                                          <p:val>
+                                            <p:strVal val="#ppt_x"/>
+                                          </p:val>
+                                        </p:tav>
+                                      </p:tavLst>
+                                    </p:anim>
+                                    <p:anim calcmode="lin" valueType="num">
+                                      <p:cBhvr>
+                                        <p:cTn id="40" dur="1000" fill="hold"/>
+                                        <p:tgtEl>
+                                          <p:spTgt spid="11"/>
+                                        </p:tgtEl>
+                                        <p:attrNameLst>
+                                          <p:attrName>ppt_y</p:attrName>
+                                        </p:attrNameLst>
+                                      </p:cBhvr>
+                                      <p:tavLst>
+                                        <p:tav tm="0">
+                                          <p:val>
+                                            <p:strVal val="#ppt_y+.1"/>
+                                          </p:val>
+                                        </p:tav>
+                                        <p:tav tm="100000">
+                                          <p:val>
+                                            <p:strVal val="#ppt_y"/>
+                                          </p:val>
+                                        </p:tav>
+                                      </p:tavLst>
+                                    </p:anim>
+                                  </p:childTnLst>
+                                </p:cTn>
+                              </p:par>
+                            </p:childTnLst>
+                          </p:cTn>
+                        </p:par>
                       </p:childTnLst>
                     </p:cTn>
                   </p:par>
@@ -18841,6 +21338,14 @@
         </p:cTn>
       </p:par>
     </p:tnLst>
+    <p:bldLst>
+      <p:bldP spid="7" grpId="0" animBg="1"/>
+      <p:bldP spid="8" grpId="0"/>
+      <p:bldP spid="9" grpId="0"/>
+      <p:bldP spid="10" grpId="0" animBg="1"/>
+      <p:bldP spid="11" grpId="0"/>
+      <p:bldP spid="12" grpId="0" animBg="1"/>
+    </p:bldLst>
   </p:timing>
 </p:sld>
 </file>
@@ -18889,27 +21394,39 @@
           <a:lstStyle/>
           <a:p>
             <a:r>
-              <a:rPr lang="fr-FR" sz="2400" dirty="0" err="1"/>
+              <a:rPr lang="fr-FR" sz="2400" dirty="0" err="1">
+                <a:latin typeface="Chalkboard" panose="03050602040202020205" pitchFamily="66" charset="77"/>
+              </a:rPr>
               <a:t>Bidirectional</a:t>
             </a:r>
             <a:r>
-              <a:rPr lang="fr-FR" sz="2400" dirty="0"/>
+              <a:rPr lang="fr-FR" sz="2400" dirty="0">
+                <a:latin typeface="Chalkboard" panose="03050602040202020205" pitchFamily="66" charset="77"/>
+              </a:rPr>
               <a:t> Encoder </a:t>
             </a:r>
             <a:r>
-              <a:rPr lang="fr-FR" sz="2400" dirty="0" err="1"/>
+              <a:rPr lang="fr-FR" sz="2400" dirty="0" err="1">
+                <a:latin typeface="Chalkboard" panose="03050602040202020205" pitchFamily="66" charset="77"/>
+              </a:rPr>
               <a:t>Representations</a:t>
             </a:r>
             <a:r>
-              <a:rPr lang="fr-FR" sz="2400" dirty="0"/>
+              <a:rPr lang="fr-FR" sz="2400" dirty="0">
+                <a:latin typeface="Chalkboard" panose="03050602040202020205" pitchFamily="66" charset="77"/>
+              </a:rPr>
               <a:t> </a:t>
             </a:r>
             <a:r>
-              <a:rPr lang="fr-FR" sz="2400" dirty="0" err="1"/>
+              <a:rPr lang="fr-FR" sz="2400" dirty="0" err="1">
+                <a:latin typeface="Chalkboard" panose="03050602040202020205" pitchFamily="66" charset="77"/>
+              </a:rPr>
               <a:t>from</a:t>
             </a:r>
             <a:r>
-              <a:rPr lang="fr-FR" sz="2400" dirty="0"/>
+              <a:rPr lang="fr-FR" sz="2400" dirty="0">
+                <a:latin typeface="Chalkboard" panose="03050602040202020205" pitchFamily="66" charset="77"/>
+              </a:rPr>
               <a:t> Transformers</a:t>
             </a:r>
           </a:p>
@@ -18975,14 +21492,16 @@
       </p:sp>
       <p:pic>
         <p:nvPicPr>
-          <p:cNvPr id="7" name="Picture 6">
+          <p:cNvPr id="3" name="Picture 2">
             <a:extLst>
               <a:ext uri="{FF2B5EF4-FFF2-40B4-BE49-F238E27FC236}">
-                <a16:creationId xmlns:a16="http://schemas.microsoft.com/office/drawing/2014/main" id="{41BC0997-45E2-BC43-8D50-C7A1BB75FF6B}"/>
+                <a16:creationId xmlns:a16="http://schemas.microsoft.com/office/drawing/2014/main" id="{5250AB4D-2D7C-BE40-BC61-F6F55F75BD41}"/>
               </a:ext>
             </a:extLst>
           </p:cNvPr>
-          <p:cNvPicPr/>
+          <p:cNvPicPr>
+            <a:picLocks noChangeAspect="1"/>
+          </p:cNvPicPr>
           <p:nvPr/>
         </p:nvPicPr>
         <p:blipFill>
@@ -18999,14 +21518,302 @@
         </p:blipFill>
         <p:spPr>
           <a:xfrm>
-            <a:off x="1440490" y="1006211"/>
-            <a:ext cx="6263020" cy="3131078"/>
+            <a:off x="0" y="1419622"/>
+            <a:ext cx="4211960" cy="2494446"/>
           </a:xfrm>
           <a:prstGeom prst="rect">
             <a:avLst/>
           </a:prstGeom>
         </p:spPr>
       </p:pic>
+      <p:sp>
+        <p:nvSpPr>
+          <p:cNvPr id="8" name="Oval 7">
+            <a:extLst>
+              <a:ext uri="{FF2B5EF4-FFF2-40B4-BE49-F238E27FC236}">
+                <a16:creationId xmlns:a16="http://schemas.microsoft.com/office/drawing/2014/main" id="{8EA40D20-93FE-7F43-9894-FCA5FA298B1C}"/>
+              </a:ext>
+            </a:extLst>
+          </p:cNvPr>
+          <p:cNvSpPr/>
+          <p:nvPr/>
+        </p:nvSpPr>
+        <p:spPr>
+          <a:xfrm>
+            <a:off x="4092832" y="1602008"/>
+            <a:ext cx="664952" cy="576064"/>
+          </a:xfrm>
+          <a:prstGeom prst="ellipse">
+            <a:avLst/>
+          </a:prstGeom>
+          <a:solidFill>
+            <a:schemeClr val="accent1"/>
+          </a:solidFill>
+          <a:ln>
+            <a:noFill/>
+          </a:ln>
+        </p:spPr>
+        <p:style>
+          <a:lnRef idx="2">
+            <a:schemeClr val="accent1">
+              <a:shade val="50000"/>
+            </a:schemeClr>
+          </a:lnRef>
+          <a:fillRef idx="1">
+            <a:schemeClr val="accent1"/>
+          </a:fillRef>
+          <a:effectRef idx="0">
+            <a:schemeClr val="accent1"/>
+          </a:effectRef>
+          <a:fontRef idx="minor">
+            <a:schemeClr val="lt1"/>
+          </a:fontRef>
+        </p:style>
+        <p:txBody>
+          <a:bodyPr rot="0" spcFirstLastPara="0" vertOverflow="overflow" horzOverflow="overflow" vert="horz" wrap="square" lIns="91440" tIns="45720" rIns="91440" bIns="45720" numCol="1" spcCol="0" rtlCol="0" fromWordArt="0" anchor="ctr" anchorCtr="0" forceAA="0" compatLnSpc="1">
+            <a:noAutofit/>
+          </a:bodyPr>
+          <a:lstStyle/>
+          <a:p>
+            <a:pPr algn="ctr"/>
+            <a:endParaRPr lang="ko-KR" altLang="en-US">
+              <a:solidFill>
+                <a:srgbClr val="32AEB8"/>
+              </a:solidFill>
+              <a:latin typeface="Chalkboard" panose="03050602040202020205" pitchFamily="66" charset="77"/>
+            </a:endParaRPr>
+          </a:p>
+        </p:txBody>
+      </p:sp>
+      <p:sp>
+        <p:nvSpPr>
+          <p:cNvPr id="9" name="TextBox 8">
+            <a:extLst>
+              <a:ext uri="{FF2B5EF4-FFF2-40B4-BE49-F238E27FC236}">
+                <a16:creationId xmlns:a16="http://schemas.microsoft.com/office/drawing/2014/main" id="{4C04818C-2B9C-2445-96BD-6386CBF7AD6D}"/>
+              </a:ext>
+            </a:extLst>
+          </p:cNvPr>
+          <p:cNvSpPr txBox="1"/>
+          <p:nvPr/>
+        </p:nvSpPr>
+        <p:spPr>
+          <a:xfrm>
+            <a:off x="4788024" y="1772987"/>
+            <a:ext cx="5050679" cy="292388"/>
+          </a:xfrm>
+          <a:prstGeom prst="rect">
+            <a:avLst/>
+          </a:prstGeom>
+          <a:noFill/>
+        </p:spPr>
+        <p:txBody>
+          <a:bodyPr wrap="square" rtlCol="0">
+            <a:spAutoFit/>
+          </a:bodyPr>
+          <a:lstStyle/>
+          <a:p>
+            <a:r>
+              <a:rPr lang="fr-FR" sz="1300" b="1" dirty="0">
+                <a:latin typeface="Chalkboard" panose="03050602040202020205" pitchFamily="66" charset="77"/>
+              </a:rPr>
+              <a:t>Basé sur les transformateurs.</a:t>
+            </a:r>
+          </a:p>
+        </p:txBody>
+      </p:sp>
+      <p:sp>
+        <p:nvSpPr>
+          <p:cNvPr id="10" name="TextBox 9">
+            <a:extLst>
+              <a:ext uri="{FF2B5EF4-FFF2-40B4-BE49-F238E27FC236}">
+                <a16:creationId xmlns:a16="http://schemas.microsoft.com/office/drawing/2014/main" id="{C66A65F7-77F4-254B-ADF4-6D03067F8C88}"/>
+              </a:ext>
+            </a:extLst>
+          </p:cNvPr>
+          <p:cNvSpPr txBox="1"/>
+          <p:nvPr/>
+        </p:nvSpPr>
+        <p:spPr>
+          <a:xfrm>
+            <a:off x="4788024" y="2484392"/>
+            <a:ext cx="3960440" cy="492443"/>
+          </a:xfrm>
+          <a:prstGeom prst="rect">
+            <a:avLst/>
+          </a:prstGeom>
+          <a:noFill/>
+        </p:spPr>
+        <p:txBody>
+          <a:bodyPr wrap="square" rtlCol="0">
+            <a:spAutoFit/>
+          </a:bodyPr>
+          <a:lstStyle/>
+          <a:p>
+            <a:r>
+              <a:rPr lang="fr-FR" sz="1300" b="1" dirty="0">
+                <a:latin typeface="Chalkboard" panose="03050602040202020205" pitchFamily="66" charset="77"/>
+              </a:rPr>
+              <a:t>Utilise la partie encodeur des transformateurs seulement.</a:t>
+            </a:r>
+          </a:p>
+        </p:txBody>
+      </p:sp>
+      <p:sp>
+        <p:nvSpPr>
+          <p:cNvPr id="11" name="Oval 10">
+            <a:extLst>
+              <a:ext uri="{FF2B5EF4-FFF2-40B4-BE49-F238E27FC236}">
+                <a16:creationId xmlns:a16="http://schemas.microsoft.com/office/drawing/2014/main" id="{7DAA461B-6C13-3B43-9799-995236071A1C}"/>
+              </a:ext>
+            </a:extLst>
+          </p:cNvPr>
+          <p:cNvSpPr/>
+          <p:nvPr/>
+        </p:nvSpPr>
+        <p:spPr>
+          <a:xfrm>
+            <a:off x="4092832" y="2400771"/>
+            <a:ext cx="664952" cy="576064"/>
+          </a:xfrm>
+          <a:prstGeom prst="ellipse">
+            <a:avLst/>
+          </a:prstGeom>
+          <a:solidFill>
+            <a:schemeClr val="accent1"/>
+          </a:solidFill>
+          <a:ln>
+            <a:noFill/>
+          </a:ln>
+        </p:spPr>
+        <p:style>
+          <a:lnRef idx="2">
+            <a:schemeClr val="accent1">
+              <a:shade val="50000"/>
+            </a:schemeClr>
+          </a:lnRef>
+          <a:fillRef idx="1">
+            <a:schemeClr val="accent1"/>
+          </a:fillRef>
+          <a:effectRef idx="0">
+            <a:schemeClr val="accent1"/>
+          </a:effectRef>
+          <a:fontRef idx="minor">
+            <a:schemeClr val="lt1"/>
+          </a:fontRef>
+        </p:style>
+        <p:txBody>
+          <a:bodyPr rot="0" spcFirstLastPara="0" vertOverflow="overflow" horzOverflow="overflow" vert="horz" wrap="square" lIns="91440" tIns="45720" rIns="91440" bIns="45720" numCol="1" spcCol="0" rtlCol="0" fromWordArt="0" anchor="ctr" anchorCtr="0" forceAA="0" compatLnSpc="1">
+            <a:noAutofit/>
+          </a:bodyPr>
+          <a:lstStyle/>
+          <a:p>
+            <a:pPr algn="ctr"/>
+            <a:endParaRPr lang="ko-KR" altLang="en-US">
+              <a:solidFill>
+                <a:srgbClr val="32AEB8"/>
+              </a:solidFill>
+              <a:latin typeface="Chalkboard" panose="03050602040202020205" pitchFamily="66" charset="77"/>
+            </a:endParaRPr>
+          </a:p>
+        </p:txBody>
+      </p:sp>
+      <p:sp>
+        <p:nvSpPr>
+          <p:cNvPr id="12" name="TextBox 11">
+            <a:extLst>
+              <a:ext uri="{FF2B5EF4-FFF2-40B4-BE49-F238E27FC236}">
+                <a16:creationId xmlns:a16="http://schemas.microsoft.com/office/drawing/2014/main" id="{3BD1648D-11C5-DD4B-BB5F-5F9E9EF1E27F}"/>
+              </a:ext>
+            </a:extLst>
+          </p:cNvPr>
+          <p:cNvSpPr txBox="1"/>
+          <p:nvPr/>
+        </p:nvSpPr>
+        <p:spPr>
+          <a:xfrm>
+            <a:off x="4799992" y="3341372"/>
+            <a:ext cx="5738977" cy="292388"/>
+          </a:xfrm>
+          <a:prstGeom prst="rect">
+            <a:avLst/>
+          </a:prstGeom>
+          <a:noFill/>
+        </p:spPr>
+        <p:txBody>
+          <a:bodyPr wrap="square" rtlCol="0">
+            <a:spAutoFit/>
+          </a:bodyPr>
+          <a:lstStyle/>
+          <a:p>
+            <a:r>
+              <a:rPr lang="fr-FR" sz="1300" b="1" dirty="0">
+                <a:latin typeface="Chalkboard" panose="03050602040202020205" pitchFamily="66" charset="77"/>
+              </a:rPr>
+              <a:t>État de l’art actuel dans plusieurs tâches NLP.</a:t>
+            </a:r>
+          </a:p>
+        </p:txBody>
+      </p:sp>
+      <p:sp>
+        <p:nvSpPr>
+          <p:cNvPr id="13" name="Oval 12">
+            <a:extLst>
+              <a:ext uri="{FF2B5EF4-FFF2-40B4-BE49-F238E27FC236}">
+                <a16:creationId xmlns:a16="http://schemas.microsoft.com/office/drawing/2014/main" id="{EA16F8A0-F574-4A45-BCD9-4AFCBDCEC4E1}"/>
+              </a:ext>
+            </a:extLst>
+          </p:cNvPr>
+          <p:cNvSpPr/>
+          <p:nvPr/>
+        </p:nvSpPr>
+        <p:spPr>
+          <a:xfrm>
+            <a:off x="4092832" y="3199534"/>
+            <a:ext cx="664952" cy="576064"/>
+          </a:xfrm>
+          <a:prstGeom prst="ellipse">
+            <a:avLst/>
+          </a:prstGeom>
+          <a:solidFill>
+            <a:schemeClr val="accent1"/>
+          </a:solidFill>
+          <a:ln>
+            <a:noFill/>
+          </a:ln>
+        </p:spPr>
+        <p:style>
+          <a:lnRef idx="2">
+            <a:schemeClr val="accent1">
+              <a:shade val="50000"/>
+            </a:schemeClr>
+          </a:lnRef>
+          <a:fillRef idx="1">
+            <a:schemeClr val="accent1"/>
+          </a:fillRef>
+          <a:effectRef idx="0">
+            <a:schemeClr val="accent1"/>
+          </a:effectRef>
+          <a:fontRef idx="minor">
+            <a:schemeClr val="lt1"/>
+          </a:fontRef>
+        </p:style>
+        <p:txBody>
+          <a:bodyPr rot="0" spcFirstLastPara="0" vertOverflow="overflow" horzOverflow="overflow" vert="horz" wrap="square" lIns="91440" tIns="45720" rIns="91440" bIns="45720" numCol="1" spcCol="0" rtlCol="0" fromWordArt="0" anchor="ctr" anchorCtr="0" forceAA="0" compatLnSpc="1">
+            <a:noAutofit/>
+          </a:bodyPr>
+          <a:lstStyle/>
+          <a:p>
+            <a:pPr algn="ctr"/>
+            <a:endParaRPr lang="ko-KR" altLang="en-US">
+              <a:solidFill>
+                <a:srgbClr val="32AEB8"/>
+              </a:solidFill>
+              <a:latin typeface="Chalkboard" panose="03050602040202020205" pitchFamily="66" charset="77"/>
+            </a:endParaRPr>
+          </a:p>
+        </p:txBody>
+      </p:sp>
     </p:spTree>
     <p:extLst>
       <p:ext uri="{BB962C8B-B14F-4D97-AF65-F5344CB8AC3E}">
@@ -19041,7 +21848,7 @@
                             </p:stCondLst>
                             <p:childTnLst>
                               <p:par>
-                                <p:cTn id="5" presetID="3" presetClass="entr" presetSubtype="10" fill="hold" nodeType="withEffect">
+                                <p:cTn id="5" presetID="42" presetClass="entr" presetSubtype="0" fill="hold" grpId="0" nodeType="afterEffect">
                                   <p:stCondLst>
                                     <p:cond delay="0"/>
                                   </p:stCondLst>
@@ -19054,7 +21861,7 @@
                                           </p:stCondLst>
                                         </p:cTn>
                                         <p:tgtEl>
-                                          <p:spTgt spid="7"/>
+                                          <p:spTgt spid="8"/>
                                         </p:tgtEl>
                                         <p:attrNameLst>
                                           <p:attrName>style.visibility</p:attrName>
@@ -19064,14 +21871,483 @@
                                         <p:strVal val="visible"/>
                                       </p:to>
                                     </p:set>
-                                    <p:animEffect transition="in" filter="blinds(horizontal)">
+                                    <p:animEffect transition="in" filter="fade">
                                       <p:cBhvr>
-                                        <p:cTn id="7" dur="500"/>
+                                        <p:cTn id="7" dur="1000"/>
                                         <p:tgtEl>
-                                          <p:spTgt spid="7"/>
+                                          <p:spTgt spid="8"/>
                                         </p:tgtEl>
                                       </p:cBhvr>
                                     </p:animEffect>
+                                    <p:anim calcmode="lin" valueType="num">
+                                      <p:cBhvr>
+                                        <p:cTn id="8" dur="1000" fill="hold"/>
+                                        <p:tgtEl>
+                                          <p:spTgt spid="8"/>
+                                        </p:tgtEl>
+                                        <p:attrNameLst>
+                                          <p:attrName>ppt_x</p:attrName>
+                                        </p:attrNameLst>
+                                      </p:cBhvr>
+                                      <p:tavLst>
+                                        <p:tav tm="0">
+                                          <p:val>
+                                            <p:strVal val="#ppt_x"/>
+                                          </p:val>
+                                        </p:tav>
+                                        <p:tav tm="100000">
+                                          <p:val>
+                                            <p:strVal val="#ppt_x"/>
+                                          </p:val>
+                                        </p:tav>
+                                      </p:tavLst>
+                                    </p:anim>
+                                    <p:anim calcmode="lin" valueType="num">
+                                      <p:cBhvr>
+                                        <p:cTn id="9" dur="1000" fill="hold"/>
+                                        <p:tgtEl>
+                                          <p:spTgt spid="8"/>
+                                        </p:tgtEl>
+                                        <p:attrNameLst>
+                                          <p:attrName>ppt_y</p:attrName>
+                                        </p:attrNameLst>
+                                      </p:cBhvr>
+                                      <p:tavLst>
+                                        <p:tav tm="0">
+                                          <p:val>
+                                            <p:strVal val="#ppt_y+.1"/>
+                                          </p:val>
+                                        </p:tav>
+                                        <p:tav tm="100000">
+                                          <p:val>
+                                            <p:strVal val="#ppt_y"/>
+                                          </p:val>
+                                        </p:tav>
+                                      </p:tavLst>
+                                    </p:anim>
+                                  </p:childTnLst>
+                                </p:cTn>
+                              </p:par>
+                              <p:par>
+                                <p:cTn id="10" presetID="42" presetClass="entr" presetSubtype="0" fill="hold" grpId="0" nodeType="withEffect">
+                                  <p:stCondLst>
+                                    <p:cond delay="0"/>
+                                  </p:stCondLst>
+                                  <p:childTnLst>
+                                    <p:set>
+                                      <p:cBhvr>
+                                        <p:cTn id="11" dur="1" fill="hold">
+                                          <p:stCondLst>
+                                            <p:cond delay="0"/>
+                                          </p:stCondLst>
+                                        </p:cTn>
+                                        <p:tgtEl>
+                                          <p:spTgt spid="9"/>
+                                        </p:tgtEl>
+                                        <p:attrNameLst>
+                                          <p:attrName>style.visibility</p:attrName>
+                                        </p:attrNameLst>
+                                      </p:cBhvr>
+                                      <p:to>
+                                        <p:strVal val="visible"/>
+                                      </p:to>
+                                    </p:set>
+                                    <p:animEffect transition="in" filter="fade">
+                                      <p:cBhvr>
+                                        <p:cTn id="12" dur="1000"/>
+                                        <p:tgtEl>
+                                          <p:spTgt spid="9"/>
+                                        </p:tgtEl>
+                                      </p:cBhvr>
+                                    </p:animEffect>
+                                    <p:anim calcmode="lin" valueType="num">
+                                      <p:cBhvr>
+                                        <p:cTn id="13" dur="1000" fill="hold"/>
+                                        <p:tgtEl>
+                                          <p:spTgt spid="9"/>
+                                        </p:tgtEl>
+                                        <p:attrNameLst>
+                                          <p:attrName>ppt_x</p:attrName>
+                                        </p:attrNameLst>
+                                      </p:cBhvr>
+                                      <p:tavLst>
+                                        <p:tav tm="0">
+                                          <p:val>
+                                            <p:strVal val="#ppt_x"/>
+                                          </p:val>
+                                        </p:tav>
+                                        <p:tav tm="100000">
+                                          <p:val>
+                                            <p:strVal val="#ppt_x"/>
+                                          </p:val>
+                                        </p:tav>
+                                      </p:tavLst>
+                                    </p:anim>
+                                    <p:anim calcmode="lin" valueType="num">
+                                      <p:cBhvr>
+                                        <p:cTn id="14" dur="1000" fill="hold"/>
+                                        <p:tgtEl>
+                                          <p:spTgt spid="9"/>
+                                        </p:tgtEl>
+                                        <p:attrNameLst>
+                                          <p:attrName>ppt_y</p:attrName>
+                                        </p:attrNameLst>
+                                      </p:cBhvr>
+                                      <p:tavLst>
+                                        <p:tav tm="0">
+                                          <p:val>
+                                            <p:strVal val="#ppt_y+.1"/>
+                                          </p:val>
+                                        </p:tav>
+                                        <p:tav tm="100000">
+                                          <p:val>
+                                            <p:strVal val="#ppt_y"/>
+                                          </p:val>
+                                        </p:tav>
+                                      </p:tavLst>
+                                    </p:anim>
+                                  </p:childTnLst>
+                                </p:cTn>
+                              </p:par>
+                            </p:childTnLst>
+                          </p:cTn>
+                        </p:par>
+                        <p:par>
+                          <p:cTn id="15" fill="hold">
+                            <p:stCondLst>
+                              <p:cond delay="1000"/>
+                            </p:stCondLst>
+                            <p:childTnLst>
+                              <p:par>
+                                <p:cTn id="16" presetID="42" presetClass="entr" presetSubtype="0" fill="hold" grpId="0" nodeType="afterEffect">
+                                  <p:stCondLst>
+                                    <p:cond delay="0"/>
+                                  </p:stCondLst>
+                                  <p:childTnLst>
+                                    <p:set>
+                                      <p:cBhvr>
+                                        <p:cTn id="17" dur="1" fill="hold">
+                                          <p:stCondLst>
+                                            <p:cond delay="0"/>
+                                          </p:stCondLst>
+                                        </p:cTn>
+                                        <p:tgtEl>
+                                          <p:spTgt spid="11"/>
+                                        </p:tgtEl>
+                                        <p:attrNameLst>
+                                          <p:attrName>style.visibility</p:attrName>
+                                        </p:attrNameLst>
+                                      </p:cBhvr>
+                                      <p:to>
+                                        <p:strVal val="visible"/>
+                                      </p:to>
+                                    </p:set>
+                                    <p:animEffect transition="in" filter="fade">
+                                      <p:cBhvr>
+                                        <p:cTn id="18" dur="1000"/>
+                                        <p:tgtEl>
+                                          <p:spTgt spid="11"/>
+                                        </p:tgtEl>
+                                      </p:cBhvr>
+                                    </p:animEffect>
+                                    <p:anim calcmode="lin" valueType="num">
+                                      <p:cBhvr>
+                                        <p:cTn id="19" dur="1000" fill="hold"/>
+                                        <p:tgtEl>
+                                          <p:spTgt spid="11"/>
+                                        </p:tgtEl>
+                                        <p:attrNameLst>
+                                          <p:attrName>ppt_x</p:attrName>
+                                        </p:attrNameLst>
+                                      </p:cBhvr>
+                                      <p:tavLst>
+                                        <p:tav tm="0">
+                                          <p:val>
+                                            <p:strVal val="#ppt_x"/>
+                                          </p:val>
+                                        </p:tav>
+                                        <p:tav tm="100000">
+                                          <p:val>
+                                            <p:strVal val="#ppt_x"/>
+                                          </p:val>
+                                        </p:tav>
+                                      </p:tavLst>
+                                    </p:anim>
+                                    <p:anim calcmode="lin" valueType="num">
+                                      <p:cBhvr>
+                                        <p:cTn id="20" dur="1000" fill="hold"/>
+                                        <p:tgtEl>
+                                          <p:spTgt spid="11"/>
+                                        </p:tgtEl>
+                                        <p:attrNameLst>
+                                          <p:attrName>ppt_y</p:attrName>
+                                        </p:attrNameLst>
+                                      </p:cBhvr>
+                                      <p:tavLst>
+                                        <p:tav tm="0">
+                                          <p:val>
+                                            <p:strVal val="#ppt_y+.1"/>
+                                          </p:val>
+                                        </p:tav>
+                                        <p:tav tm="100000">
+                                          <p:val>
+                                            <p:strVal val="#ppt_y"/>
+                                          </p:val>
+                                        </p:tav>
+                                      </p:tavLst>
+                                    </p:anim>
+                                  </p:childTnLst>
+                                </p:cTn>
+                              </p:par>
+                              <p:par>
+                                <p:cTn id="21" presetID="42" presetClass="entr" presetSubtype="0" fill="hold" grpId="0" nodeType="withEffect">
+                                  <p:stCondLst>
+                                    <p:cond delay="0"/>
+                                  </p:stCondLst>
+                                  <p:childTnLst>
+                                    <p:set>
+                                      <p:cBhvr>
+                                        <p:cTn id="22" dur="1" fill="hold">
+                                          <p:stCondLst>
+                                            <p:cond delay="0"/>
+                                          </p:stCondLst>
+                                        </p:cTn>
+                                        <p:tgtEl>
+                                          <p:spTgt spid="10"/>
+                                        </p:tgtEl>
+                                        <p:attrNameLst>
+                                          <p:attrName>style.visibility</p:attrName>
+                                        </p:attrNameLst>
+                                      </p:cBhvr>
+                                      <p:to>
+                                        <p:strVal val="visible"/>
+                                      </p:to>
+                                    </p:set>
+                                    <p:animEffect transition="in" filter="fade">
+                                      <p:cBhvr>
+                                        <p:cTn id="23" dur="1000"/>
+                                        <p:tgtEl>
+                                          <p:spTgt spid="10"/>
+                                        </p:tgtEl>
+                                      </p:cBhvr>
+                                    </p:animEffect>
+                                    <p:anim calcmode="lin" valueType="num">
+                                      <p:cBhvr>
+                                        <p:cTn id="24" dur="1000" fill="hold"/>
+                                        <p:tgtEl>
+                                          <p:spTgt spid="10"/>
+                                        </p:tgtEl>
+                                        <p:attrNameLst>
+                                          <p:attrName>ppt_x</p:attrName>
+                                        </p:attrNameLst>
+                                      </p:cBhvr>
+                                      <p:tavLst>
+                                        <p:tav tm="0">
+                                          <p:val>
+                                            <p:strVal val="#ppt_x"/>
+                                          </p:val>
+                                        </p:tav>
+                                        <p:tav tm="100000">
+                                          <p:val>
+                                            <p:strVal val="#ppt_x"/>
+                                          </p:val>
+                                        </p:tav>
+                                      </p:tavLst>
+                                    </p:anim>
+                                    <p:anim calcmode="lin" valueType="num">
+                                      <p:cBhvr>
+                                        <p:cTn id="25" dur="1000" fill="hold"/>
+                                        <p:tgtEl>
+                                          <p:spTgt spid="10"/>
+                                        </p:tgtEl>
+                                        <p:attrNameLst>
+                                          <p:attrName>ppt_y</p:attrName>
+                                        </p:attrNameLst>
+                                      </p:cBhvr>
+                                      <p:tavLst>
+                                        <p:tav tm="0">
+                                          <p:val>
+                                            <p:strVal val="#ppt_y+.1"/>
+                                          </p:val>
+                                        </p:tav>
+                                        <p:tav tm="100000">
+                                          <p:val>
+                                            <p:strVal val="#ppt_y"/>
+                                          </p:val>
+                                        </p:tav>
+                                      </p:tavLst>
+                                    </p:anim>
+                                  </p:childTnLst>
+                                </p:cTn>
+                              </p:par>
+                            </p:childTnLst>
+                          </p:cTn>
+                        </p:par>
+                        <p:par>
+                          <p:cTn id="26" fill="hold">
+                            <p:stCondLst>
+                              <p:cond delay="2000"/>
+                            </p:stCondLst>
+                            <p:childTnLst>
+                              <p:par>
+                                <p:cTn id="27" presetID="42" presetClass="entr" presetSubtype="0" fill="hold" grpId="0" nodeType="afterEffect">
+                                  <p:stCondLst>
+                                    <p:cond delay="0"/>
+                                  </p:stCondLst>
+                                  <p:childTnLst>
+                                    <p:set>
+                                      <p:cBhvr>
+                                        <p:cTn id="28" dur="1" fill="hold">
+                                          <p:stCondLst>
+                                            <p:cond delay="0"/>
+                                          </p:stCondLst>
+                                        </p:cTn>
+                                        <p:tgtEl>
+                                          <p:spTgt spid="13"/>
+                                        </p:tgtEl>
+                                        <p:attrNameLst>
+                                          <p:attrName>style.visibility</p:attrName>
+                                        </p:attrNameLst>
+                                      </p:cBhvr>
+                                      <p:to>
+                                        <p:strVal val="visible"/>
+                                      </p:to>
+                                    </p:set>
+                                    <p:animEffect transition="in" filter="fade">
+                                      <p:cBhvr>
+                                        <p:cTn id="29" dur="1000"/>
+                                        <p:tgtEl>
+                                          <p:spTgt spid="13"/>
+                                        </p:tgtEl>
+                                      </p:cBhvr>
+                                    </p:animEffect>
+                                    <p:anim calcmode="lin" valueType="num">
+                                      <p:cBhvr>
+                                        <p:cTn id="30" dur="1000" fill="hold"/>
+                                        <p:tgtEl>
+                                          <p:spTgt spid="13"/>
+                                        </p:tgtEl>
+                                        <p:attrNameLst>
+                                          <p:attrName>ppt_x</p:attrName>
+                                        </p:attrNameLst>
+                                      </p:cBhvr>
+                                      <p:tavLst>
+                                        <p:tav tm="0">
+                                          <p:val>
+                                            <p:strVal val="#ppt_x"/>
+                                          </p:val>
+                                        </p:tav>
+                                        <p:tav tm="100000">
+                                          <p:val>
+                                            <p:strVal val="#ppt_x"/>
+                                          </p:val>
+                                        </p:tav>
+                                      </p:tavLst>
+                                    </p:anim>
+                                    <p:anim calcmode="lin" valueType="num">
+                                      <p:cBhvr>
+                                        <p:cTn id="31" dur="1000" fill="hold"/>
+                                        <p:tgtEl>
+                                          <p:spTgt spid="13"/>
+                                        </p:tgtEl>
+                                        <p:attrNameLst>
+                                          <p:attrName>ppt_y</p:attrName>
+                                        </p:attrNameLst>
+                                      </p:cBhvr>
+                                      <p:tavLst>
+                                        <p:tav tm="0">
+                                          <p:val>
+                                            <p:strVal val="#ppt_y+.1"/>
+                                          </p:val>
+                                        </p:tav>
+                                        <p:tav tm="100000">
+                                          <p:val>
+                                            <p:strVal val="#ppt_y"/>
+                                          </p:val>
+                                        </p:tav>
+                                      </p:tavLst>
+                                    </p:anim>
+                                  </p:childTnLst>
+                                </p:cTn>
+                              </p:par>
+                              <p:par>
+                                <p:cTn id="32" presetID="42" presetClass="entr" presetSubtype="0" fill="hold" grpId="0" nodeType="withEffect">
+                                  <p:stCondLst>
+                                    <p:cond delay="0"/>
+                                  </p:stCondLst>
+                                  <p:childTnLst>
+                                    <p:set>
+                                      <p:cBhvr>
+                                        <p:cTn id="33" dur="1" fill="hold">
+                                          <p:stCondLst>
+                                            <p:cond delay="0"/>
+                                          </p:stCondLst>
+                                        </p:cTn>
+                                        <p:tgtEl>
+                                          <p:spTgt spid="12"/>
+                                        </p:tgtEl>
+                                        <p:attrNameLst>
+                                          <p:attrName>style.visibility</p:attrName>
+                                        </p:attrNameLst>
+                                      </p:cBhvr>
+                                      <p:to>
+                                        <p:strVal val="visible"/>
+                                      </p:to>
+                                    </p:set>
+                                    <p:animEffect transition="in" filter="fade">
+                                      <p:cBhvr>
+                                        <p:cTn id="34" dur="1000"/>
+                                        <p:tgtEl>
+                                          <p:spTgt spid="12"/>
+                                        </p:tgtEl>
+                                      </p:cBhvr>
+                                    </p:animEffect>
+                                    <p:anim calcmode="lin" valueType="num">
+                                      <p:cBhvr>
+                                        <p:cTn id="35" dur="1000" fill="hold"/>
+                                        <p:tgtEl>
+                                          <p:spTgt spid="12"/>
+                                        </p:tgtEl>
+                                        <p:attrNameLst>
+                                          <p:attrName>ppt_x</p:attrName>
+                                        </p:attrNameLst>
+                                      </p:cBhvr>
+                                      <p:tavLst>
+                                        <p:tav tm="0">
+                                          <p:val>
+                                            <p:strVal val="#ppt_x"/>
+                                          </p:val>
+                                        </p:tav>
+                                        <p:tav tm="100000">
+                                          <p:val>
+                                            <p:strVal val="#ppt_x"/>
+                                          </p:val>
+                                        </p:tav>
+                                      </p:tavLst>
+                                    </p:anim>
+                                    <p:anim calcmode="lin" valueType="num">
+                                      <p:cBhvr>
+                                        <p:cTn id="36" dur="1000" fill="hold"/>
+                                        <p:tgtEl>
+                                          <p:spTgt spid="12"/>
+                                        </p:tgtEl>
+                                        <p:attrNameLst>
+                                          <p:attrName>ppt_y</p:attrName>
+                                        </p:attrNameLst>
+                                      </p:cBhvr>
+                                      <p:tavLst>
+                                        <p:tav tm="0">
+                                          <p:val>
+                                            <p:strVal val="#ppt_y+.1"/>
+                                          </p:val>
+                                        </p:tav>
+                                        <p:tav tm="100000">
+                                          <p:val>
+                                            <p:strVal val="#ppt_y"/>
+                                          </p:val>
+                                        </p:tav>
+                                      </p:tavLst>
+                                    </p:anim>
                                   </p:childTnLst>
                                 </p:cTn>
                               </p:par>
@@ -19102,6 +22378,14 @@
         </p:cTn>
       </p:par>
     </p:tnLst>
+    <p:bldLst>
+      <p:bldP spid="8" grpId="0" animBg="1"/>
+      <p:bldP spid="9" grpId="0"/>
+      <p:bldP spid="10" grpId="0"/>
+      <p:bldP spid="11" grpId="0" animBg="1"/>
+      <p:bldP spid="12" grpId="0"/>
+      <p:bldP spid="13" grpId="0" animBg="1"/>
+    </p:bldLst>
   </p:timing>
 </p:sld>
 </file>
@@ -19144,12 +22428,86 @@
           <a:lstStyle/>
           <a:p>
             <a:r>
-              <a:rPr lang="fr-FR" altLang="ko-KR" sz="2800" dirty="0"/>
+              <a:rPr lang="fr-FR" altLang="ko-KR" sz="2800" dirty="0">
+                <a:latin typeface="Chalkboard" panose="03050602040202020205" pitchFamily="66" charset="77"/>
+              </a:rPr>
               <a:t>Conception et implémentation </a:t>
             </a:r>
           </a:p>
         </p:txBody>
       </p:sp>
+      <p:pic>
+        <p:nvPicPr>
+          <p:cNvPr id="4" name="Picture 3">
+            <a:extLst>
+              <a:ext uri="{FF2B5EF4-FFF2-40B4-BE49-F238E27FC236}">
+                <a16:creationId xmlns:a16="http://schemas.microsoft.com/office/drawing/2014/main" id="{1F007D14-381F-8843-B27C-186470727C39}"/>
+              </a:ext>
+            </a:extLst>
+          </p:cNvPr>
+          <p:cNvPicPr>
+            <a:picLocks noChangeAspect="1"/>
+          </p:cNvPicPr>
+          <p:nvPr/>
+        </p:nvPicPr>
+        <p:blipFill>
+          <a:blip r:embed="rId3">
+            <a:extLst>
+              <a:ext uri="{28A0092B-C50C-407E-A947-70E740481C1C}">
+                <a14:useLocalDpi xmlns:a14="http://schemas.microsoft.com/office/drawing/2010/main" val="0"/>
+              </a:ext>
+            </a:extLst>
+          </a:blip>
+          <a:stretch>
+            <a:fillRect/>
+          </a:stretch>
+        </p:blipFill>
+        <p:spPr>
+          <a:xfrm>
+            <a:off x="3714750" y="1161559"/>
+            <a:ext cx="1714500" cy="2070100"/>
+          </a:xfrm>
+          <a:prstGeom prst="rect">
+            <a:avLst/>
+          </a:prstGeom>
+        </p:spPr>
+      </p:pic>
+      <p:pic>
+        <p:nvPicPr>
+          <p:cNvPr id="6" name="Picture 5">
+            <a:extLst>
+              <a:ext uri="{FF2B5EF4-FFF2-40B4-BE49-F238E27FC236}">
+                <a16:creationId xmlns:a16="http://schemas.microsoft.com/office/drawing/2014/main" id="{9ED9AA0B-5C6A-874A-9A3F-6D95A882F641}"/>
+              </a:ext>
+            </a:extLst>
+          </p:cNvPr>
+          <p:cNvPicPr>
+            <a:picLocks noChangeAspect="1"/>
+          </p:cNvPicPr>
+          <p:nvPr/>
+        </p:nvPicPr>
+        <p:blipFill>
+          <a:blip r:embed="rId4">
+            <a:extLst>
+              <a:ext uri="{28A0092B-C50C-407E-A947-70E740481C1C}">
+                <a14:useLocalDpi xmlns:a14="http://schemas.microsoft.com/office/drawing/2010/main" val="0"/>
+              </a:ext>
+            </a:extLst>
+          </a:blip>
+          <a:stretch>
+            <a:fillRect/>
+          </a:stretch>
+        </p:blipFill>
+        <p:spPr>
+          <a:xfrm>
+            <a:off x="2262520" y="801674"/>
+            <a:ext cx="4618959" cy="3180267"/>
+          </a:xfrm>
+          <a:prstGeom prst="rect">
+            <a:avLst/>
+          </a:prstGeom>
+        </p:spPr>
+      </p:pic>
     </p:spTree>
     <p:extLst>
       <p:ext uri="{BB962C8B-B14F-4D97-AF65-F5344CB8AC3E}">
@@ -19207,14 +22565,20 @@
           <a:lstStyle/>
           <a:p>
             <a:r>
-              <a:rPr lang="fr-FR" dirty="0"/>
+              <a:rPr lang="fr-FR" dirty="0">
+                <a:latin typeface="Chalkboard" panose="03050602040202020205" pitchFamily="66" charset="77"/>
+              </a:rPr>
               <a:t>Architecture globale de </a:t>
             </a:r>
             <a:r>
-              <a:rPr lang="fr-FR" dirty="0" err="1"/>
+              <a:rPr lang="fr-FR" dirty="0" err="1">
+                <a:latin typeface="Chalkboard" panose="03050602040202020205" pitchFamily="66" charset="77"/>
+              </a:rPr>
               <a:t>YouTaQA</a:t>
             </a:r>
-            <a:endParaRPr lang="fr-FR" dirty="0"/>
+            <a:endParaRPr lang="fr-FR" dirty="0">
+              <a:latin typeface="Chalkboard" panose="03050602040202020205" pitchFamily="66" charset="77"/>
+            </a:endParaRPr>
           </a:p>
         </p:txBody>
       </p:sp>
@@ -19272,6 +22636,7 @@
               <a:solidFill>
                 <a:schemeClr val="tx1"/>
               </a:solidFill>
+              <a:latin typeface="Chalkboard" panose="03050602040202020205" pitchFamily="66" charset="77"/>
             </a:endParaRPr>
           </a:p>
         </p:txBody>
@@ -19455,7 +22820,9 @@
           <a:lstStyle/>
           <a:p>
             <a:r>
-              <a:rPr lang="fr-FR" dirty="0"/>
+              <a:rPr lang="fr-FR" dirty="0">
+                <a:latin typeface="Chalkboard" panose="03050602040202020205" pitchFamily="66" charset="77"/>
+              </a:rPr>
               <a:t>Choix des jeux de données</a:t>
             </a:r>
           </a:p>
@@ -19515,6 +22882,7 @@
               <a:solidFill>
                 <a:schemeClr val="tx1"/>
               </a:solidFill>
+              <a:latin typeface="Chalkboard" panose="03050602040202020205" pitchFamily="66" charset="77"/>
             </a:endParaRPr>
           </a:p>
         </p:txBody>
@@ -19603,6 +22971,7 @@
               <a:solidFill>
                 <a:srgbClr val="32AEB8"/>
               </a:solidFill>
+              <a:latin typeface="Chalkboard" panose="03050602040202020205" pitchFamily="66" charset="77"/>
             </a:endParaRPr>
           </a:p>
         </p:txBody>
@@ -19636,16 +23005,19 @@
           <a:lstStyle/>
           <a:p>
             <a:r>
-              <a:rPr lang="en-DZ" sz="1600" dirty="0"/>
+              <a:rPr lang="en-DZ" sz="1600" b="1" dirty="0">
+                <a:latin typeface="Chalkboard" panose="03050602040202020205" pitchFamily="66" charset="77"/>
+              </a:rPr>
               <a:t>100 000 paires de Question-Réponse</a:t>
             </a:r>
-            <a:endParaRPr lang="ko-KR" altLang="en-US" sz="1600" dirty="0">
+            <a:endParaRPr lang="ko-KR" altLang="en-US" sz="1600" b="1" dirty="0">
               <a:solidFill>
                 <a:schemeClr val="tx1">
                   <a:lumMod val="75000"/>
                   <a:lumOff val="25000"/>
                 </a:schemeClr>
               </a:solidFill>
+              <a:latin typeface="Chalkboard" panose="03050602040202020205" pitchFamily="66" charset="77"/>
               <a:cs typeface="Arial" panose="020B0604020202020204" pitchFamily="34" charset="0"/>
             </a:endParaRPr>
           </a:p>
@@ -19705,6 +23077,7 @@
               <a:solidFill>
                 <a:srgbClr val="32AEB8"/>
               </a:solidFill>
+              <a:latin typeface="Chalkboard" panose="03050602040202020205" pitchFamily="66" charset="77"/>
             </a:endParaRPr>
           </a:p>
         </p:txBody>
@@ -19724,7 +23097,7 @@
         <p:spPr>
           <a:xfrm>
             <a:off x="5002561" y="3657337"/>
-            <a:ext cx="3183885" cy="338554"/>
+            <a:ext cx="3340402" cy="338554"/>
           </a:xfrm>
           <a:prstGeom prst="rect">
             <a:avLst/>
@@ -19738,7 +23111,9 @@
           <a:lstStyle/>
           <a:p>
             <a:r>
-              <a:rPr lang="fr-FR" sz="1600" dirty="0"/>
+              <a:rPr lang="fr-FR" sz="1600" b="1" dirty="0">
+                <a:latin typeface="Chalkboard" panose="03050602040202020205" pitchFamily="66" charset="77"/>
+              </a:rPr>
               <a:t>50 000 Questions sans réponses</a:t>
             </a:r>
           </a:p>
@@ -19798,6 +23173,7 @@
               <a:solidFill>
                 <a:srgbClr val="32AEB8"/>
               </a:solidFill>
+              <a:latin typeface="Chalkboard" panose="03050602040202020205" pitchFamily="66" charset="77"/>
             </a:endParaRPr>
           </a:p>
         </p:txBody>
@@ -19817,7 +23193,7 @@
         <p:spPr>
           <a:xfrm>
             <a:off x="5002561" y="1634131"/>
-            <a:ext cx="2964273" cy="338554"/>
+            <a:ext cx="3182090" cy="338554"/>
           </a:xfrm>
           <a:prstGeom prst="rect">
             <a:avLst/>
@@ -19831,7 +23207,9 @@
           <a:lstStyle/>
           <a:p>
             <a:r>
-              <a:rPr lang="fr-FR" sz="1600" dirty="0"/>
+              <a:rPr lang="fr-FR" sz="1600" b="1" dirty="0">
+                <a:latin typeface="Chalkboard" panose="03050602040202020205" pitchFamily="66" charset="77"/>
+              </a:rPr>
               <a:t>Basé sur les articles Wikipédia</a:t>
             </a:r>
           </a:p>
@@ -20570,7 +23948,9 @@
           <a:lstStyle/>
           <a:p>
             <a:r>
-              <a:rPr lang="fr-FR" dirty="0"/>
+              <a:rPr lang="fr-FR" dirty="0">
+                <a:latin typeface="Chalkboard" panose="03050602040202020205" pitchFamily="66" charset="77"/>
+              </a:rPr>
               <a:t>Moteur de recherche MRI</a:t>
             </a:r>
           </a:p>
@@ -20630,6 +24010,7 @@
               <a:solidFill>
                 <a:schemeClr val="tx1"/>
               </a:solidFill>
+              <a:latin typeface="Chalkboard" panose="03050602040202020205" pitchFamily="66" charset="77"/>
             </a:endParaRPr>
           </a:p>
         </p:txBody>
@@ -20913,7 +24294,9 @@
           <a:lstStyle/>
           <a:p>
             <a:r>
-              <a:rPr lang="fr-FR" dirty="0"/>
+              <a:rPr lang="fr-FR" dirty="0">
+                <a:latin typeface="Chalkboard" panose="03050602040202020205" pitchFamily="66" charset="77"/>
+              </a:rPr>
               <a:t>Module de classification MC</a:t>
             </a:r>
           </a:p>
@@ -21313,6 +24696,7 @@
             <a:pPr algn="l"/>
             <a:r>
               <a:rPr lang="en-US" sz="3600" dirty="0">
+                <a:latin typeface="Chalkboard" panose="03050602040202020205" pitchFamily="66" charset="77"/>
                 <a:cs typeface="Arial" panose="020B0604020202020204" pitchFamily="34" charset="0"/>
               </a:rPr>
               <a:t>Plan du travail</a:t>
@@ -21385,7 +24769,9 @@
             <a:lstStyle/>
             <a:p>
               <a:pPr algn="ctr"/>
-              <a:endParaRPr lang="ko-KR" altLang="en-US"/>
+              <a:endParaRPr lang="ko-KR" altLang="en-US">
+                <a:latin typeface="Chalkboard" panose="03050602040202020205" pitchFamily="66" charset="77"/>
+              </a:endParaRPr>
             </a:p>
           </p:txBody>
         </p:sp>
@@ -21440,7 +24826,9 @@
             <a:lstStyle/>
             <a:p>
               <a:pPr algn="ctr"/>
-              <a:endParaRPr lang="ko-KR" altLang="en-US" dirty="0"/>
+              <a:endParaRPr lang="ko-KR" altLang="en-US" dirty="0">
+                <a:latin typeface="Chalkboard" panose="03050602040202020205" pitchFamily="66" charset="77"/>
+              </a:endParaRPr>
             </a:p>
           </p:txBody>
         </p:sp>
@@ -21510,7 +24898,9 @@
             <a:lstStyle/>
             <a:p>
               <a:pPr algn="ctr"/>
-              <a:endParaRPr lang="ko-KR" altLang="en-US"/>
+              <a:endParaRPr lang="ko-KR" altLang="en-US">
+                <a:latin typeface="Chalkboard" panose="03050602040202020205" pitchFamily="66" charset="77"/>
+              </a:endParaRPr>
             </a:p>
           </p:txBody>
         </p:sp>
@@ -21565,7 +24955,9 @@
             <a:lstStyle/>
             <a:p>
               <a:pPr algn="ctr"/>
-              <a:endParaRPr lang="ko-KR" altLang="en-US"/>
+              <a:endParaRPr lang="ko-KR" altLang="en-US">
+                <a:latin typeface="Chalkboard" panose="03050602040202020205" pitchFamily="66" charset="77"/>
+              </a:endParaRPr>
             </a:p>
           </p:txBody>
         </p:sp>
@@ -21635,7 +25027,9 @@
             <a:lstStyle/>
             <a:p>
               <a:pPr algn="ctr"/>
-              <a:endParaRPr lang="ko-KR" altLang="en-US"/>
+              <a:endParaRPr lang="ko-KR" altLang="en-US">
+                <a:latin typeface="Chalkboard" panose="03050602040202020205" pitchFamily="66" charset="77"/>
+              </a:endParaRPr>
             </a:p>
           </p:txBody>
         </p:sp>
@@ -21690,7 +25084,9 @@
             <a:lstStyle/>
             <a:p>
               <a:pPr algn="ctr"/>
-              <a:endParaRPr lang="ko-KR" altLang="en-US"/>
+              <a:endParaRPr lang="ko-KR" altLang="en-US">
+                <a:latin typeface="Chalkboard" panose="03050602040202020205" pitchFamily="66" charset="77"/>
+              </a:endParaRPr>
             </a:p>
           </p:txBody>
         </p:sp>
@@ -21760,7 +25156,9 @@
             <a:lstStyle/>
             <a:p>
               <a:pPr algn="ctr"/>
-              <a:endParaRPr lang="ko-KR" altLang="en-US"/>
+              <a:endParaRPr lang="ko-KR" altLang="en-US">
+                <a:latin typeface="Chalkboard" panose="03050602040202020205" pitchFamily="66" charset="77"/>
+              </a:endParaRPr>
             </a:p>
           </p:txBody>
         </p:sp>
@@ -21815,7 +25213,9 @@
             <a:lstStyle/>
             <a:p>
               <a:pPr algn="ctr"/>
-              <a:endParaRPr lang="ko-KR" altLang="en-US"/>
+              <a:endParaRPr lang="ko-KR" altLang="en-US">
+                <a:latin typeface="Chalkboard" panose="03050602040202020205" pitchFamily="66" charset="77"/>
+              </a:endParaRPr>
             </a:p>
           </p:txBody>
         </p:sp>
@@ -21847,6 +25247,7 @@
                 <a:solidFill>
                   <a:schemeClr val="bg1"/>
                 </a:solidFill>
+                <a:latin typeface="Chalkboard" panose="03050602040202020205" pitchFamily="66" charset="77"/>
                 <a:cs typeface="Arial" panose="020B0604020202020204" pitchFamily="34" charset="0"/>
               </a:rPr>
               <a:t>1</a:t>
@@ -21855,6 +25256,7 @@
               <a:solidFill>
                 <a:schemeClr val="bg1"/>
               </a:solidFill>
+              <a:latin typeface="Chalkboard" panose="03050602040202020205" pitchFamily="66" charset="77"/>
               <a:cs typeface="Arial" panose="020B0604020202020204" pitchFamily="34" charset="0"/>
             </a:endParaRPr>
           </a:p>
@@ -21887,6 +25289,7 @@
                 <a:solidFill>
                   <a:schemeClr val="bg1"/>
                 </a:solidFill>
+                <a:latin typeface="Chalkboard" panose="03050602040202020205" pitchFamily="66" charset="77"/>
                 <a:cs typeface="Arial" panose="020B0604020202020204" pitchFamily="34" charset="0"/>
               </a:rPr>
               <a:t>2</a:t>
@@ -21895,6 +25298,7 @@
               <a:solidFill>
                 <a:schemeClr val="bg1"/>
               </a:solidFill>
+              <a:latin typeface="Chalkboard" panose="03050602040202020205" pitchFamily="66" charset="77"/>
               <a:cs typeface="Arial" panose="020B0604020202020204" pitchFamily="34" charset="0"/>
             </a:endParaRPr>
           </a:p>
@@ -21927,6 +25331,7 @@
                 <a:solidFill>
                   <a:schemeClr val="bg1"/>
                 </a:solidFill>
+                <a:latin typeface="Chalkboard" panose="03050602040202020205" pitchFamily="66" charset="77"/>
                 <a:cs typeface="Arial" panose="020B0604020202020204" pitchFamily="34" charset="0"/>
               </a:rPr>
               <a:t>3</a:t>
@@ -21935,6 +25340,7 @@
               <a:solidFill>
                 <a:schemeClr val="bg1"/>
               </a:solidFill>
+              <a:latin typeface="Chalkboard" panose="03050602040202020205" pitchFamily="66" charset="77"/>
               <a:cs typeface="Arial" panose="020B0604020202020204" pitchFamily="34" charset="0"/>
             </a:endParaRPr>
           </a:p>
@@ -21967,6 +25373,7 @@
                 <a:solidFill>
                   <a:schemeClr val="bg1"/>
                 </a:solidFill>
+                <a:latin typeface="Chalkboard" panose="03050602040202020205" pitchFamily="66" charset="77"/>
                 <a:cs typeface="Arial" panose="020B0604020202020204" pitchFamily="34" charset="0"/>
               </a:rPr>
               <a:t>4</a:t>
@@ -21975,6 +25382,7 @@
               <a:solidFill>
                 <a:schemeClr val="bg1"/>
               </a:solidFill>
+              <a:latin typeface="Chalkboard" panose="03050602040202020205" pitchFamily="66" charset="77"/>
               <a:cs typeface="Arial" panose="020B0604020202020204" pitchFamily="34" charset="0"/>
             </a:endParaRPr>
           </a:p>
@@ -22010,6 +25418,7 @@
                     <a:lumOff val="25000"/>
                   </a:schemeClr>
                 </a:solidFill>
+                <a:latin typeface="Chalkboard" panose="03050602040202020205" pitchFamily="66" charset="77"/>
                 <a:cs typeface="Arial" panose="020B0604020202020204" pitchFamily="34" charset="0"/>
               </a:rPr>
               <a:t>Introduction</a:t>
@@ -22021,6 +25430,7 @@
                   <a:lumOff val="25000"/>
                 </a:schemeClr>
               </a:solidFill>
+              <a:latin typeface="Chalkboard" panose="03050602040202020205" pitchFamily="66" charset="77"/>
               <a:cs typeface="Arial" panose="020B0604020202020204" pitchFamily="34" charset="0"/>
             </a:endParaRPr>
           </a:p>
@@ -22056,6 +25466,7 @@
                     <a:lumOff val="25000"/>
                   </a:schemeClr>
                 </a:solidFill>
+                <a:latin typeface="Chalkboard" panose="03050602040202020205" pitchFamily="66" charset="77"/>
                 <a:cs typeface="Arial" panose="020B0604020202020204" pitchFamily="34" charset="0"/>
               </a:rPr>
               <a:t>Les systèmes Questions-Réponses</a:t>
@@ -22093,6 +25504,7 @@
                     <a:lumOff val="25000"/>
                   </a:schemeClr>
                 </a:solidFill>
+                <a:latin typeface="Chalkboard" panose="03050602040202020205" pitchFamily="66" charset="77"/>
               </a:rPr>
               <a:t>Etat de l'art </a:t>
             </a:r>
@@ -22103,6 +25515,7 @@
                   <a:lumOff val="25000"/>
                 </a:schemeClr>
               </a:solidFill>
+              <a:latin typeface="Chalkboard" panose="03050602040202020205" pitchFamily="66" charset="77"/>
               <a:cs typeface="Arial" panose="020B0604020202020204" pitchFamily="34" charset="0"/>
             </a:endParaRPr>
           </a:p>
@@ -22138,6 +25551,7 @@
                     <a:lumOff val="25000"/>
                   </a:schemeClr>
                 </a:solidFill>
+                <a:latin typeface="Chalkboard" panose="03050602040202020205" pitchFamily="66" charset="77"/>
               </a:rPr>
               <a:t>Généralités </a:t>
             </a:r>
@@ -22221,7 +25635,9 @@
             <a:lstStyle/>
             <a:p>
               <a:pPr algn="ctr"/>
-              <a:endParaRPr lang="ko-KR" altLang="en-US"/>
+              <a:endParaRPr lang="ko-KR" altLang="en-US">
+                <a:latin typeface="Chalkboard" panose="03050602040202020205" pitchFamily="66" charset="77"/>
+              </a:endParaRPr>
             </a:p>
           </p:txBody>
         </p:sp>
@@ -22282,7 +25698,9 @@
             <a:lstStyle/>
             <a:p>
               <a:pPr algn="ctr"/>
-              <a:endParaRPr lang="ko-KR" altLang="en-US"/>
+              <a:endParaRPr lang="ko-KR" altLang="en-US">
+                <a:latin typeface="Chalkboard" panose="03050602040202020205" pitchFamily="66" charset="77"/>
+              </a:endParaRPr>
             </a:p>
           </p:txBody>
         </p:sp>
@@ -22364,7 +25782,9 @@
             <a:lstStyle/>
             <a:p>
               <a:pPr algn="ctr"/>
-              <a:endParaRPr lang="ko-KR" altLang="en-US"/>
+              <a:endParaRPr lang="ko-KR" altLang="en-US">
+                <a:latin typeface="Chalkboard" panose="03050602040202020205" pitchFamily="66" charset="77"/>
+              </a:endParaRPr>
             </a:p>
           </p:txBody>
         </p:sp>
@@ -22425,7 +25845,9 @@
             <a:lstStyle/>
             <a:p>
               <a:pPr algn="ctr"/>
-              <a:endParaRPr lang="ko-KR" altLang="en-US"/>
+              <a:endParaRPr lang="ko-KR" altLang="en-US">
+                <a:latin typeface="Chalkboard" panose="03050602040202020205" pitchFamily="66" charset="77"/>
+              </a:endParaRPr>
             </a:p>
           </p:txBody>
         </p:sp>
@@ -22507,7 +25929,9 @@
             <a:lstStyle/>
             <a:p>
               <a:pPr algn="ctr"/>
-              <a:endParaRPr lang="ko-KR" altLang="en-US"/>
+              <a:endParaRPr lang="ko-KR" altLang="en-US">
+                <a:latin typeface="Chalkboard" panose="03050602040202020205" pitchFamily="66" charset="77"/>
+              </a:endParaRPr>
             </a:p>
           </p:txBody>
         </p:sp>
@@ -22568,7 +25992,9 @@
             <a:lstStyle/>
             <a:p>
               <a:pPr algn="ctr"/>
-              <a:endParaRPr lang="ko-KR" altLang="en-US"/>
+              <a:endParaRPr lang="ko-KR" altLang="en-US">
+                <a:latin typeface="Chalkboard" panose="03050602040202020205" pitchFamily="66" charset="77"/>
+              </a:endParaRPr>
             </a:p>
           </p:txBody>
         </p:sp>
@@ -22606,6 +26032,7 @@
                 <a:solidFill>
                   <a:schemeClr val="bg1"/>
                 </a:solidFill>
+                <a:latin typeface="Chalkboard" panose="03050602040202020205" pitchFamily="66" charset="77"/>
                 <a:cs typeface="Arial" panose="020B0604020202020204" pitchFamily="34" charset="0"/>
               </a:rPr>
               <a:t>5</a:t>
@@ -22614,6 +26041,7 @@
               <a:solidFill>
                 <a:schemeClr val="bg1"/>
               </a:solidFill>
+              <a:latin typeface="Chalkboard" panose="03050602040202020205" pitchFamily="66" charset="77"/>
               <a:cs typeface="Arial" panose="020B0604020202020204" pitchFamily="34" charset="0"/>
             </a:endParaRPr>
           </a:p>
@@ -22652,6 +26080,7 @@
                 <a:solidFill>
                   <a:schemeClr val="bg1"/>
                 </a:solidFill>
+                <a:latin typeface="Chalkboard" panose="03050602040202020205" pitchFamily="66" charset="77"/>
                 <a:cs typeface="Arial" panose="020B0604020202020204" pitchFamily="34" charset="0"/>
               </a:rPr>
               <a:t>7</a:t>
@@ -22660,6 +26089,7 @@
               <a:solidFill>
                 <a:schemeClr val="bg1"/>
               </a:solidFill>
+              <a:latin typeface="Chalkboard" panose="03050602040202020205" pitchFamily="66" charset="77"/>
               <a:cs typeface="Arial" panose="020B0604020202020204" pitchFamily="34" charset="0"/>
             </a:endParaRPr>
           </a:p>
@@ -22701,6 +26131,7 @@
                     <a:lumOff val="25000"/>
                   </a:schemeClr>
                 </a:solidFill>
+                <a:latin typeface="Chalkboard" panose="03050602040202020205" pitchFamily="66" charset="77"/>
               </a:rPr>
               <a:t>Conception</a:t>
             </a:r>
@@ -22712,6 +26143,7 @@
                     <a:lumOff val="25000"/>
                   </a:schemeClr>
                 </a:solidFill>
+                <a:latin typeface="Chalkboard" panose="03050602040202020205" pitchFamily="66" charset="77"/>
               </a:rPr>
               <a:t> et implémentation de </a:t>
             </a:r>
@@ -22723,6 +26155,7 @@
                     <a:lumOff val="25000"/>
                   </a:schemeClr>
                 </a:solidFill>
+                <a:latin typeface="Chalkboard" panose="03050602040202020205" pitchFamily="66" charset="77"/>
               </a:rPr>
               <a:t>YouTaQA</a:t>
             </a:r>
@@ -22733,6 +26166,7 @@
                   <a:lumOff val="25000"/>
                 </a:schemeClr>
               </a:solidFill>
+              <a:latin typeface="Chalkboard" panose="03050602040202020205" pitchFamily="66" charset="77"/>
             </a:endParaRPr>
           </a:p>
         </p:txBody>
@@ -22773,6 +26207,7 @@
                     <a:lumOff val="25000"/>
                   </a:schemeClr>
                 </a:solidFill>
+                <a:latin typeface="Chalkboard" panose="03050602040202020205" pitchFamily="66" charset="77"/>
               </a:rPr>
               <a:t>Discussion des résultats</a:t>
             </a:r>
@@ -22815,6 +26250,7 @@
                     <a:lumOff val="25000"/>
                   </a:schemeClr>
                 </a:solidFill>
+                <a:latin typeface="Chalkboard" panose="03050602040202020205" pitchFamily="66" charset="77"/>
               </a:rPr>
               <a:t>Conclusion et perspectives </a:t>
             </a:r>
@@ -22854,6 +26290,7 @@
                 <a:solidFill>
                   <a:schemeClr val="bg1"/>
                 </a:solidFill>
+                <a:latin typeface="Chalkboard" panose="03050602040202020205" pitchFamily="66" charset="77"/>
                 <a:cs typeface="Arial" panose="020B0604020202020204" pitchFamily="34" charset="0"/>
               </a:rPr>
               <a:t>6</a:t>
@@ -22862,6 +26299,7 @@
               <a:solidFill>
                 <a:schemeClr val="bg1"/>
               </a:solidFill>
+              <a:latin typeface="Chalkboard" panose="03050602040202020205" pitchFamily="66" charset="77"/>
               <a:cs typeface="Arial" panose="020B0604020202020204" pitchFamily="34" charset="0"/>
             </a:endParaRPr>
           </a:p>
@@ -22872,8 +26310,8 @@
   <p:clrMapOvr>
     <a:masterClrMapping/>
   </p:clrMapOvr>
-  <mc:AlternateContent xmlns:mc="http://schemas.openxmlformats.org/markup-compatibility/2006">
-    <mc:Choice xmlns:p14="http://schemas.microsoft.com/office/powerpoint/2010/main" Requires="p14">
+  <mc:AlternateContent xmlns:mc="http://schemas.openxmlformats.org/markup-compatibility/2006" xmlns:p14="http://schemas.microsoft.com/office/powerpoint/2010/main">
+    <mc:Choice Requires="p14">
       <p:timing>
         <p:tnLst>
           <p:par>
@@ -24401,7 +27839,7 @@
         </p:bldLst>
       </p:timing>
     </mc:Choice>
-    <mc:Fallback>
+    <mc:Fallback xmlns="">
       <p:timing>
         <p:tnLst>
           <p:par>
@@ -25978,10 +29416,14 @@
           <a:p>
             <a:pPr lvl="0"/>
             <a:r>
-              <a:rPr lang="fr-FR" dirty="0"/>
+              <a:rPr lang="fr-FR" dirty="0">
+                <a:latin typeface="Chalkboard" panose="03050602040202020205" pitchFamily="66" charset="77"/>
+              </a:rPr>
               <a:t>Module d’extraction des réponses MER</a:t>
             </a:r>
-            <a:endParaRPr lang="en-DZ" dirty="0"/>
+            <a:endParaRPr lang="en-DZ" dirty="0">
+              <a:latin typeface="Chalkboard" panose="03050602040202020205" pitchFamily="66" charset="77"/>
+            </a:endParaRPr>
           </a:p>
         </p:txBody>
       </p:sp>
@@ -26220,14 +29662,20 @@
           <a:lstStyle/>
           <a:p>
             <a:r>
-              <a:rPr lang="fr-FR" dirty="0"/>
+              <a:rPr lang="fr-FR" dirty="0">
+                <a:latin typeface="Chalkboard" panose="03050602040202020205" pitchFamily="66" charset="77"/>
+              </a:rPr>
               <a:t>Déploiement du système </a:t>
             </a:r>
             <a:r>
-              <a:rPr lang="fr-FR" dirty="0" err="1"/>
+              <a:rPr lang="fr-FR" dirty="0" err="1">
+                <a:latin typeface="Chalkboard" panose="03050602040202020205" pitchFamily="66" charset="77"/>
+              </a:rPr>
               <a:t>YouTaQA</a:t>
             </a:r>
-            <a:endParaRPr lang="fr-FR" dirty="0"/>
+            <a:endParaRPr lang="fr-FR" dirty="0">
+              <a:latin typeface="Chalkboard" panose="03050602040202020205" pitchFamily="66" charset="77"/>
+            </a:endParaRPr>
           </a:p>
         </p:txBody>
       </p:sp>
@@ -26754,12 +30202,86 @@
           <a:lstStyle/>
           <a:p>
             <a:r>
-              <a:rPr lang="fr-FR" altLang="ko-KR" sz="3200" dirty="0"/>
+              <a:rPr lang="fr-FR" altLang="ko-KR" sz="3200" dirty="0">
+                <a:latin typeface="Chalkboard" panose="03050602040202020205" pitchFamily="66" charset="77"/>
+              </a:rPr>
               <a:t>Discussion des résultats</a:t>
             </a:r>
           </a:p>
         </p:txBody>
       </p:sp>
+      <p:pic>
+        <p:nvPicPr>
+          <p:cNvPr id="4" name="Picture 3">
+            <a:extLst>
+              <a:ext uri="{FF2B5EF4-FFF2-40B4-BE49-F238E27FC236}">
+                <a16:creationId xmlns:a16="http://schemas.microsoft.com/office/drawing/2014/main" id="{0ACB69E4-5DDB-0C4F-84BE-DB877EFAA245}"/>
+              </a:ext>
+            </a:extLst>
+          </p:cNvPr>
+          <p:cNvPicPr>
+            <a:picLocks noChangeAspect="1"/>
+          </p:cNvPicPr>
+          <p:nvPr/>
+        </p:nvPicPr>
+        <p:blipFill>
+          <a:blip r:embed="rId3">
+            <a:extLst>
+              <a:ext uri="{28A0092B-C50C-407E-A947-70E740481C1C}">
+                <a14:useLocalDpi xmlns:a14="http://schemas.microsoft.com/office/drawing/2010/main" val="0"/>
+              </a:ext>
+            </a:extLst>
+          </a:blip>
+          <a:stretch>
+            <a:fillRect/>
+          </a:stretch>
+        </p:blipFill>
+        <p:spPr>
+          <a:xfrm>
+            <a:off x="3714750" y="987574"/>
+            <a:ext cx="1714500" cy="2070100"/>
+          </a:xfrm>
+          <a:prstGeom prst="rect">
+            <a:avLst/>
+          </a:prstGeom>
+        </p:spPr>
+      </p:pic>
+      <p:pic>
+        <p:nvPicPr>
+          <p:cNvPr id="6" name="Picture 5">
+            <a:extLst>
+              <a:ext uri="{FF2B5EF4-FFF2-40B4-BE49-F238E27FC236}">
+                <a16:creationId xmlns:a16="http://schemas.microsoft.com/office/drawing/2014/main" id="{98BFEA1C-F1F1-BB44-9ECD-F96125DDAEF4}"/>
+              </a:ext>
+            </a:extLst>
+          </p:cNvPr>
+          <p:cNvPicPr>
+            <a:picLocks noChangeAspect="1"/>
+          </p:cNvPicPr>
+          <p:nvPr/>
+        </p:nvPicPr>
+        <p:blipFill>
+          <a:blip r:embed="rId4">
+            <a:extLst>
+              <a:ext uri="{28A0092B-C50C-407E-A947-70E740481C1C}">
+                <a14:useLocalDpi xmlns:a14="http://schemas.microsoft.com/office/drawing/2010/main" val="0"/>
+              </a:ext>
+            </a:extLst>
+          </a:blip>
+          <a:stretch>
+            <a:fillRect/>
+          </a:stretch>
+        </p:blipFill>
+        <p:spPr>
+          <a:xfrm>
+            <a:off x="2123728" y="699542"/>
+            <a:ext cx="4896544" cy="3371391"/>
+          </a:xfrm>
+          <a:prstGeom prst="rect">
+            <a:avLst/>
+          </a:prstGeom>
+        </p:spPr>
+      </p:pic>
     </p:spTree>
     <p:extLst>
       <p:ext uri="{BB962C8B-B14F-4D97-AF65-F5344CB8AC3E}">
@@ -26817,7 +30339,9 @@
           <a:lstStyle/>
           <a:p>
             <a:r>
-              <a:rPr lang="fr-FR" dirty="0"/>
+              <a:rPr lang="fr-FR" dirty="0">
+                <a:latin typeface="Chalkboard" panose="03050602040202020205" pitchFamily="66" charset="77"/>
+              </a:rPr>
               <a:t>Résultats du moteur de recherche MRI</a:t>
             </a:r>
           </a:p>
@@ -26877,6 +30401,7 @@
               <a:solidFill>
                 <a:schemeClr val="tx1"/>
               </a:solidFill>
+              <a:latin typeface="Chalkboard" panose="03050602040202020205" pitchFamily="66" charset="77"/>
             </a:endParaRPr>
           </a:p>
         </p:txBody>
@@ -26980,7 +30505,9 @@
           <a:lstStyle/>
           <a:p>
             <a:r>
-              <a:rPr lang="fr-FR" sz="1200" dirty="0"/>
+              <a:rPr lang="fr-FR" sz="1200" dirty="0">
+                <a:latin typeface="Chalkboard" panose="03050602040202020205" pitchFamily="66" charset="77"/>
+              </a:rPr>
               <a:t>Histogramme du MRR des différentes méthodes de recherches</a:t>
             </a:r>
           </a:p>
@@ -27016,13 +30543,17 @@
           <a:p>
             <a:pPr algn="ctr"/>
             <a:r>
-              <a:rPr lang="fr-FR" sz="1200" dirty="0"/>
+              <a:rPr lang="fr-FR" sz="1200" dirty="0">
+                <a:latin typeface="Chalkboard" panose="03050602040202020205" pitchFamily="66" charset="77"/>
+              </a:rPr>
               <a:t>Graphe du rappel des différentes méthodes de recherches en fonction du nombre de résultats retourné </a:t>
             </a:r>
           </a:p>
           <a:p>
             <a:pPr algn="ctr"/>
-            <a:endParaRPr lang="fr-FR" sz="1200" dirty="0"/>
+            <a:endParaRPr lang="fr-FR" sz="1200" dirty="0">
+              <a:latin typeface="Chalkboard" panose="03050602040202020205" pitchFamily="66" charset="77"/>
+            </a:endParaRPr>
           </a:p>
         </p:txBody>
       </p:sp>
@@ -27462,7 +30993,9 @@
           <a:lstStyle/>
           <a:p>
             <a:r>
-              <a:rPr lang="fr-FR" dirty="0"/>
+              <a:rPr lang="fr-FR" dirty="0">
+                <a:latin typeface="Chalkboard" panose="03050602040202020205" pitchFamily="66" charset="77"/>
+              </a:rPr>
               <a:t>Résultats du module de classification MC</a:t>
             </a:r>
           </a:p>
@@ -27522,6 +31055,7 @@
               <a:solidFill>
                 <a:schemeClr val="tx1"/>
               </a:solidFill>
+              <a:latin typeface="Chalkboard" panose="03050602040202020205" pitchFamily="66" charset="77"/>
             </a:endParaRPr>
           </a:p>
         </p:txBody>
@@ -27574,8 +31108,8 @@
         </p:nvSpPr>
         <p:spPr>
           <a:xfrm>
-            <a:off x="827584" y="3905581"/>
-            <a:ext cx="2721888" cy="307777"/>
+            <a:off x="792087" y="3928321"/>
+            <a:ext cx="2844316" cy="307777"/>
           </a:xfrm>
           <a:prstGeom prst="rect">
             <a:avLst/>
@@ -27589,7 +31123,9 @@
           <a:lstStyle/>
           <a:p>
             <a:r>
-              <a:rPr lang="fr-FR" sz="1400" dirty="0"/>
+              <a:rPr lang="fr-FR" sz="1400" dirty="0">
+                <a:latin typeface="Chalkboard" panose="03050602040202020205" pitchFamily="66" charset="77"/>
+              </a:rPr>
               <a:t>Matrice de confusion du test set</a:t>
             </a:r>
           </a:p>
@@ -27610,7 +31146,7 @@
         <p:spPr>
           <a:xfrm>
             <a:off x="5638692" y="1589129"/>
-            <a:ext cx="2896947" cy="523220"/>
+            <a:ext cx="2925544" cy="523220"/>
           </a:xfrm>
           <a:prstGeom prst="rect">
             <a:avLst/>
@@ -27618,7 +31154,7 @@
           <a:noFill/>
         </p:spPr>
         <p:txBody>
-          <a:bodyPr wrap="none" rtlCol="0">
+          <a:bodyPr wrap="square" rtlCol="0">
             <a:spAutoFit/>
           </a:bodyPr>
           <a:lstStyle/>
@@ -27639,7 +31175,7 @@
                 </a:solidFill>
                 <a:latin typeface="Chalkboard" panose="03050602040202020205" pitchFamily="66" charset="77"/>
               </a:rPr>
-              <a:t> = 74%</a:t>
+              <a:t> = 87%</a:t>
             </a:r>
           </a:p>
         </p:txBody>
@@ -27659,7 +31195,7 @@
         <p:spPr>
           <a:xfrm>
             <a:off x="5647617" y="2979597"/>
-            <a:ext cx="2949141" cy="523220"/>
+            <a:ext cx="2901051" cy="523220"/>
           </a:xfrm>
           <a:prstGeom prst="rect">
             <a:avLst/>
@@ -27667,7 +31203,7 @@
           <a:noFill/>
         </p:spPr>
         <p:txBody>
-          <a:bodyPr wrap="none" rtlCol="0">
+          <a:bodyPr wrap="square" rtlCol="0">
             <a:spAutoFit/>
           </a:bodyPr>
           <a:lstStyle/>
@@ -27679,7 +31215,7 @@
                 </a:solidFill>
                 <a:latin typeface="Chalkboard" panose="03050602040202020205" pitchFamily="66" charset="77"/>
               </a:rPr>
-              <a:t>Précision = XX%</a:t>
+              <a:t>Précision = 89%</a:t>
             </a:r>
           </a:p>
         </p:txBody>
@@ -28014,6 +31550,7 @@
               <a:solidFill>
                 <a:schemeClr val="tx1"/>
               </a:solidFill>
+              <a:latin typeface="Chalkboard" panose="03050602040202020205" pitchFamily="66" charset="77"/>
             </a:endParaRPr>
           </a:p>
         </p:txBody>
@@ -28627,7 +32164,9 @@
           <a:lstStyle/>
           <a:p>
             <a:r>
-              <a:rPr lang="fr-FR" sz="2800" dirty="0"/>
+              <a:rPr lang="fr-FR" sz="2800" dirty="0">
+                <a:latin typeface="Chalkboard" panose="03050602040202020205" pitchFamily="66" charset="77"/>
+              </a:rPr>
               <a:t>Résultats du module d’extraction de réponses MER</a:t>
             </a:r>
           </a:p>
@@ -28687,6 +32226,7 @@
               <a:solidFill>
                 <a:schemeClr val="tx1"/>
               </a:solidFill>
+              <a:latin typeface="Chalkboard" panose="03050602040202020205" pitchFamily="66" charset="77"/>
             </a:endParaRPr>
           </a:p>
         </p:txBody>
@@ -28746,7 +32286,7 @@
           <p:nvPr>
             <p:extLst>
               <p:ext uri="{D42A27DB-BD31-4B8C-83A1-F6EECF244321}">
-                <p14:modId xmlns:p14="http://schemas.microsoft.com/office/powerpoint/2010/main" val="1580538338"/>
+                <p14:modId xmlns:p14="http://schemas.microsoft.com/office/powerpoint/2010/main" val="3732639722"/>
               </p:ext>
             </p:extLst>
           </p:nvPr>
@@ -29037,7 +32577,9 @@
           <a:lstStyle/>
           <a:p>
             <a:r>
-              <a:rPr lang="fr-FR" sz="2800" dirty="0"/>
+              <a:rPr lang="fr-FR" sz="2800" dirty="0">
+                <a:latin typeface="Chalkboard" panose="03050602040202020205" pitchFamily="66" charset="77"/>
+              </a:rPr>
               <a:t>Résultats globaux</a:t>
             </a:r>
           </a:p>
@@ -29097,6 +32639,7 @@
               <a:solidFill>
                 <a:schemeClr val="tx1"/>
               </a:solidFill>
+              <a:latin typeface="Chalkboard" panose="03050602040202020205" pitchFamily="66" charset="77"/>
             </a:endParaRPr>
           </a:p>
         </p:txBody>
@@ -29156,7 +32699,7 @@
         <p:spPr>
           <a:xfrm>
             <a:off x="3112383" y="3408500"/>
-            <a:ext cx="3314369" cy="584775"/>
+            <a:ext cx="3263073" cy="584775"/>
           </a:xfrm>
           <a:prstGeom prst="rect">
             <a:avLst/>
@@ -29176,7 +32719,7 @@
                 </a:solidFill>
                 <a:latin typeface="Chalkboard" panose="03050602040202020205" pitchFamily="66" charset="77"/>
               </a:rPr>
-              <a:t>F1-Score = XX%</a:t>
+              <a:t>F1-Score = 92%</a:t>
             </a:r>
           </a:p>
         </p:txBody>
@@ -29505,7 +33048,9 @@
           <a:lstStyle/>
           <a:p>
             <a:pPr algn="ctr"/>
-            <a:endParaRPr lang="ko-KR" altLang="en-US"/>
+            <a:endParaRPr lang="ko-KR" altLang="en-US">
+              <a:latin typeface="Chalkboard" panose="03050602040202020205" pitchFamily="66" charset="77"/>
+            </a:endParaRPr>
           </a:p>
         </p:txBody>
       </p:sp>
@@ -30106,6 +33651,7 @@
               <a:highlight>
                 <a:srgbClr val="008B60"/>
               </a:highlight>
+              <a:latin typeface="Chalkboard" panose="03050602040202020205" pitchFamily="66" charset="77"/>
             </a:endParaRPr>
           </a:p>
         </p:txBody>
@@ -30643,12 +34189,86 @@
           <a:lstStyle/>
           <a:p>
             <a:r>
-              <a:rPr lang="fr-FR" altLang="ko-KR" sz="3200" dirty="0"/>
+              <a:rPr lang="fr-FR" altLang="ko-KR" sz="3200" dirty="0">
+                <a:latin typeface="Chalkboard" panose="03050602040202020205" pitchFamily="66" charset="77"/>
+              </a:rPr>
               <a:t>Conclusion</a:t>
             </a:r>
           </a:p>
         </p:txBody>
       </p:sp>
+      <p:pic>
+        <p:nvPicPr>
+          <p:cNvPr id="4" name="Picture 3">
+            <a:extLst>
+              <a:ext uri="{FF2B5EF4-FFF2-40B4-BE49-F238E27FC236}">
+                <a16:creationId xmlns:a16="http://schemas.microsoft.com/office/drawing/2014/main" id="{91D7EA26-220E-3242-9400-ED2FF3DAA60E}"/>
+              </a:ext>
+            </a:extLst>
+          </p:cNvPr>
+          <p:cNvPicPr>
+            <a:picLocks noChangeAspect="1"/>
+          </p:cNvPicPr>
+          <p:nvPr/>
+        </p:nvPicPr>
+        <p:blipFill>
+          <a:blip r:embed="rId3">
+            <a:extLst>
+              <a:ext uri="{28A0092B-C50C-407E-A947-70E740481C1C}">
+                <a14:useLocalDpi xmlns:a14="http://schemas.microsoft.com/office/drawing/2010/main" val="0"/>
+              </a:ext>
+            </a:extLst>
+          </a:blip>
+          <a:stretch>
+            <a:fillRect/>
+          </a:stretch>
+        </p:blipFill>
+        <p:spPr>
+          <a:xfrm>
+            <a:off x="3714750" y="1059582"/>
+            <a:ext cx="1714500" cy="2070100"/>
+          </a:xfrm>
+          <a:prstGeom prst="rect">
+            <a:avLst/>
+          </a:prstGeom>
+        </p:spPr>
+      </p:pic>
+      <p:pic>
+        <p:nvPicPr>
+          <p:cNvPr id="6" name="Picture 5">
+            <a:extLst>
+              <a:ext uri="{FF2B5EF4-FFF2-40B4-BE49-F238E27FC236}">
+                <a16:creationId xmlns:a16="http://schemas.microsoft.com/office/drawing/2014/main" id="{43F10F21-2620-384A-AA73-665B1FE84A00}"/>
+              </a:ext>
+            </a:extLst>
+          </p:cNvPr>
+          <p:cNvPicPr>
+            <a:picLocks noChangeAspect="1"/>
+          </p:cNvPicPr>
+          <p:nvPr/>
+        </p:nvPicPr>
+        <p:blipFill>
+          <a:blip r:embed="rId4">
+            <a:extLst>
+              <a:ext uri="{28A0092B-C50C-407E-A947-70E740481C1C}">
+                <a14:useLocalDpi xmlns:a14="http://schemas.microsoft.com/office/drawing/2010/main" val="0"/>
+              </a:ext>
+            </a:extLst>
+          </a:blip>
+          <a:stretch>
+            <a:fillRect/>
+          </a:stretch>
+        </p:blipFill>
+        <p:spPr>
+          <a:xfrm>
+            <a:off x="2275795" y="777915"/>
+            <a:ext cx="4592410" cy="3161987"/>
+          </a:xfrm>
+          <a:prstGeom prst="rect">
+            <a:avLst/>
+          </a:prstGeom>
+        </p:spPr>
+      </p:pic>
     </p:spTree>
     <p:extLst>
       <p:ext uri="{BB962C8B-B14F-4D97-AF65-F5344CB8AC3E}">
@@ -30706,7 +34326,9 @@
           <a:lstStyle/>
           <a:p>
             <a:r>
-              <a:rPr lang="fr-FR" sz="2800" dirty="0"/>
+              <a:rPr lang="fr-FR" sz="2800" dirty="0">
+                <a:latin typeface="Chalkboard" panose="03050602040202020205" pitchFamily="66" charset="77"/>
+              </a:rPr>
               <a:t>Conclusion</a:t>
             </a:r>
           </a:p>
@@ -30766,6 +34388,7 @@
               <a:solidFill>
                 <a:schemeClr val="tx1"/>
               </a:solidFill>
+              <a:latin typeface="Chalkboard" panose="03050602040202020205" pitchFamily="66" charset="77"/>
             </a:endParaRPr>
           </a:p>
         </p:txBody>
@@ -30785,7 +34408,7 @@
         <p:spPr>
           <a:xfrm>
             <a:off x="1187624" y="1707654"/>
-            <a:ext cx="4612160" cy="369332"/>
+            <a:ext cx="4751301" cy="369332"/>
           </a:xfrm>
           <a:prstGeom prst="rect">
             <a:avLst/>
@@ -30799,7 +34422,9 @@
           <a:lstStyle/>
           <a:p>
             <a:r>
-              <a:rPr lang="fr-FR" dirty="0"/>
+              <a:rPr lang="fr-FR" b="1" dirty="0">
+                <a:latin typeface="Chalkboard" panose="03050602040202020205" pitchFamily="66" charset="77"/>
+              </a:rPr>
               <a:t>Concrétiser nos connaissances théoriques.</a:t>
             </a:r>
           </a:p>
@@ -30834,7 +34459,9 @@
           <a:lstStyle/>
           <a:p>
             <a:r>
-              <a:rPr lang="fr-FR" dirty="0"/>
+              <a:rPr lang="fr-FR" b="1" dirty="0">
+                <a:latin typeface="Chalkboard" panose="03050602040202020205" pitchFamily="66" charset="77"/>
+              </a:rPr>
               <a:t>découvrir le domaine du traitement du langage naturel et la recherche d’information.</a:t>
             </a:r>
           </a:p>
@@ -30894,6 +34521,7 @@
               <a:solidFill>
                 <a:srgbClr val="32AEB8"/>
               </a:solidFill>
+              <a:latin typeface="Chalkboard" panose="03050602040202020205" pitchFamily="66" charset="77"/>
             </a:endParaRPr>
           </a:p>
         </p:txBody>
@@ -30952,6 +34580,7 @@
               <a:solidFill>
                 <a:srgbClr val="32AEB8"/>
               </a:solidFill>
+              <a:latin typeface="Chalkboard" panose="03050602040202020205" pitchFamily="66" charset="77"/>
             </a:endParaRPr>
           </a:p>
         </p:txBody>
@@ -30971,7 +34600,7 @@
         <p:spPr>
           <a:xfrm>
             <a:off x="1187624" y="3683180"/>
-            <a:ext cx="6096541" cy="369332"/>
+            <a:ext cx="6349752" cy="369332"/>
           </a:xfrm>
           <a:prstGeom prst="rect">
             <a:avLst/>
@@ -30984,23 +34613,33 @@
           <a:lstStyle/>
           <a:p>
             <a:r>
-              <a:rPr lang="fr-FR" dirty="0"/>
+              <a:rPr lang="fr-FR" b="1" dirty="0">
+                <a:latin typeface="Chalkboard" panose="03050602040202020205" pitchFamily="66" charset="77"/>
+              </a:rPr>
               <a:t>Acquérir plusieurs compétences comme </a:t>
             </a:r>
             <a:r>
-              <a:rPr lang="fr-FR" dirty="0" err="1"/>
+              <a:rPr lang="fr-FR" b="1" dirty="0" err="1">
+                <a:latin typeface="Chalkboard" panose="03050602040202020205" pitchFamily="66" charset="77"/>
+              </a:rPr>
               <a:t>Keras</a:t>
             </a:r>
             <a:r>
-              <a:rPr lang="fr-FR" dirty="0"/>
+              <a:rPr lang="fr-FR" b="1" dirty="0">
+                <a:latin typeface="Chalkboard" panose="03050602040202020205" pitchFamily="66" charset="77"/>
+              </a:rPr>
               <a:t> et </a:t>
             </a:r>
             <a:r>
-              <a:rPr lang="fr-FR" dirty="0" err="1"/>
+              <a:rPr lang="fr-FR" b="1" dirty="0" err="1">
+                <a:latin typeface="Chalkboard" panose="03050602040202020205" pitchFamily="66" charset="77"/>
+              </a:rPr>
               <a:t>Lucene</a:t>
             </a:r>
             <a:r>
-              <a:rPr lang="fr-FR" dirty="0"/>
+              <a:rPr lang="fr-FR" b="1" dirty="0">
+                <a:latin typeface="Chalkboard" panose="03050602040202020205" pitchFamily="66" charset="77"/>
+              </a:rPr>
               <a:t>.</a:t>
             </a:r>
           </a:p>
@@ -31060,6 +34699,7 @@
               <a:solidFill>
                 <a:srgbClr val="32AEB8"/>
               </a:solidFill>
+              <a:latin typeface="Chalkboard" panose="03050602040202020205" pitchFamily="66" charset="77"/>
             </a:endParaRPr>
           </a:p>
         </p:txBody>
@@ -31640,10 +35280,14 @@
           <a:lstStyle/>
           <a:p>
             <a:r>
-              <a:rPr lang="en-US" altLang="ko-KR" dirty="0"/>
+              <a:rPr lang="en-US" altLang="ko-KR" dirty="0">
+                <a:latin typeface="Chalkboard" panose="03050602040202020205" pitchFamily="66" charset="77"/>
+              </a:rPr>
               <a:t>Perspectives</a:t>
             </a:r>
-            <a:endParaRPr lang="ko-KR" altLang="en-US" dirty="0"/>
+            <a:endParaRPr lang="ko-KR" altLang="en-US" dirty="0">
+              <a:latin typeface="Chalkboard" panose="03050602040202020205" pitchFamily="66" charset="77"/>
+            </a:endParaRPr>
           </a:p>
         </p:txBody>
       </p:sp>
@@ -31764,7 +35408,9 @@
               <a:lstStyle/>
               <a:p>
                 <a:pPr algn="ctr"/>
-                <a:endParaRPr lang="ko-KR" altLang="en-US"/>
+                <a:endParaRPr lang="ko-KR" altLang="en-US">
+                  <a:latin typeface="Chalkboard" panose="03050602040202020205" pitchFamily="66" charset="77"/>
+                </a:endParaRPr>
               </a:p>
             </p:txBody>
           </p:sp>
@@ -31915,7 +35561,9 @@
               <a:lstStyle/>
               <a:p>
                 <a:pPr algn="ctr"/>
-                <a:endParaRPr lang="ko-KR" altLang="en-US"/>
+                <a:endParaRPr lang="ko-KR" altLang="en-US">
+                  <a:latin typeface="Chalkboard" panose="03050602040202020205" pitchFamily="66" charset="77"/>
+                </a:endParaRPr>
               </a:p>
             </p:txBody>
           </p:sp>
@@ -32068,7 +35716,9 @@
               <a:lstStyle/>
               <a:p>
                 <a:pPr algn="ctr"/>
-                <a:endParaRPr lang="ko-KR" altLang="en-US"/>
+                <a:endParaRPr lang="ko-KR" altLang="en-US">
+                  <a:latin typeface="Chalkboard" panose="03050602040202020205" pitchFamily="66" charset="77"/>
+                </a:endParaRPr>
               </a:p>
             </p:txBody>
           </p:sp>
@@ -32162,7 +35812,9 @@
               <a:lstStyle/>
               <a:p>
                 <a:pPr algn="ctr"/>
-                <a:endParaRPr lang="ko-KR" altLang="en-US"/>
+                <a:endParaRPr lang="ko-KR" altLang="en-US">
+                  <a:latin typeface="Chalkboard" panose="03050602040202020205" pitchFamily="66" charset="77"/>
+                </a:endParaRPr>
               </a:p>
             </p:txBody>
           </p:sp>
@@ -32256,7 +35908,9 @@
               <a:lstStyle/>
               <a:p>
                 <a:pPr algn="ctr"/>
-                <a:endParaRPr lang="ko-KR" altLang="en-US"/>
+                <a:endParaRPr lang="ko-KR" altLang="en-US">
+                  <a:latin typeface="Chalkboard" panose="03050602040202020205" pitchFamily="66" charset="77"/>
+                </a:endParaRPr>
               </a:p>
             </p:txBody>
           </p:sp>
@@ -32336,7 +35990,9 @@
               <a:lstStyle/>
               <a:p>
                 <a:pPr algn="ctr"/>
-                <a:endParaRPr lang="ko-KR" altLang="en-US"/>
+                <a:endParaRPr lang="ko-KR" altLang="en-US">
+                  <a:latin typeface="Chalkboard" panose="03050602040202020205" pitchFamily="66" charset="77"/>
+                </a:endParaRPr>
               </a:p>
             </p:txBody>
           </p:sp>
@@ -32387,7 +36043,9 @@
               <a:lstStyle/>
               <a:p>
                 <a:pPr algn="ctr"/>
-                <a:endParaRPr lang="ko-KR" altLang="en-US"/>
+                <a:endParaRPr lang="ko-KR" altLang="en-US">
+                  <a:latin typeface="Chalkboard" panose="03050602040202020205" pitchFamily="66" charset="77"/>
+                </a:endParaRPr>
               </a:p>
             </p:txBody>
           </p:sp>
@@ -32595,7 +36253,9 @@
               <a:lstStyle/>
               <a:p>
                 <a:pPr algn="ctr"/>
-                <a:endParaRPr lang="ko-KR" altLang="en-US"/>
+                <a:endParaRPr lang="ko-KR" altLang="en-US">
+                  <a:latin typeface="Chalkboard" panose="03050602040202020205" pitchFamily="66" charset="77"/>
+                </a:endParaRPr>
               </a:p>
             </p:txBody>
           </p:sp>
@@ -32645,7 +36305,9 @@
               <a:lstStyle/>
               <a:p>
                 <a:pPr algn="ctr"/>
-                <a:endParaRPr lang="ko-KR" altLang="en-US"/>
+                <a:endParaRPr lang="ko-KR" altLang="en-US">
+                  <a:latin typeface="Chalkboard" panose="03050602040202020205" pitchFamily="66" charset="77"/>
+                </a:endParaRPr>
               </a:p>
             </p:txBody>
           </p:sp>
@@ -32699,6 +36361,7 @@
                   <a:solidFill>
                     <a:schemeClr val="tx1"/>
                   </a:solidFill>
+                  <a:latin typeface="Chalkboard" panose="03050602040202020205" pitchFamily="66" charset="77"/>
                 </a:endParaRPr>
               </a:p>
             </p:txBody>
@@ -32753,6 +36416,7 @@
                   <a:solidFill>
                     <a:schemeClr val="tx1"/>
                   </a:solidFill>
+                  <a:latin typeface="Chalkboard" panose="03050602040202020205" pitchFamily="66" charset="77"/>
                 </a:endParaRPr>
               </a:p>
             </p:txBody>
@@ -32807,6 +36471,7 @@
                   <a:solidFill>
                     <a:schemeClr val="tx1"/>
                   </a:solidFill>
+                  <a:latin typeface="Chalkboard" panose="03050602040202020205" pitchFamily="66" charset="77"/>
                 </a:endParaRPr>
               </a:p>
             </p:txBody>
@@ -32861,6 +36526,7 @@
                   <a:solidFill>
                     <a:schemeClr val="tx1"/>
                   </a:solidFill>
+                  <a:latin typeface="Chalkboard" panose="03050602040202020205" pitchFamily="66" charset="77"/>
                 </a:endParaRPr>
               </a:p>
             </p:txBody>
@@ -32915,6 +36581,7 @@
                   <a:solidFill>
                     <a:schemeClr val="tx1"/>
                   </a:solidFill>
+                  <a:latin typeface="Chalkboard" panose="03050602040202020205" pitchFamily="66" charset="77"/>
                 </a:endParaRPr>
               </a:p>
             </p:txBody>
@@ -32963,7 +36630,9 @@
               <a:lstStyle/>
               <a:p>
                 <a:pPr algn="ctr"/>
-                <a:endParaRPr lang="ko-KR" altLang="en-US" dirty="0"/>
+                <a:endParaRPr lang="ko-KR" altLang="en-US" dirty="0">
+                  <a:latin typeface="Chalkboard" panose="03050602040202020205" pitchFamily="66" charset="77"/>
+                </a:endParaRPr>
               </a:p>
             </p:txBody>
           </p:sp>
@@ -33017,6 +36686,7 @@
                   <a:solidFill>
                     <a:schemeClr val="tx1"/>
                   </a:solidFill>
+                  <a:latin typeface="Chalkboard" panose="03050602040202020205" pitchFamily="66" charset="77"/>
                 </a:endParaRPr>
               </a:p>
             </p:txBody>
@@ -33071,6 +36741,7 @@
                   <a:solidFill>
                     <a:schemeClr val="tx1"/>
                   </a:solidFill>
+                  <a:latin typeface="Chalkboard" panose="03050602040202020205" pitchFamily="66" charset="77"/>
                 </a:endParaRPr>
               </a:p>
             </p:txBody>
@@ -33125,6 +36796,7 @@
                   <a:solidFill>
                     <a:schemeClr val="tx1"/>
                   </a:solidFill>
+                  <a:latin typeface="Chalkboard" panose="03050602040202020205" pitchFamily="66" charset="77"/>
                 </a:endParaRPr>
               </a:p>
             </p:txBody>
@@ -36385,7 +40057,9 @@
           <a:lstStyle/>
           <a:p>
             <a:pPr algn="ctr"/>
-            <a:endParaRPr lang="ko-KR" altLang="en-US"/>
+            <a:endParaRPr lang="ko-KR" altLang="en-US">
+              <a:latin typeface="Chalkboard" panose="03050602040202020205" pitchFamily="66" charset="77"/>
+            </a:endParaRPr>
           </a:p>
         </p:txBody>
       </p:sp>
@@ -36397,7 +40071,7 @@
         </p:nvSpPr>
         <p:spPr>
           <a:xfrm>
-            <a:off x="3575456" y="1411400"/>
+            <a:off x="3273028" y="1436817"/>
             <a:ext cx="628142" cy="576064"/>
           </a:xfrm>
           <a:prstGeom prst="ellipse">
@@ -36437,6 +40111,7 @@
               <a:solidFill>
                 <a:srgbClr val="32AEB8"/>
               </a:solidFill>
+              <a:latin typeface="Chalkboard" panose="03050602040202020205" pitchFamily="66" charset="77"/>
             </a:endParaRPr>
           </a:p>
         </p:txBody>
@@ -36449,7 +40124,7 @@
         </p:nvSpPr>
         <p:spPr>
           <a:xfrm>
-            <a:off x="3575456" y="2270161"/>
+            <a:off x="3273028" y="2295578"/>
             <a:ext cx="628142" cy="576064"/>
           </a:xfrm>
           <a:prstGeom prst="ellipse">
@@ -36489,6 +40164,7 @@
               <a:solidFill>
                 <a:srgbClr val="32AEB8"/>
               </a:solidFill>
+              <a:latin typeface="Chalkboard" panose="03050602040202020205" pitchFamily="66" charset="77"/>
             </a:endParaRPr>
           </a:p>
         </p:txBody>
@@ -36501,7 +40177,7 @@
         </p:nvSpPr>
         <p:spPr>
           <a:xfrm>
-            <a:off x="3575456" y="3111780"/>
+            <a:off x="3273028" y="3137197"/>
             <a:ext cx="628142" cy="576064"/>
           </a:xfrm>
           <a:prstGeom prst="ellipse">
@@ -36541,6 +40217,7 @@
               <a:solidFill>
                 <a:srgbClr val="32AEB8"/>
               </a:solidFill>
+              <a:latin typeface="Chalkboard" panose="03050602040202020205" pitchFamily="66" charset="77"/>
             </a:endParaRPr>
           </a:p>
         </p:txBody>
@@ -36553,8 +40230,8 @@
         </p:nvSpPr>
         <p:spPr>
           <a:xfrm>
-            <a:off x="4252406" y="1560932"/>
-            <a:ext cx="4891594" cy="276999"/>
+            <a:off x="3949977" y="1586349"/>
+            <a:ext cx="5282603" cy="276999"/>
           </a:xfrm>
           <a:prstGeom prst="rect">
             <a:avLst/>
@@ -36569,23 +40246,33 @@
           <a:p>
             <a:pPr lvl="0"/>
             <a:r>
-              <a:rPr lang="en-DZ" sz="1200" dirty="0"/>
+              <a:rPr lang="en-DZ" sz="1200" b="1" dirty="0">
+                <a:latin typeface="Chalkboard" panose="03050602040202020205" pitchFamily="66" charset="77"/>
+              </a:rPr>
               <a:t>Am</a:t>
             </a:r>
             <a:r>
-              <a:rPr lang="fr-FR" sz="1200" dirty="0" err="1"/>
+              <a:rPr lang="fr-FR" sz="1200" b="1" dirty="0" err="1">
+                <a:latin typeface="Chalkboard" panose="03050602040202020205" pitchFamily="66" charset="77"/>
+              </a:rPr>
               <a:t>é</a:t>
             </a:r>
             <a:r>
-              <a:rPr lang="en-DZ" sz="1200" dirty="0"/>
+              <a:rPr lang="en-DZ" sz="1200" b="1" dirty="0">
+                <a:latin typeface="Chalkboard" panose="03050602040202020205" pitchFamily="66" charset="77"/>
+              </a:rPr>
               <a:t>liorer le moteur de recherche avec les m</a:t>
             </a:r>
             <a:r>
-              <a:rPr lang="fr-FR" sz="1200" dirty="0" err="1"/>
+              <a:rPr lang="fr-FR" sz="1200" b="1" dirty="0" err="1">
+                <a:latin typeface="Chalkboard" panose="03050602040202020205" pitchFamily="66" charset="77"/>
+              </a:rPr>
               <a:t>é</a:t>
             </a:r>
             <a:r>
-              <a:rPr lang="en-DZ" sz="1200" dirty="0"/>
+              <a:rPr lang="en-DZ" sz="1200" b="1" dirty="0">
+                <a:latin typeface="Chalkboard" panose="03050602040202020205" pitchFamily="66" charset="77"/>
+              </a:rPr>
               <a:t>thodes Deep Learning.</a:t>
             </a:r>
           </a:p>
@@ -36599,8 +40286,8 @@
         </p:nvSpPr>
         <p:spPr>
           <a:xfrm>
-            <a:off x="4252406" y="2388727"/>
-            <a:ext cx="4568066" cy="276999"/>
+            <a:off x="3949978" y="2414144"/>
+            <a:ext cx="4870494" cy="276999"/>
           </a:xfrm>
           <a:prstGeom prst="rect">
             <a:avLst/>
@@ -36615,23 +40302,33 @@
           <a:p>
             <a:pPr lvl="0"/>
             <a:r>
-              <a:rPr lang="en-DZ" sz="1200" dirty="0"/>
+              <a:rPr lang="en-DZ" sz="1200" b="1" dirty="0">
+                <a:latin typeface="Chalkboard" panose="03050602040202020205" pitchFamily="66" charset="77"/>
+              </a:rPr>
               <a:t>Mise </a:t>
             </a:r>
             <a:r>
-              <a:rPr lang="fr-FR" sz="1200" dirty="0"/>
+              <a:rPr lang="fr-FR" sz="1200" b="1" dirty="0">
+                <a:latin typeface="Chalkboard" panose="03050602040202020205" pitchFamily="66" charset="77"/>
+              </a:rPr>
               <a:t>à</a:t>
             </a:r>
             <a:r>
-              <a:rPr lang="en-DZ" sz="1200" dirty="0"/>
+              <a:rPr lang="en-DZ" sz="1200" b="1" dirty="0">
+                <a:latin typeface="Chalkboard" panose="03050602040202020205" pitchFamily="66" charset="77"/>
+              </a:rPr>
               <a:t> jour automatique de la base des documents Wikip</a:t>
             </a:r>
             <a:r>
-              <a:rPr lang="fr-FR" sz="1200" dirty="0" err="1"/>
+              <a:rPr lang="fr-FR" sz="1200" b="1" dirty="0" err="1">
+                <a:latin typeface="Chalkboard" panose="03050602040202020205" pitchFamily="66" charset="77"/>
+              </a:rPr>
               <a:t>é</a:t>
             </a:r>
             <a:r>
-              <a:rPr lang="en-DZ" sz="1200" dirty="0"/>
+              <a:rPr lang="en-DZ" sz="1200" b="1" dirty="0">
+                <a:latin typeface="Chalkboard" panose="03050602040202020205" pitchFamily="66" charset="77"/>
+              </a:rPr>
               <a:t>dia.</a:t>
             </a:r>
           </a:p>
@@ -36645,7 +40342,7 @@
         </p:nvSpPr>
         <p:spPr>
           <a:xfrm>
-            <a:off x="4252406" y="3259692"/>
+            <a:off x="3949978" y="3285109"/>
             <a:ext cx="4004405" cy="276999"/>
           </a:xfrm>
           <a:prstGeom prst="rect">
@@ -36660,16 +40357,19 @@
           <a:lstStyle/>
           <a:p>
             <a:r>
-              <a:rPr lang="en-DZ" sz="1200" dirty="0"/>
+              <a:rPr lang="en-DZ" sz="1200" b="1" dirty="0">
+                <a:latin typeface="Chalkboard" panose="03050602040202020205" pitchFamily="66" charset="77"/>
+              </a:rPr>
               <a:t>Offrir une version arabe et francaise de YouTaQA.</a:t>
             </a:r>
-            <a:endParaRPr lang="ko-KR" altLang="en-US" sz="1200" dirty="0">
+            <a:endParaRPr lang="ko-KR" altLang="en-US" sz="1200" b="1" dirty="0">
               <a:solidFill>
                 <a:schemeClr val="tx1">
                   <a:lumMod val="75000"/>
                   <a:lumOff val="25000"/>
                 </a:schemeClr>
               </a:solidFill>
+              <a:latin typeface="Chalkboard" panose="03050602040202020205" pitchFamily="66" charset="77"/>
               <a:cs typeface="Arial" panose="020B0604020202020204" pitchFamily="34" charset="0"/>
             </a:endParaRPr>
           </a:p>
@@ -36683,7 +40383,7 @@
         </p:nvSpPr>
         <p:spPr>
           <a:xfrm>
-            <a:off x="3542052" y="1468600"/>
+            <a:off x="3239624" y="1494017"/>
             <a:ext cx="700990" cy="461665"/>
           </a:xfrm>
           <a:prstGeom prst="rect">
@@ -36703,6 +40403,7 @@
                 <a:solidFill>
                   <a:schemeClr val="bg1"/>
                 </a:solidFill>
+                <a:latin typeface="Chalkboard" panose="03050602040202020205" pitchFamily="66" charset="77"/>
                 <a:cs typeface="Arial" panose="020B0604020202020204" pitchFamily="34" charset="0"/>
               </a:rPr>
               <a:t>01</a:t>
@@ -36711,6 +40412,7 @@
               <a:solidFill>
                 <a:schemeClr val="bg1"/>
               </a:solidFill>
+              <a:latin typeface="Chalkboard" panose="03050602040202020205" pitchFamily="66" charset="77"/>
               <a:cs typeface="Arial" panose="020B0604020202020204" pitchFamily="34" charset="0"/>
             </a:endParaRPr>
           </a:p>
@@ -36724,7 +40426,7 @@
         </p:nvSpPr>
         <p:spPr>
           <a:xfrm>
-            <a:off x="3542052" y="2327361"/>
+            <a:off x="3239624" y="2352778"/>
             <a:ext cx="700990" cy="461665"/>
           </a:xfrm>
           <a:prstGeom prst="rect">
@@ -36744,6 +40446,7 @@
                 <a:solidFill>
                   <a:schemeClr val="bg1"/>
                 </a:solidFill>
+                <a:latin typeface="Chalkboard" panose="03050602040202020205" pitchFamily="66" charset="77"/>
                 <a:cs typeface="Arial" panose="020B0604020202020204" pitchFamily="34" charset="0"/>
               </a:rPr>
               <a:t>02</a:t>
@@ -36752,6 +40455,7 @@
               <a:solidFill>
                 <a:schemeClr val="bg1"/>
               </a:solidFill>
+              <a:latin typeface="Chalkboard" panose="03050602040202020205" pitchFamily="66" charset="77"/>
               <a:cs typeface="Arial" panose="020B0604020202020204" pitchFamily="34" charset="0"/>
             </a:endParaRPr>
           </a:p>
@@ -36765,7 +40469,7 @@
         </p:nvSpPr>
         <p:spPr>
           <a:xfrm>
-            <a:off x="3542052" y="3168980"/>
+            <a:off x="3239624" y="3194397"/>
             <a:ext cx="700990" cy="461665"/>
           </a:xfrm>
           <a:prstGeom prst="rect">
@@ -36785,6 +40489,7 @@
                 <a:solidFill>
                   <a:schemeClr val="bg1"/>
                 </a:solidFill>
+                <a:latin typeface="Chalkboard" panose="03050602040202020205" pitchFamily="66" charset="77"/>
                 <a:cs typeface="Arial" panose="020B0604020202020204" pitchFamily="34" charset="0"/>
               </a:rPr>
               <a:t>03</a:t>
@@ -36793,6 +40498,7 @@
               <a:solidFill>
                 <a:schemeClr val="bg1"/>
               </a:solidFill>
+              <a:latin typeface="Chalkboard" panose="03050602040202020205" pitchFamily="66" charset="77"/>
               <a:cs typeface="Arial" panose="020B0604020202020204" pitchFamily="34" charset="0"/>
             </a:endParaRPr>
           </a:p>
@@ -36806,8 +40512,8 @@
         </p:nvSpPr>
         <p:spPr>
           <a:xfrm>
-            <a:off x="4276446" y="4128434"/>
-            <a:ext cx="4408980" cy="276999"/>
+            <a:off x="3974018" y="4153851"/>
+            <a:ext cx="4688042" cy="461665"/>
           </a:xfrm>
           <a:prstGeom prst="rect">
             <a:avLst/>
@@ -36822,7 +40528,9 @@
           <a:p>
             <a:pPr lvl="0"/>
             <a:r>
-              <a:rPr lang="en-DZ" sz="1200" dirty="0"/>
+              <a:rPr lang="en-DZ" sz="1200" b="1" dirty="0">
+                <a:latin typeface="Chalkboard" panose="03050602040202020205" pitchFamily="66" charset="77"/>
+              </a:rPr>
               <a:t>Offrir une API du noyau YouTaQA pour les applications tierces.</a:t>
             </a:r>
           </a:p>
@@ -36836,7 +40544,7 @@
         </p:nvSpPr>
         <p:spPr>
           <a:xfrm>
-            <a:off x="3575456" y="3961970"/>
+            <a:off x="3273028" y="3987387"/>
             <a:ext cx="628142" cy="576064"/>
           </a:xfrm>
           <a:prstGeom prst="ellipse">
@@ -36876,6 +40584,7 @@
               <a:solidFill>
                 <a:srgbClr val="32AEB8"/>
               </a:solidFill>
+              <a:latin typeface="Chalkboard" panose="03050602040202020205" pitchFamily="66" charset="77"/>
             </a:endParaRPr>
           </a:p>
         </p:txBody>
@@ -36888,7 +40597,7 @@
         </p:nvSpPr>
         <p:spPr>
           <a:xfrm>
-            <a:off x="3542052" y="4019170"/>
+            <a:off x="3239624" y="4044587"/>
             <a:ext cx="700990" cy="461665"/>
           </a:xfrm>
           <a:prstGeom prst="rect">
@@ -36908,6 +40617,7 @@
                 <a:solidFill>
                   <a:schemeClr val="bg1"/>
                 </a:solidFill>
+                <a:latin typeface="Chalkboard" panose="03050602040202020205" pitchFamily="66" charset="77"/>
                 <a:cs typeface="Arial" panose="020B0604020202020204" pitchFamily="34" charset="0"/>
               </a:rPr>
               <a:t>04</a:t>
@@ -36916,6 +40626,7 @@
               <a:solidFill>
                 <a:schemeClr val="bg1"/>
               </a:solidFill>
+              <a:latin typeface="Chalkboard" panose="03050602040202020205" pitchFamily="66" charset="77"/>
               <a:cs typeface="Arial" panose="020B0604020202020204" pitchFamily="34" charset="0"/>
             </a:endParaRPr>
           </a:p>
@@ -38050,13 +41761,157 @@
           <a:lstStyle/>
           <a:p>
             <a:r>
-              <a:rPr lang="en-US" altLang="ko-KR" dirty="0"/>
+              <a:rPr lang="en-US" altLang="ko-KR" dirty="0">
+                <a:latin typeface="Chalkboard" panose="03050602040202020205" pitchFamily="66" charset="77"/>
+              </a:rPr>
               <a:t>Introduction</a:t>
             </a:r>
-            <a:endParaRPr lang="ko-KR" altLang="en-US" dirty="0"/>
+            <a:endParaRPr lang="ko-KR" altLang="en-US" dirty="0">
+              <a:latin typeface="Chalkboard" panose="03050602040202020205" pitchFamily="66" charset="77"/>
+            </a:endParaRPr>
           </a:p>
         </p:txBody>
       </p:sp>
+      <p:sp>
+        <p:nvSpPr>
+          <p:cNvPr id="3" name="TextBox 2">
+            <a:extLst>
+              <a:ext uri="{FF2B5EF4-FFF2-40B4-BE49-F238E27FC236}">
+                <a16:creationId xmlns:a16="http://schemas.microsoft.com/office/drawing/2014/main" id="{63816421-0E5A-0044-AB37-45B3630621D2}"/>
+              </a:ext>
+            </a:extLst>
+          </p:cNvPr>
+          <p:cNvSpPr txBox="1"/>
+          <p:nvPr/>
+        </p:nvSpPr>
+        <p:spPr>
+          <a:xfrm>
+            <a:off x="4820356" y="1569156"/>
+            <a:ext cx="184731" cy="369332"/>
+          </a:xfrm>
+          <a:prstGeom prst="rect">
+            <a:avLst/>
+          </a:prstGeom>
+          <a:noFill/>
+        </p:spPr>
+        <p:txBody>
+          <a:bodyPr wrap="none" rtlCol="0">
+            <a:spAutoFit/>
+          </a:bodyPr>
+          <a:lstStyle/>
+          <a:p>
+            <a:endParaRPr lang="fr-FR" dirty="0">
+              <a:latin typeface="Chalkboard" panose="03050602040202020205" pitchFamily="66" charset="77"/>
+            </a:endParaRPr>
+          </a:p>
+        </p:txBody>
+      </p:sp>
+      <p:sp>
+        <p:nvSpPr>
+          <p:cNvPr id="4" name="TextBox 3">
+            <a:extLst>
+              <a:ext uri="{FF2B5EF4-FFF2-40B4-BE49-F238E27FC236}">
+                <a16:creationId xmlns:a16="http://schemas.microsoft.com/office/drawing/2014/main" id="{47E1F9FF-C593-E34D-B607-DAD319B6F513}"/>
+              </a:ext>
+            </a:extLst>
+          </p:cNvPr>
+          <p:cNvSpPr txBox="1"/>
+          <p:nvPr/>
+        </p:nvSpPr>
+        <p:spPr>
+          <a:xfrm>
+            <a:off x="4413956" y="1591733"/>
+            <a:ext cx="184731" cy="369332"/>
+          </a:xfrm>
+          <a:prstGeom prst="rect">
+            <a:avLst/>
+          </a:prstGeom>
+          <a:noFill/>
+        </p:spPr>
+        <p:txBody>
+          <a:bodyPr wrap="none" rtlCol="0">
+            <a:spAutoFit/>
+          </a:bodyPr>
+          <a:lstStyle/>
+          <a:p>
+            <a:endParaRPr lang="fr-FR" dirty="0">
+              <a:latin typeface="Chalkboard" panose="03050602040202020205" pitchFamily="66" charset="77"/>
+            </a:endParaRPr>
+          </a:p>
+        </p:txBody>
+      </p:sp>
+      <p:pic>
+        <p:nvPicPr>
+          <p:cNvPr id="6" name="Picture 5">
+            <a:extLst>
+              <a:ext uri="{FF2B5EF4-FFF2-40B4-BE49-F238E27FC236}">
+                <a16:creationId xmlns:a16="http://schemas.microsoft.com/office/drawing/2014/main" id="{7DD3C526-F81C-6F42-BCE6-1D4D0DF75746}"/>
+              </a:ext>
+            </a:extLst>
+          </p:cNvPr>
+          <p:cNvPicPr>
+            <a:picLocks noChangeAspect="1"/>
+          </p:cNvPicPr>
+          <p:nvPr/>
+        </p:nvPicPr>
+        <p:blipFill>
+          <a:blip r:embed="rId3">
+            <a:extLst>
+              <a:ext uri="{28A0092B-C50C-407E-A947-70E740481C1C}">
+                <a14:useLocalDpi xmlns:a14="http://schemas.microsoft.com/office/drawing/2010/main" val="0"/>
+              </a:ext>
+            </a:extLst>
+          </a:blip>
+          <a:stretch>
+            <a:fillRect/>
+          </a:stretch>
+        </p:blipFill>
+        <p:spPr>
+          <a:xfrm>
+            <a:off x="3741437" y="979418"/>
+            <a:ext cx="1714500" cy="2070100"/>
+          </a:xfrm>
+          <a:prstGeom prst="rect">
+            <a:avLst/>
+          </a:prstGeom>
+        </p:spPr>
+      </p:pic>
+      <p:pic>
+        <p:nvPicPr>
+          <p:cNvPr id="8" name="Picture 7">
+            <a:extLst>
+              <a:ext uri="{FF2B5EF4-FFF2-40B4-BE49-F238E27FC236}">
+                <a16:creationId xmlns:a16="http://schemas.microsoft.com/office/drawing/2014/main" id="{D9FD3DF1-9D4D-2D48-AF47-6991B8DCC9A9}"/>
+              </a:ext>
+            </a:extLst>
+          </p:cNvPr>
+          <p:cNvPicPr>
+            <a:picLocks noChangeAspect="1"/>
+          </p:cNvPicPr>
+          <p:nvPr/>
+        </p:nvPicPr>
+        <p:blipFill>
+          <a:blip r:embed="rId4">
+            <a:extLst>
+              <a:ext uri="{28A0092B-C50C-407E-A947-70E740481C1C}">
+                <a14:useLocalDpi xmlns:a14="http://schemas.microsoft.com/office/drawing/2010/main" val="0"/>
+              </a:ext>
+            </a:extLst>
+          </a:blip>
+          <a:stretch>
+            <a:fillRect/>
+          </a:stretch>
+        </p:blipFill>
+        <p:spPr>
+          <a:xfrm>
+            <a:off x="2182124" y="699542"/>
+            <a:ext cx="4648393" cy="3200533"/>
+          </a:xfrm>
+          <a:prstGeom prst="rect">
+            <a:avLst/>
+          </a:prstGeom>
+        </p:spPr>
+      </p:pic>
     </p:spTree>
   </p:cSld>
   <p:clrMapOvr>
@@ -38393,6 +42248,78 @@
           </a:p>
         </p:txBody>
       </p:sp>
+      <p:pic>
+        <p:nvPicPr>
+          <p:cNvPr id="3" name="Picture 2">
+            <a:extLst>
+              <a:ext uri="{FF2B5EF4-FFF2-40B4-BE49-F238E27FC236}">
+                <a16:creationId xmlns:a16="http://schemas.microsoft.com/office/drawing/2014/main" id="{A1A00E88-9045-AD4C-8201-D4C4221E7944}"/>
+              </a:ext>
+            </a:extLst>
+          </p:cNvPr>
+          <p:cNvPicPr>
+            <a:picLocks noChangeAspect="1"/>
+          </p:cNvPicPr>
+          <p:nvPr/>
+        </p:nvPicPr>
+        <p:blipFill>
+          <a:blip r:embed="rId4">
+            <a:extLst>
+              <a:ext uri="{28A0092B-C50C-407E-A947-70E740481C1C}">
+                <a14:useLocalDpi xmlns:a14="http://schemas.microsoft.com/office/drawing/2010/main" val="0"/>
+              </a:ext>
+            </a:extLst>
+          </a:blip>
+          <a:stretch>
+            <a:fillRect/>
+          </a:stretch>
+        </p:blipFill>
+        <p:spPr>
+          <a:xfrm>
+            <a:off x="4283969" y="2994507"/>
+            <a:ext cx="504056" cy="787006"/>
+          </a:xfrm>
+          <a:prstGeom prst="rect">
+            <a:avLst/>
+          </a:prstGeom>
+        </p:spPr>
+      </p:pic>
+      <p:pic>
+        <p:nvPicPr>
+          <p:cNvPr id="8" name="Picture 7">
+            <a:extLst>
+              <a:ext uri="{FF2B5EF4-FFF2-40B4-BE49-F238E27FC236}">
+                <a16:creationId xmlns:a16="http://schemas.microsoft.com/office/drawing/2014/main" id="{118FF71F-640A-1B4E-A09A-02DBBA2B6E3B}"/>
+              </a:ext>
+            </a:extLst>
+          </p:cNvPr>
+          <p:cNvPicPr>
+            <a:picLocks noChangeAspect="1"/>
+          </p:cNvPicPr>
+          <p:nvPr/>
+        </p:nvPicPr>
+        <p:blipFill>
+          <a:blip r:embed="rId5">
+            <a:extLst>
+              <a:ext uri="{28A0092B-C50C-407E-A947-70E740481C1C}">
+                <a14:useLocalDpi xmlns:a14="http://schemas.microsoft.com/office/drawing/2010/main" val="0"/>
+              </a:ext>
+            </a:extLst>
+          </a:blip>
+          <a:stretch>
+            <a:fillRect/>
+          </a:stretch>
+        </p:blipFill>
+        <p:spPr>
+          <a:xfrm>
+            <a:off x="3306202" y="3781513"/>
+            <a:ext cx="2459590" cy="1693488"/>
+          </a:xfrm>
+          <a:prstGeom prst="rect">
+            <a:avLst/>
+          </a:prstGeom>
+        </p:spPr>
+      </p:pic>
     </p:spTree>
     <p:extLst>
       <p:ext uri="{BB962C8B-B14F-4D97-AF65-F5344CB8AC3E}">
@@ -38444,13 +42371,89 @@
           <a:lstStyle/>
           <a:p>
             <a:r>
-              <a:rPr lang="en-US" altLang="ko-KR" sz="3600" dirty="0"/>
+              <a:rPr lang="en-US" altLang="ko-KR" sz="3600" dirty="0">
+                <a:latin typeface="Chalkboard" panose="03050602040202020205" pitchFamily="66" charset="77"/>
+              </a:rPr>
               <a:t>Merci !</a:t>
             </a:r>
-            <a:endParaRPr lang="ko-KR" altLang="en-US" sz="3600" dirty="0"/>
+            <a:endParaRPr lang="ko-KR" altLang="en-US" sz="3600" dirty="0">
+              <a:latin typeface="Chalkboard" panose="03050602040202020205" pitchFamily="66" charset="77"/>
+            </a:endParaRPr>
           </a:p>
         </p:txBody>
       </p:sp>
+      <p:pic>
+        <p:nvPicPr>
+          <p:cNvPr id="4" name="Picture 3">
+            <a:extLst>
+              <a:ext uri="{FF2B5EF4-FFF2-40B4-BE49-F238E27FC236}">
+                <a16:creationId xmlns:a16="http://schemas.microsoft.com/office/drawing/2014/main" id="{27033F7E-9C40-3449-9F00-354ED0BF54EC}"/>
+              </a:ext>
+            </a:extLst>
+          </p:cNvPr>
+          <p:cNvPicPr>
+            <a:picLocks noChangeAspect="1"/>
+          </p:cNvPicPr>
+          <p:nvPr/>
+        </p:nvPicPr>
+        <p:blipFill>
+          <a:blip r:embed="rId3">
+            <a:extLst>
+              <a:ext uri="{28A0092B-C50C-407E-A947-70E740481C1C}">
+                <a14:useLocalDpi xmlns:a14="http://schemas.microsoft.com/office/drawing/2010/main" val="0"/>
+              </a:ext>
+            </a:extLst>
+          </a:blip>
+          <a:stretch>
+            <a:fillRect/>
+          </a:stretch>
+        </p:blipFill>
+        <p:spPr>
+          <a:xfrm>
+            <a:off x="3995936" y="1035072"/>
+            <a:ext cx="1289298" cy="1968726"/>
+          </a:xfrm>
+          <a:prstGeom prst="rect">
+            <a:avLst/>
+          </a:prstGeom>
+        </p:spPr>
+      </p:pic>
+      <p:pic>
+        <p:nvPicPr>
+          <p:cNvPr id="6" name="Picture 5">
+            <a:extLst>
+              <a:ext uri="{FF2B5EF4-FFF2-40B4-BE49-F238E27FC236}">
+                <a16:creationId xmlns:a16="http://schemas.microsoft.com/office/drawing/2014/main" id="{D507A9D2-7491-D14D-B482-3F4428AA35F1}"/>
+              </a:ext>
+            </a:extLst>
+          </p:cNvPr>
+          <p:cNvPicPr>
+            <a:picLocks noChangeAspect="1"/>
+          </p:cNvPicPr>
+          <p:nvPr/>
+        </p:nvPicPr>
+        <p:blipFill>
+          <a:blip r:embed="rId4">
+            <a:extLst>
+              <a:ext uri="{28A0092B-C50C-407E-A947-70E740481C1C}">
+                <a14:useLocalDpi xmlns:a14="http://schemas.microsoft.com/office/drawing/2010/main" val="0"/>
+              </a:ext>
+            </a:extLst>
+          </a:blip>
+          <a:stretch>
+            <a:fillRect/>
+          </a:stretch>
+        </p:blipFill>
+        <p:spPr>
+          <a:xfrm>
+            <a:off x="3542442" y="1310559"/>
+            <a:ext cx="2059116" cy="1417752"/>
+          </a:xfrm>
+          <a:prstGeom prst="rect">
+            <a:avLst/>
+          </a:prstGeom>
+        </p:spPr>
+      </p:pic>
     </p:spTree>
   </p:cSld>
   <p:clrMapOvr>
@@ -38503,7 +42506,9 @@
           <a:lstStyle/>
           <a:p>
             <a:r>
-              <a:rPr lang="fr-FR" dirty="0"/>
+              <a:rPr lang="fr-FR" dirty="0">
+                <a:latin typeface="Chalkboard" panose="03050602040202020205" pitchFamily="66" charset="77"/>
+              </a:rPr>
               <a:t>Introduction</a:t>
             </a:r>
           </a:p>
@@ -38535,8 +42540,8 @@
         </p:blipFill>
         <p:spPr>
           <a:xfrm>
-            <a:off x="1619672" y="1419622"/>
-            <a:ext cx="5688632" cy="2880320"/>
+            <a:off x="57041" y="1707654"/>
+            <a:ext cx="3226717" cy="1944216"/>
           </a:xfrm>
           <a:prstGeom prst="rect">
             <a:avLst/>
@@ -38597,6 +42602,199 @@
               <a:solidFill>
                 <a:schemeClr val="tx1"/>
               </a:solidFill>
+              <a:latin typeface="Chalkboard" panose="03050602040202020205" pitchFamily="66" charset="77"/>
+            </a:endParaRPr>
+          </a:p>
+        </p:txBody>
+      </p:sp>
+      <p:sp>
+        <p:nvSpPr>
+          <p:cNvPr id="5" name="Oval 4">
+            <a:extLst>
+              <a:ext uri="{FF2B5EF4-FFF2-40B4-BE49-F238E27FC236}">
+                <a16:creationId xmlns:a16="http://schemas.microsoft.com/office/drawing/2014/main" id="{752CFE6C-4B7B-3243-B04E-A94BF388074E}"/>
+              </a:ext>
+            </a:extLst>
+          </p:cNvPr>
+          <p:cNvSpPr/>
+          <p:nvPr/>
+        </p:nvSpPr>
+        <p:spPr>
+          <a:xfrm>
+            <a:off x="3379434" y="1851670"/>
+            <a:ext cx="628142" cy="576064"/>
+          </a:xfrm>
+          <a:prstGeom prst="ellipse">
+            <a:avLst/>
+          </a:prstGeom>
+          <a:solidFill>
+            <a:schemeClr val="accent1"/>
+          </a:solidFill>
+          <a:ln>
+            <a:noFill/>
+          </a:ln>
+        </p:spPr>
+        <p:style>
+          <a:lnRef idx="2">
+            <a:schemeClr val="accent1">
+              <a:shade val="50000"/>
+            </a:schemeClr>
+          </a:lnRef>
+          <a:fillRef idx="1">
+            <a:schemeClr val="accent1"/>
+          </a:fillRef>
+          <a:effectRef idx="0">
+            <a:schemeClr val="accent1"/>
+          </a:effectRef>
+          <a:fontRef idx="minor">
+            <a:schemeClr val="lt1"/>
+          </a:fontRef>
+        </p:style>
+        <p:txBody>
+          <a:bodyPr rot="0" spcFirstLastPara="0" vertOverflow="overflow" horzOverflow="overflow" vert="horz" wrap="square" lIns="91440" tIns="45720" rIns="91440" bIns="45720" numCol="1" spcCol="0" rtlCol="0" fromWordArt="0" anchor="ctr" anchorCtr="0" forceAA="0" compatLnSpc="1">
+            <a:noAutofit/>
+          </a:bodyPr>
+          <a:lstStyle/>
+          <a:p>
+            <a:pPr algn="ctr"/>
+            <a:endParaRPr lang="ko-KR" altLang="en-US">
+              <a:solidFill>
+                <a:srgbClr val="32AEB8"/>
+              </a:solidFill>
+              <a:latin typeface="Chalkboard" panose="03050602040202020205" pitchFamily="66" charset="77"/>
+            </a:endParaRPr>
+          </a:p>
+        </p:txBody>
+      </p:sp>
+      <p:sp>
+        <p:nvSpPr>
+          <p:cNvPr id="2" name="TextBox 1">
+            <a:extLst>
+              <a:ext uri="{FF2B5EF4-FFF2-40B4-BE49-F238E27FC236}">
+                <a16:creationId xmlns:a16="http://schemas.microsoft.com/office/drawing/2014/main" id="{B4A3BDBE-2384-D94B-ABE0-778003340768}"/>
+              </a:ext>
+            </a:extLst>
+          </p:cNvPr>
+          <p:cNvSpPr txBox="1"/>
+          <p:nvPr/>
+        </p:nvSpPr>
+        <p:spPr>
+          <a:xfrm>
+            <a:off x="3983412" y="1851670"/>
+            <a:ext cx="4945072" cy="584775"/>
+          </a:xfrm>
+          <a:prstGeom prst="rect">
+            <a:avLst/>
+          </a:prstGeom>
+          <a:noFill/>
+        </p:spPr>
+        <p:txBody>
+          <a:bodyPr wrap="square" rtlCol="0">
+            <a:spAutoFit/>
+          </a:bodyPr>
+          <a:lstStyle/>
+          <a:p>
+            <a:r>
+              <a:rPr lang="fr-FR" sz="1600" b="1" dirty="0">
+                <a:latin typeface="Chalkboard" panose="03050602040202020205" pitchFamily="66" charset="77"/>
+              </a:rPr>
+              <a:t>Construire des systèmes capables de comprendre les êtres humains.</a:t>
+            </a:r>
+          </a:p>
+        </p:txBody>
+      </p:sp>
+      <p:sp>
+        <p:nvSpPr>
+          <p:cNvPr id="3" name="TextBox 2">
+            <a:extLst>
+              <a:ext uri="{FF2B5EF4-FFF2-40B4-BE49-F238E27FC236}">
+                <a16:creationId xmlns:a16="http://schemas.microsoft.com/office/drawing/2014/main" id="{4813953E-B449-6A44-8FEC-C4948CE6BB3B}"/>
+              </a:ext>
+            </a:extLst>
+          </p:cNvPr>
+          <p:cNvSpPr txBox="1"/>
+          <p:nvPr/>
+        </p:nvSpPr>
+        <p:spPr>
+          <a:xfrm>
+            <a:off x="4007576" y="2940214"/>
+            <a:ext cx="4920908" cy="523220"/>
+          </a:xfrm>
+          <a:prstGeom prst="rect">
+            <a:avLst/>
+          </a:prstGeom>
+          <a:noFill/>
+        </p:spPr>
+        <p:txBody>
+          <a:bodyPr wrap="square" rtlCol="0">
+            <a:spAutoFit/>
+          </a:bodyPr>
+          <a:lstStyle/>
+          <a:p>
+            <a:r>
+              <a:rPr lang="fr-FR" sz="1400" b="1" dirty="0">
+                <a:latin typeface="Chalkboard" panose="03050602040202020205" pitchFamily="66" charset="77"/>
+              </a:rPr>
+              <a:t>Durant les années 60, les systèmes Questions-Réponses sont apparus.</a:t>
+            </a:r>
+          </a:p>
+        </p:txBody>
+      </p:sp>
+      <p:sp>
+        <p:nvSpPr>
+          <p:cNvPr id="8" name="Oval 7">
+            <a:extLst>
+              <a:ext uri="{FF2B5EF4-FFF2-40B4-BE49-F238E27FC236}">
+                <a16:creationId xmlns:a16="http://schemas.microsoft.com/office/drawing/2014/main" id="{A265AA9D-4C1B-7B47-89C7-90E38A4B6076}"/>
+              </a:ext>
+            </a:extLst>
+          </p:cNvPr>
+          <p:cNvSpPr/>
+          <p:nvPr/>
+        </p:nvSpPr>
+        <p:spPr>
+          <a:xfrm>
+            <a:off x="3355270" y="2913792"/>
+            <a:ext cx="628142" cy="576064"/>
+          </a:xfrm>
+          <a:prstGeom prst="ellipse">
+            <a:avLst/>
+          </a:prstGeom>
+          <a:solidFill>
+            <a:schemeClr val="accent1"/>
+          </a:solidFill>
+          <a:ln>
+            <a:noFill/>
+          </a:ln>
+        </p:spPr>
+        <p:style>
+          <a:lnRef idx="2">
+            <a:schemeClr val="accent1">
+              <a:shade val="50000"/>
+            </a:schemeClr>
+          </a:lnRef>
+          <a:fillRef idx="1">
+            <a:schemeClr val="accent1"/>
+          </a:fillRef>
+          <a:effectRef idx="0">
+            <a:schemeClr val="accent1"/>
+          </a:effectRef>
+          <a:fontRef idx="minor">
+            <a:schemeClr val="lt1"/>
+          </a:fontRef>
+        </p:style>
+        <p:txBody>
+          <a:bodyPr rot="0" spcFirstLastPara="0" vertOverflow="overflow" horzOverflow="overflow" vert="horz" wrap="square" lIns="91440" tIns="45720" rIns="91440" bIns="45720" numCol="1" spcCol="0" rtlCol="0" fromWordArt="0" anchor="ctr" anchorCtr="0" forceAA="0" compatLnSpc="1">
+            <a:noAutofit/>
+          </a:bodyPr>
+          <a:lstStyle/>
+          <a:p>
+            <a:pPr algn="ctr"/>
+            <a:endParaRPr lang="ko-KR" altLang="en-US">
+              <a:solidFill>
+                <a:srgbClr val="32AEB8"/>
+              </a:solidFill>
+              <a:latin typeface="Chalkboard" panose="03050602040202020205" pitchFamily="66" charset="77"/>
             </a:endParaRPr>
           </a:p>
         </p:txBody>
@@ -38718,6 +42916,348 @@
                             </p:childTnLst>
                           </p:cTn>
                         </p:par>
+                        <p:par>
+                          <p:cTn id="10" fill="hold">
+                            <p:stCondLst>
+                              <p:cond delay="1000"/>
+                            </p:stCondLst>
+                            <p:childTnLst>
+                              <p:par>
+                                <p:cTn id="11" presetID="42" presetClass="entr" presetSubtype="0" fill="hold" grpId="0" nodeType="afterEffect">
+                                  <p:stCondLst>
+                                    <p:cond delay="0"/>
+                                  </p:stCondLst>
+                                  <p:childTnLst>
+                                    <p:set>
+                                      <p:cBhvr>
+                                        <p:cTn id="12" dur="1" fill="hold">
+                                          <p:stCondLst>
+                                            <p:cond delay="0"/>
+                                          </p:stCondLst>
+                                        </p:cTn>
+                                        <p:tgtEl>
+                                          <p:spTgt spid="5"/>
+                                        </p:tgtEl>
+                                        <p:attrNameLst>
+                                          <p:attrName>style.visibility</p:attrName>
+                                        </p:attrNameLst>
+                                      </p:cBhvr>
+                                      <p:to>
+                                        <p:strVal val="visible"/>
+                                      </p:to>
+                                    </p:set>
+                                    <p:animEffect transition="in" filter="fade">
+                                      <p:cBhvr>
+                                        <p:cTn id="13" dur="1000"/>
+                                        <p:tgtEl>
+                                          <p:spTgt spid="5"/>
+                                        </p:tgtEl>
+                                      </p:cBhvr>
+                                    </p:animEffect>
+                                    <p:anim calcmode="lin" valueType="num">
+                                      <p:cBhvr>
+                                        <p:cTn id="14" dur="1000" fill="hold"/>
+                                        <p:tgtEl>
+                                          <p:spTgt spid="5"/>
+                                        </p:tgtEl>
+                                        <p:attrNameLst>
+                                          <p:attrName>ppt_x</p:attrName>
+                                        </p:attrNameLst>
+                                      </p:cBhvr>
+                                      <p:tavLst>
+                                        <p:tav tm="0">
+                                          <p:val>
+                                            <p:strVal val="#ppt_x"/>
+                                          </p:val>
+                                        </p:tav>
+                                        <p:tav tm="100000">
+                                          <p:val>
+                                            <p:strVal val="#ppt_x"/>
+                                          </p:val>
+                                        </p:tav>
+                                      </p:tavLst>
+                                    </p:anim>
+                                    <p:anim calcmode="lin" valueType="num">
+                                      <p:cBhvr>
+                                        <p:cTn id="15" dur="1000" fill="hold"/>
+                                        <p:tgtEl>
+                                          <p:spTgt spid="5"/>
+                                        </p:tgtEl>
+                                        <p:attrNameLst>
+                                          <p:attrName>ppt_y</p:attrName>
+                                        </p:attrNameLst>
+                                      </p:cBhvr>
+                                      <p:tavLst>
+                                        <p:tav tm="0">
+                                          <p:val>
+                                            <p:strVal val="#ppt_y+.1"/>
+                                          </p:val>
+                                        </p:tav>
+                                        <p:tav tm="100000">
+                                          <p:val>
+                                            <p:strVal val="#ppt_y"/>
+                                          </p:val>
+                                        </p:tav>
+                                      </p:tavLst>
+                                    </p:anim>
+                                  </p:childTnLst>
+                                </p:cTn>
+                              </p:par>
+                              <p:par>
+                                <p:cTn id="16" presetID="42" presetClass="entr" presetSubtype="0" fill="hold" grpId="0" nodeType="withEffect">
+                                  <p:stCondLst>
+                                    <p:cond delay="0"/>
+                                  </p:stCondLst>
+                                  <p:childTnLst>
+                                    <p:set>
+                                      <p:cBhvr>
+                                        <p:cTn id="17" dur="1" fill="hold">
+                                          <p:stCondLst>
+                                            <p:cond delay="0"/>
+                                          </p:stCondLst>
+                                        </p:cTn>
+                                        <p:tgtEl>
+                                          <p:spTgt spid="2"/>
+                                        </p:tgtEl>
+                                        <p:attrNameLst>
+                                          <p:attrName>style.visibility</p:attrName>
+                                        </p:attrNameLst>
+                                      </p:cBhvr>
+                                      <p:to>
+                                        <p:strVal val="visible"/>
+                                      </p:to>
+                                    </p:set>
+                                    <p:animEffect transition="in" filter="fade">
+                                      <p:cBhvr>
+                                        <p:cTn id="18" dur="1000"/>
+                                        <p:tgtEl>
+                                          <p:spTgt spid="2"/>
+                                        </p:tgtEl>
+                                      </p:cBhvr>
+                                    </p:animEffect>
+                                    <p:anim calcmode="lin" valueType="num">
+                                      <p:cBhvr>
+                                        <p:cTn id="19" dur="1000" fill="hold"/>
+                                        <p:tgtEl>
+                                          <p:spTgt spid="2"/>
+                                        </p:tgtEl>
+                                        <p:attrNameLst>
+                                          <p:attrName>ppt_x</p:attrName>
+                                        </p:attrNameLst>
+                                      </p:cBhvr>
+                                      <p:tavLst>
+                                        <p:tav tm="0">
+                                          <p:val>
+                                            <p:strVal val="#ppt_x"/>
+                                          </p:val>
+                                        </p:tav>
+                                        <p:tav tm="100000">
+                                          <p:val>
+                                            <p:strVal val="#ppt_x"/>
+                                          </p:val>
+                                        </p:tav>
+                                      </p:tavLst>
+                                    </p:anim>
+                                    <p:anim calcmode="lin" valueType="num">
+                                      <p:cBhvr>
+                                        <p:cTn id="20" dur="1000" fill="hold"/>
+                                        <p:tgtEl>
+                                          <p:spTgt spid="2"/>
+                                        </p:tgtEl>
+                                        <p:attrNameLst>
+                                          <p:attrName>ppt_y</p:attrName>
+                                        </p:attrNameLst>
+                                      </p:cBhvr>
+                                      <p:tavLst>
+                                        <p:tav tm="0">
+                                          <p:val>
+                                            <p:strVal val="#ppt_y+.1"/>
+                                          </p:val>
+                                        </p:tav>
+                                        <p:tav tm="100000">
+                                          <p:val>
+                                            <p:strVal val="#ppt_y"/>
+                                          </p:val>
+                                        </p:tav>
+                                      </p:tavLst>
+                                    </p:anim>
+                                  </p:childTnLst>
+                                </p:cTn>
+                              </p:par>
+                            </p:childTnLst>
+                          </p:cTn>
+                        </p:par>
+                        <p:par>
+                          <p:cTn id="21" fill="hold">
+                            <p:stCondLst>
+                              <p:cond delay="2000"/>
+                            </p:stCondLst>
+                            <p:childTnLst>
+                              <p:par>
+                                <p:cTn id="22" presetID="42" presetClass="entr" presetSubtype="0" fill="hold" grpId="0" nodeType="afterEffect">
+                                  <p:stCondLst>
+                                    <p:cond delay="0"/>
+                                  </p:stCondLst>
+                                  <p:childTnLst>
+                                    <p:set>
+                                      <p:cBhvr>
+                                        <p:cTn id="23" dur="1" fill="hold">
+                                          <p:stCondLst>
+                                            <p:cond delay="0"/>
+                                          </p:stCondLst>
+                                        </p:cTn>
+                                        <p:tgtEl>
+                                          <p:spTgt spid="8"/>
+                                        </p:tgtEl>
+                                        <p:attrNameLst>
+                                          <p:attrName>style.visibility</p:attrName>
+                                        </p:attrNameLst>
+                                      </p:cBhvr>
+                                      <p:to>
+                                        <p:strVal val="visible"/>
+                                      </p:to>
+                                    </p:set>
+                                    <p:animEffect transition="in" filter="fade">
+                                      <p:cBhvr>
+                                        <p:cTn id="24" dur="1000"/>
+                                        <p:tgtEl>
+                                          <p:spTgt spid="8"/>
+                                        </p:tgtEl>
+                                      </p:cBhvr>
+                                    </p:animEffect>
+                                    <p:anim calcmode="lin" valueType="num">
+                                      <p:cBhvr>
+                                        <p:cTn id="25" dur="1000" fill="hold"/>
+                                        <p:tgtEl>
+                                          <p:spTgt spid="8"/>
+                                        </p:tgtEl>
+                                        <p:attrNameLst>
+                                          <p:attrName>ppt_x</p:attrName>
+                                        </p:attrNameLst>
+                                      </p:cBhvr>
+                                      <p:tavLst>
+                                        <p:tav tm="0">
+                                          <p:val>
+                                            <p:strVal val="#ppt_x"/>
+                                          </p:val>
+                                        </p:tav>
+                                        <p:tav tm="100000">
+                                          <p:val>
+                                            <p:strVal val="#ppt_x"/>
+                                          </p:val>
+                                        </p:tav>
+                                      </p:tavLst>
+                                    </p:anim>
+                                    <p:anim calcmode="lin" valueType="num">
+                                      <p:cBhvr>
+                                        <p:cTn id="26" dur="1000" fill="hold"/>
+                                        <p:tgtEl>
+                                          <p:spTgt spid="8"/>
+                                        </p:tgtEl>
+                                        <p:attrNameLst>
+                                          <p:attrName>ppt_y</p:attrName>
+                                        </p:attrNameLst>
+                                      </p:cBhvr>
+                                      <p:tavLst>
+                                        <p:tav tm="0">
+                                          <p:val>
+                                            <p:strVal val="#ppt_y+.1"/>
+                                          </p:val>
+                                        </p:tav>
+                                        <p:tav tm="100000">
+                                          <p:val>
+                                            <p:strVal val="#ppt_y"/>
+                                          </p:val>
+                                        </p:tav>
+                                      </p:tavLst>
+                                    </p:anim>
+                                  </p:childTnLst>
+                                </p:cTn>
+                              </p:par>
+                              <p:par>
+                                <p:cTn id="27" presetID="42" presetClass="entr" presetSubtype="0" fill="hold" grpId="0" nodeType="withEffect">
+                                  <p:stCondLst>
+                                    <p:cond delay="0"/>
+                                  </p:stCondLst>
+                                  <p:childTnLst>
+                                    <p:set>
+                                      <p:cBhvr>
+                                        <p:cTn id="28" dur="1" fill="hold">
+                                          <p:stCondLst>
+                                            <p:cond delay="0"/>
+                                          </p:stCondLst>
+                                        </p:cTn>
+                                        <p:tgtEl>
+                                          <p:spTgt spid="3"/>
+                                        </p:tgtEl>
+                                        <p:attrNameLst>
+                                          <p:attrName>style.visibility</p:attrName>
+                                        </p:attrNameLst>
+                                      </p:cBhvr>
+                                      <p:to>
+                                        <p:strVal val="visible"/>
+                                      </p:to>
+                                    </p:set>
+                                    <p:animEffect transition="in" filter="fade">
+                                      <p:cBhvr>
+                                        <p:cTn id="29" dur="1000"/>
+                                        <p:tgtEl>
+                                          <p:spTgt spid="3"/>
+                                        </p:tgtEl>
+                                      </p:cBhvr>
+                                    </p:animEffect>
+                                    <p:anim calcmode="lin" valueType="num">
+                                      <p:cBhvr>
+                                        <p:cTn id="30" dur="1000" fill="hold"/>
+                                        <p:tgtEl>
+                                          <p:spTgt spid="3"/>
+                                        </p:tgtEl>
+                                        <p:attrNameLst>
+                                          <p:attrName>ppt_x</p:attrName>
+                                        </p:attrNameLst>
+                                      </p:cBhvr>
+                                      <p:tavLst>
+                                        <p:tav tm="0">
+                                          <p:val>
+                                            <p:strVal val="#ppt_x"/>
+                                          </p:val>
+                                        </p:tav>
+                                        <p:tav tm="100000">
+                                          <p:val>
+                                            <p:strVal val="#ppt_x"/>
+                                          </p:val>
+                                        </p:tav>
+                                      </p:tavLst>
+                                    </p:anim>
+                                    <p:anim calcmode="lin" valueType="num">
+                                      <p:cBhvr>
+                                        <p:cTn id="31" dur="1000" fill="hold"/>
+                                        <p:tgtEl>
+                                          <p:spTgt spid="3"/>
+                                        </p:tgtEl>
+                                        <p:attrNameLst>
+                                          <p:attrName>ppt_y</p:attrName>
+                                        </p:attrNameLst>
+                                      </p:cBhvr>
+                                      <p:tavLst>
+                                        <p:tav tm="0">
+                                          <p:val>
+                                            <p:strVal val="#ppt_y+.1"/>
+                                          </p:val>
+                                        </p:tav>
+                                        <p:tav tm="100000">
+                                          <p:val>
+                                            <p:strVal val="#ppt_y"/>
+                                          </p:val>
+                                        </p:tav>
+                                      </p:tavLst>
+                                    </p:anim>
+                                  </p:childTnLst>
+                                </p:cTn>
+                              </p:par>
+                            </p:childTnLst>
+                          </p:cTn>
+                        </p:par>
                       </p:childTnLst>
                     </p:cTn>
                   </p:par>
@@ -38742,6 +43282,12 @@
         </p:cTn>
       </p:par>
     </p:tnLst>
+    <p:bldLst>
+      <p:bldP spid="5" grpId="0" animBg="1"/>
+      <p:bldP spid="2" grpId="0"/>
+      <p:bldP spid="3" grpId="0"/>
+      <p:bldP spid="8" grpId="0" animBg="1"/>
+    </p:bldLst>
   </p:timing>
 </p:sld>
 </file>
@@ -38775,7 +43321,7 @@
         </p:nvSpPr>
         <p:spPr>
           <a:xfrm>
-            <a:off x="2123728" y="3363838"/>
+            <a:off x="2123727" y="3509725"/>
             <a:ext cx="4896544" cy="576064"/>
           </a:xfrm>
         </p:spPr>
@@ -38784,28 +43330,112 @@
           <a:lstStyle/>
           <a:p>
             <a:r>
-              <a:rPr lang="en-US" altLang="ko-KR" sz="2800" dirty="0"/>
+              <a:rPr lang="en-US" altLang="ko-KR" sz="2800" dirty="0">
+                <a:latin typeface="Chalkboard" panose="03050602040202020205" pitchFamily="66" charset="77"/>
+              </a:rPr>
               <a:t>Les </a:t>
             </a:r>
             <a:r>
-              <a:rPr lang="en-US" altLang="ko-KR" sz="2800" dirty="0" err="1"/>
+              <a:rPr lang="en-US" altLang="ko-KR" sz="2800" dirty="0" err="1">
+                <a:latin typeface="Chalkboard" panose="03050602040202020205" pitchFamily="66" charset="77"/>
+              </a:rPr>
               <a:t>systèmes</a:t>
             </a:r>
             <a:r>
-              <a:rPr lang="en-US" altLang="ko-KR" sz="2800" dirty="0"/>
+              <a:rPr lang="en-US" altLang="ko-KR" sz="2800" dirty="0">
+                <a:latin typeface="Chalkboard" panose="03050602040202020205" pitchFamily="66" charset="77"/>
+              </a:rPr>
               <a:t> Questions-</a:t>
             </a:r>
             <a:r>
-              <a:rPr lang="en-US" altLang="ko-KR" sz="2800" dirty="0" err="1"/>
+              <a:rPr lang="en-US" altLang="ko-KR" sz="2800" dirty="0" err="1">
+                <a:latin typeface="Chalkboard" panose="03050602040202020205" pitchFamily="66" charset="77"/>
+              </a:rPr>
               <a:t>Réponses</a:t>
             </a:r>
-            <a:endParaRPr lang="en-US" altLang="ko-KR" sz="2800" dirty="0"/>
+            <a:endParaRPr lang="en-US" altLang="ko-KR" sz="2800" dirty="0">
+              <a:latin typeface="Chalkboard" panose="03050602040202020205" pitchFamily="66" charset="77"/>
+            </a:endParaRPr>
           </a:p>
           <a:p>
-            <a:endParaRPr lang="en-US" altLang="ko-KR" sz="2800" dirty="0"/>
+            <a:endParaRPr lang="en-US" altLang="ko-KR" sz="2800" dirty="0">
+              <a:latin typeface="Chalkboard" panose="03050602040202020205" pitchFamily="66" charset="77"/>
+            </a:endParaRPr>
           </a:p>
         </p:txBody>
       </p:sp>
+      <p:pic>
+        <p:nvPicPr>
+          <p:cNvPr id="4" name="Picture 3">
+            <a:extLst>
+              <a:ext uri="{FF2B5EF4-FFF2-40B4-BE49-F238E27FC236}">
+                <a16:creationId xmlns:a16="http://schemas.microsoft.com/office/drawing/2014/main" id="{03F93988-6A8D-4A4B-8D9A-E193D5733F2C}"/>
+              </a:ext>
+            </a:extLst>
+          </p:cNvPr>
+          <p:cNvPicPr>
+            <a:picLocks noChangeAspect="1"/>
+          </p:cNvPicPr>
+          <p:nvPr/>
+        </p:nvPicPr>
+        <p:blipFill>
+          <a:blip r:embed="rId3">
+            <a:extLst>
+              <a:ext uri="{28A0092B-C50C-407E-A947-70E740481C1C}">
+                <a14:useLocalDpi xmlns:a14="http://schemas.microsoft.com/office/drawing/2010/main" val="0"/>
+              </a:ext>
+            </a:extLst>
+          </a:blip>
+          <a:stretch>
+            <a:fillRect/>
+          </a:stretch>
+        </p:blipFill>
+        <p:spPr>
+          <a:xfrm>
+            <a:off x="3714750" y="987574"/>
+            <a:ext cx="1714500" cy="2070100"/>
+          </a:xfrm>
+          <a:prstGeom prst="rect">
+            <a:avLst/>
+          </a:prstGeom>
+        </p:spPr>
+      </p:pic>
+      <p:pic>
+        <p:nvPicPr>
+          <p:cNvPr id="6" name="Picture 5">
+            <a:extLst>
+              <a:ext uri="{FF2B5EF4-FFF2-40B4-BE49-F238E27FC236}">
+                <a16:creationId xmlns:a16="http://schemas.microsoft.com/office/drawing/2014/main" id="{D5D229A9-048A-EC48-8575-910D50B1E44C}"/>
+              </a:ext>
+            </a:extLst>
+          </p:cNvPr>
+          <p:cNvPicPr>
+            <a:picLocks noChangeAspect="1"/>
+          </p:cNvPicPr>
+          <p:nvPr/>
+        </p:nvPicPr>
+        <p:blipFill>
+          <a:blip r:embed="rId4">
+            <a:extLst>
+              <a:ext uri="{28A0092B-C50C-407E-A947-70E740481C1C}">
+                <a14:useLocalDpi xmlns:a14="http://schemas.microsoft.com/office/drawing/2010/main" val="0"/>
+              </a:ext>
+            </a:extLst>
+          </a:blip>
+          <a:stretch>
+            <a:fillRect/>
+          </a:stretch>
+        </p:blipFill>
+        <p:spPr>
+          <a:xfrm>
+            <a:off x="2284340" y="520057"/>
+            <a:ext cx="4575319" cy="3150220"/>
+          </a:xfrm>
+          <a:prstGeom prst="rect">
+            <a:avLst/>
+          </a:prstGeom>
+        </p:spPr>
+      </p:pic>
     </p:spTree>
     <p:extLst>
       <p:ext uri="{BB962C8B-B14F-4D97-AF65-F5344CB8AC3E}">
@@ -38863,12 +43493,16 @@
           <a:lstStyle/>
           <a:p>
             <a:r>
-              <a:rPr lang="fr-FR" dirty="0"/>
+              <a:rPr lang="fr-FR" dirty="0">
+                <a:latin typeface="Chalkboard" panose="03050602040202020205" pitchFamily="66" charset="77"/>
+              </a:rPr>
               <a:t>Les systèmes Questions-Réponses</a:t>
             </a:r>
           </a:p>
           <a:p>
-            <a:endParaRPr lang="fr-FR" dirty="0"/>
+            <a:endParaRPr lang="fr-FR" dirty="0">
+              <a:latin typeface="Chalkboard" panose="03050602040202020205" pitchFamily="66" charset="77"/>
+            </a:endParaRPr>
           </a:p>
         </p:txBody>
       </p:sp>
@@ -38898,7 +43532,7 @@
         </p:blipFill>
         <p:spPr>
           <a:xfrm>
-            <a:off x="2627784" y="913487"/>
+            <a:off x="323528" y="1127432"/>
             <a:ext cx="3348524" cy="3316526"/>
           </a:xfrm>
           <a:prstGeom prst="rect">
@@ -38961,6 +43595,43 @@
                 <a:schemeClr val="tx1"/>
               </a:solidFill>
             </a:endParaRPr>
+          </a:p>
+        </p:txBody>
+      </p:sp>
+      <p:sp>
+        <p:nvSpPr>
+          <p:cNvPr id="2" name="TextBox 1">
+            <a:extLst>
+              <a:ext uri="{FF2B5EF4-FFF2-40B4-BE49-F238E27FC236}">
+                <a16:creationId xmlns:a16="http://schemas.microsoft.com/office/drawing/2014/main" id="{2D4868A1-92A2-0C45-A1F2-B37AFD77D81B}"/>
+              </a:ext>
+            </a:extLst>
+          </p:cNvPr>
+          <p:cNvSpPr txBox="1"/>
+          <p:nvPr/>
+        </p:nvSpPr>
+        <p:spPr>
+          <a:xfrm>
+            <a:off x="3504145" y="2530129"/>
+            <a:ext cx="5316327" cy="369332"/>
+          </a:xfrm>
+          <a:prstGeom prst="rect">
+            <a:avLst/>
+          </a:prstGeom>
+          <a:noFill/>
+        </p:spPr>
+        <p:txBody>
+          <a:bodyPr wrap="none" rtlCol="0">
+            <a:spAutoFit/>
+          </a:bodyPr>
+          <a:lstStyle/>
+          <a:p>
+            <a:r>
+              <a:rPr lang="fr-FR" b="1" dirty="0">
+                <a:latin typeface="Chalkboard" panose="03050602040202020205" pitchFamily="66" charset="77"/>
+              </a:rPr>
+              <a:t>L’art de répondre aux questions avec précision</a:t>
+            </a:r>
           </a:p>
         </p:txBody>
       </p:sp>
@@ -39147,17 +43818,95 @@
           <a:lstStyle/>
           <a:p>
             <a:r>
-              <a:rPr lang="en-US" altLang="ko-KR" sz="2800" dirty="0"/>
+              <a:rPr lang="en-US" altLang="ko-KR" sz="2800" dirty="0">
+                <a:latin typeface="Chalkboard" panose="03050602040202020205" pitchFamily="66" charset="77"/>
+              </a:rPr>
               <a:t>État de </a:t>
             </a:r>
             <a:r>
-              <a:rPr lang="en-US" altLang="ko-KR" sz="2800" dirty="0" err="1"/>
+              <a:rPr lang="en-US" altLang="ko-KR" sz="2800" dirty="0" err="1">
+                <a:latin typeface="Chalkboard" panose="03050602040202020205" pitchFamily="66" charset="77"/>
+              </a:rPr>
               <a:t>l’art</a:t>
             </a:r>
-            <a:endParaRPr lang="en-US" altLang="ko-KR" sz="2800" dirty="0"/>
+            <a:endParaRPr lang="en-US" altLang="ko-KR" sz="2800" dirty="0">
+              <a:latin typeface="Chalkboard" panose="03050602040202020205" pitchFamily="66" charset="77"/>
+            </a:endParaRPr>
           </a:p>
         </p:txBody>
       </p:sp>
+      <p:pic>
+        <p:nvPicPr>
+          <p:cNvPr id="4" name="Picture 3">
+            <a:extLst>
+              <a:ext uri="{FF2B5EF4-FFF2-40B4-BE49-F238E27FC236}">
+                <a16:creationId xmlns:a16="http://schemas.microsoft.com/office/drawing/2014/main" id="{B6A8C067-8B71-CA4E-BE8F-0D33ED5C2A69}"/>
+              </a:ext>
+            </a:extLst>
+          </p:cNvPr>
+          <p:cNvPicPr>
+            <a:picLocks noChangeAspect="1"/>
+          </p:cNvPicPr>
+          <p:nvPr/>
+        </p:nvPicPr>
+        <p:blipFill>
+          <a:blip r:embed="rId3">
+            <a:extLst>
+              <a:ext uri="{28A0092B-C50C-407E-A947-70E740481C1C}">
+                <a14:useLocalDpi xmlns:a14="http://schemas.microsoft.com/office/drawing/2010/main" val="0"/>
+              </a:ext>
+            </a:extLst>
+          </a:blip>
+          <a:stretch>
+            <a:fillRect/>
+          </a:stretch>
+        </p:blipFill>
+        <p:spPr>
+          <a:xfrm>
+            <a:off x="3714750" y="1059582"/>
+            <a:ext cx="1714500" cy="2070100"/>
+          </a:xfrm>
+          <a:prstGeom prst="rect">
+            <a:avLst/>
+          </a:prstGeom>
+        </p:spPr>
+      </p:pic>
+      <p:pic>
+        <p:nvPicPr>
+          <p:cNvPr id="6" name="Picture 5">
+            <a:extLst>
+              <a:ext uri="{FF2B5EF4-FFF2-40B4-BE49-F238E27FC236}">
+                <a16:creationId xmlns:a16="http://schemas.microsoft.com/office/drawing/2014/main" id="{1B67213E-E65C-9744-8D9A-CA54DC1FA478}"/>
+              </a:ext>
+            </a:extLst>
+          </p:cNvPr>
+          <p:cNvPicPr>
+            <a:picLocks noChangeAspect="1"/>
+          </p:cNvPicPr>
+          <p:nvPr/>
+        </p:nvPicPr>
+        <p:blipFill>
+          <a:blip r:embed="rId4">
+            <a:extLst>
+              <a:ext uri="{28A0092B-C50C-407E-A947-70E740481C1C}">
+                <a14:useLocalDpi xmlns:a14="http://schemas.microsoft.com/office/drawing/2010/main" val="0"/>
+              </a:ext>
+            </a:extLst>
+          </a:blip>
+          <a:stretch>
+            <a:fillRect/>
+          </a:stretch>
+        </p:blipFill>
+        <p:spPr>
+          <a:xfrm>
+            <a:off x="2250899" y="999948"/>
+            <a:ext cx="4642202" cy="3051871"/>
+          </a:xfrm>
+          <a:prstGeom prst="rect">
+            <a:avLst/>
+          </a:prstGeom>
+        </p:spPr>
+      </p:pic>
     </p:spTree>
     <p:extLst>
       <p:ext uri="{BB962C8B-B14F-4D97-AF65-F5344CB8AC3E}">
@@ -39215,46 +43964,14 @@
           <a:lstStyle/>
           <a:p>
             <a:r>
-              <a:rPr lang="fr-FR" dirty="0"/>
+              <a:rPr lang="fr-FR" dirty="0">
+                <a:latin typeface="Chalkboard" panose="03050602040202020205" pitchFamily="66" charset="77"/>
+              </a:rPr>
               <a:t>État de l’art</a:t>
             </a:r>
           </a:p>
         </p:txBody>
       </p:sp>
-      <p:pic>
-        <p:nvPicPr>
-          <p:cNvPr id="5" name="Picture 4">
-            <a:extLst>
-              <a:ext uri="{FF2B5EF4-FFF2-40B4-BE49-F238E27FC236}">
-                <a16:creationId xmlns:a16="http://schemas.microsoft.com/office/drawing/2014/main" id="{65A489D0-6374-0A4D-819A-018FB8CCC8B9}"/>
-              </a:ext>
-            </a:extLst>
-          </p:cNvPr>
-          <p:cNvPicPr/>
-          <p:nvPr/>
-        </p:nvPicPr>
-        <p:blipFill>
-          <a:blip r:embed="rId3" cstate="print">
-            <a:extLst>
-              <a:ext uri="{28A0092B-C50C-407E-A947-70E740481C1C}">
-                <a14:useLocalDpi xmlns:a14="http://schemas.microsoft.com/office/drawing/2010/main" val="0"/>
-              </a:ext>
-            </a:extLst>
-          </a:blip>
-          <a:stretch>
-            <a:fillRect/>
-          </a:stretch>
-        </p:blipFill>
-        <p:spPr>
-          <a:xfrm>
-            <a:off x="87423" y="958824"/>
-            <a:ext cx="8820980" cy="3744416"/>
-          </a:xfrm>
-          <a:prstGeom prst="rect">
-            <a:avLst/>
-          </a:prstGeom>
-        </p:spPr>
-      </p:pic>
       <p:sp>
         <p:nvSpPr>
           <p:cNvPr id="6" name="Frame 5">
@@ -39309,6 +44026,247 @@
               <a:solidFill>
                 <a:schemeClr val="tx1"/>
               </a:solidFill>
+              <a:latin typeface="Chalkboard" panose="03050602040202020205" pitchFamily="66" charset="77"/>
+            </a:endParaRPr>
+          </a:p>
+        </p:txBody>
+      </p:sp>
+      <p:pic>
+        <p:nvPicPr>
+          <p:cNvPr id="2" name="Picture 1">
+            <a:extLst>
+              <a:ext uri="{FF2B5EF4-FFF2-40B4-BE49-F238E27FC236}">
+                <a16:creationId xmlns:a16="http://schemas.microsoft.com/office/drawing/2014/main" id="{ABBFBFE2-F571-1E4C-9D5A-EF73A7B9126F}"/>
+              </a:ext>
+            </a:extLst>
+          </p:cNvPr>
+          <p:cNvPicPr>
+            <a:picLocks noChangeAspect="1"/>
+          </p:cNvPicPr>
+          <p:nvPr/>
+        </p:nvPicPr>
+        <p:blipFill>
+          <a:blip r:embed="rId3"/>
+          <a:stretch>
+            <a:fillRect/>
+          </a:stretch>
+        </p:blipFill>
+        <p:spPr>
+          <a:xfrm>
+            <a:off x="323722" y="1469470"/>
+            <a:ext cx="2044700" cy="2311400"/>
+          </a:xfrm>
+          <a:prstGeom prst="rect">
+            <a:avLst/>
+          </a:prstGeom>
+        </p:spPr>
+      </p:pic>
+      <p:sp>
+        <p:nvSpPr>
+          <p:cNvPr id="7" name="Oval 6">
+            <a:extLst>
+              <a:ext uri="{FF2B5EF4-FFF2-40B4-BE49-F238E27FC236}">
+                <a16:creationId xmlns:a16="http://schemas.microsoft.com/office/drawing/2014/main" id="{2C562574-DCA3-5A4D-A822-4CF8639312F1}"/>
+              </a:ext>
+            </a:extLst>
+          </p:cNvPr>
+          <p:cNvSpPr/>
+          <p:nvPr/>
+        </p:nvSpPr>
+        <p:spPr>
+          <a:xfrm>
+            <a:off x="2773221" y="2049106"/>
+            <a:ext cx="628142" cy="576064"/>
+          </a:xfrm>
+          <a:prstGeom prst="ellipse">
+            <a:avLst/>
+          </a:prstGeom>
+          <a:solidFill>
+            <a:schemeClr val="accent1"/>
+          </a:solidFill>
+          <a:ln>
+            <a:noFill/>
+          </a:ln>
+        </p:spPr>
+        <p:style>
+          <a:lnRef idx="2">
+            <a:schemeClr val="accent1">
+              <a:shade val="50000"/>
+            </a:schemeClr>
+          </a:lnRef>
+          <a:fillRef idx="1">
+            <a:schemeClr val="accent1"/>
+          </a:fillRef>
+          <a:effectRef idx="0">
+            <a:schemeClr val="accent1"/>
+          </a:effectRef>
+          <a:fontRef idx="minor">
+            <a:schemeClr val="lt1"/>
+          </a:fontRef>
+        </p:style>
+        <p:txBody>
+          <a:bodyPr rot="0" spcFirstLastPara="0" vertOverflow="overflow" horzOverflow="overflow" vert="horz" wrap="square" lIns="91440" tIns="45720" rIns="91440" bIns="45720" numCol="1" spcCol="0" rtlCol="0" fromWordArt="0" anchor="ctr" anchorCtr="0" forceAA="0" compatLnSpc="1">
+            <a:noAutofit/>
+          </a:bodyPr>
+          <a:lstStyle/>
+          <a:p>
+            <a:pPr algn="ctr"/>
+            <a:endParaRPr lang="ko-KR" altLang="en-US">
+              <a:solidFill>
+                <a:srgbClr val="32AEB8"/>
+              </a:solidFill>
+              <a:latin typeface="Chalkboard" panose="03050602040202020205" pitchFamily="66" charset="77"/>
+            </a:endParaRPr>
+          </a:p>
+        </p:txBody>
+      </p:sp>
+      <p:sp>
+        <p:nvSpPr>
+          <p:cNvPr id="8" name="TextBox 7">
+            <a:extLst>
+              <a:ext uri="{FF2B5EF4-FFF2-40B4-BE49-F238E27FC236}">
+                <a16:creationId xmlns:a16="http://schemas.microsoft.com/office/drawing/2014/main" id="{8414DE37-5974-9E49-8084-8EAEF59E7A8E}"/>
+              </a:ext>
+            </a:extLst>
+          </p:cNvPr>
+          <p:cNvSpPr txBox="1"/>
+          <p:nvPr/>
+        </p:nvSpPr>
+        <p:spPr>
+          <a:xfrm>
+            <a:off x="3507204" y="2175555"/>
+            <a:ext cx="5315439" cy="553998"/>
+          </a:xfrm>
+          <a:prstGeom prst="rect">
+            <a:avLst/>
+          </a:prstGeom>
+          <a:noFill/>
+        </p:spPr>
+        <p:txBody>
+          <a:bodyPr wrap="square" rtlCol="0">
+            <a:spAutoFit/>
+          </a:bodyPr>
+          <a:lstStyle/>
+          <a:p>
+            <a:r>
+              <a:rPr lang="en-DZ" sz="1500" b="1" dirty="0">
+                <a:latin typeface="Chalkboard" panose="03050602040202020205" pitchFamily="66" charset="77"/>
+              </a:rPr>
+              <a:t>Open-domain QAS</a:t>
+            </a:r>
+            <a:r>
+              <a:rPr lang="fr-FR" sz="1500" dirty="0">
+                <a:latin typeface="Chalkboard" panose="03050602040202020205" pitchFamily="66" charset="77"/>
+              </a:rPr>
+              <a:t> : Répondre à n’importe quelle question sur n’importe quel sujet.</a:t>
+            </a:r>
+            <a:endParaRPr lang="fr-FR" sz="1500" b="1" dirty="0">
+              <a:latin typeface="Chalkboard" panose="03050602040202020205" pitchFamily="66" charset="77"/>
+            </a:endParaRPr>
+          </a:p>
+        </p:txBody>
+      </p:sp>
+      <p:sp>
+        <p:nvSpPr>
+          <p:cNvPr id="9" name="TextBox 8">
+            <a:extLst>
+              <a:ext uri="{FF2B5EF4-FFF2-40B4-BE49-F238E27FC236}">
+                <a16:creationId xmlns:a16="http://schemas.microsoft.com/office/drawing/2014/main" id="{B958C06E-8DA4-5443-8385-9BFEFB3B9CB8}"/>
+              </a:ext>
+            </a:extLst>
+          </p:cNvPr>
+          <p:cNvSpPr txBox="1"/>
+          <p:nvPr/>
+        </p:nvSpPr>
+        <p:spPr>
+          <a:xfrm>
+            <a:off x="3507204" y="3110652"/>
+            <a:ext cx="5421280" cy="523220"/>
+          </a:xfrm>
+          <a:prstGeom prst="rect">
+            <a:avLst/>
+          </a:prstGeom>
+          <a:noFill/>
+        </p:spPr>
+        <p:txBody>
+          <a:bodyPr wrap="square" rtlCol="0">
+            <a:spAutoFit/>
+          </a:bodyPr>
+          <a:lstStyle/>
+          <a:p>
+            <a:r>
+              <a:rPr lang="en-DZ" sz="1400" b="1" dirty="0">
+                <a:latin typeface="Chalkboard" panose="03050602040202020205" pitchFamily="66" charset="77"/>
+              </a:rPr>
+              <a:t>Closed domain QAS</a:t>
+            </a:r>
+            <a:r>
+              <a:rPr lang="fr-FR" sz="1400" dirty="0">
+                <a:latin typeface="Chalkboard" panose="03050602040202020205" pitchFamily="66" charset="77"/>
+              </a:rPr>
+              <a:t> : Répondre aux questions dans un domaine précis.</a:t>
+            </a:r>
+            <a:endParaRPr lang="fr-FR" sz="1400" b="1" dirty="0">
+              <a:latin typeface="Chalkboard" panose="03050602040202020205" pitchFamily="66" charset="77"/>
+            </a:endParaRPr>
+          </a:p>
+        </p:txBody>
+      </p:sp>
+      <p:sp>
+        <p:nvSpPr>
+          <p:cNvPr id="10" name="Oval 9">
+            <a:extLst>
+              <a:ext uri="{FF2B5EF4-FFF2-40B4-BE49-F238E27FC236}">
+                <a16:creationId xmlns:a16="http://schemas.microsoft.com/office/drawing/2014/main" id="{8EDCE9A7-1D0C-5B4A-AF56-E23A74C57E0C}"/>
+              </a:ext>
+            </a:extLst>
+          </p:cNvPr>
+          <p:cNvSpPr/>
+          <p:nvPr/>
+        </p:nvSpPr>
+        <p:spPr>
+          <a:xfrm>
+            <a:off x="2773221" y="3057808"/>
+            <a:ext cx="628142" cy="576064"/>
+          </a:xfrm>
+          <a:prstGeom prst="ellipse">
+            <a:avLst/>
+          </a:prstGeom>
+          <a:solidFill>
+            <a:schemeClr val="accent1"/>
+          </a:solidFill>
+          <a:ln>
+            <a:noFill/>
+          </a:ln>
+        </p:spPr>
+        <p:style>
+          <a:lnRef idx="2">
+            <a:schemeClr val="accent1">
+              <a:shade val="50000"/>
+            </a:schemeClr>
+          </a:lnRef>
+          <a:fillRef idx="1">
+            <a:schemeClr val="accent1"/>
+          </a:fillRef>
+          <a:effectRef idx="0">
+            <a:schemeClr val="accent1"/>
+          </a:effectRef>
+          <a:fontRef idx="minor">
+            <a:schemeClr val="lt1"/>
+          </a:fontRef>
+        </p:style>
+        <p:txBody>
+          <a:bodyPr rot="0" spcFirstLastPara="0" vertOverflow="overflow" horzOverflow="overflow" vert="horz" wrap="square" lIns="91440" tIns="45720" rIns="91440" bIns="45720" numCol="1" spcCol="0" rtlCol="0" fromWordArt="0" anchor="ctr" anchorCtr="0" forceAA="0" compatLnSpc="1">
+            <a:noAutofit/>
+          </a:bodyPr>
+          <a:lstStyle/>
+          <a:p>
+            <a:pPr algn="ctr"/>
+            <a:endParaRPr lang="ko-KR" altLang="en-US">
+              <a:solidFill>
+                <a:srgbClr val="32AEB8"/>
+              </a:solidFill>
+              <a:latin typeface="Chalkboard" panose="03050602040202020205" pitchFamily="66" charset="77"/>
             </a:endParaRPr>
           </a:p>
         </p:txBody>
@@ -39347,7 +44305,7 @@
                             </p:stCondLst>
                             <p:childTnLst>
                               <p:par>
-                                <p:cTn id="5" presetID="23" presetClass="entr" presetSubtype="16" fill="hold" nodeType="withEffect">
+                                <p:cTn id="5" presetID="42" presetClass="entr" presetSubtype="0" fill="hold" grpId="0" nodeType="afterEffect">
                                   <p:stCondLst>
                                     <p:cond delay="0"/>
                                   </p:stCondLst>
@@ -39360,7 +44318,7 @@
                                           </p:stCondLst>
                                         </p:cTn>
                                         <p:tgtEl>
-                                          <p:spTgt spid="5"/>
+                                          <p:spTgt spid="7"/>
                                         </p:tgtEl>
                                         <p:attrNameLst>
                                           <p:attrName>style.visibility</p:attrName>
@@ -39370,48 +44328,308 @@
                                         <p:strVal val="visible"/>
                                       </p:to>
                                     </p:set>
+                                    <p:animEffect transition="in" filter="fade">
+                                      <p:cBhvr>
+                                        <p:cTn id="7" dur="1000"/>
+                                        <p:tgtEl>
+                                          <p:spTgt spid="7"/>
+                                        </p:tgtEl>
+                                      </p:cBhvr>
+                                    </p:animEffect>
                                     <p:anim calcmode="lin" valueType="num">
                                       <p:cBhvr>
-                                        <p:cTn id="7" dur="1000" fill="hold"/>
+                                        <p:cTn id="8" dur="1000" fill="hold"/>
                                         <p:tgtEl>
-                                          <p:spTgt spid="5"/>
+                                          <p:spTgt spid="7"/>
                                         </p:tgtEl>
                                         <p:attrNameLst>
-                                          <p:attrName>ppt_w</p:attrName>
+                                          <p:attrName>ppt_x</p:attrName>
                                         </p:attrNameLst>
                                       </p:cBhvr>
                                       <p:tavLst>
                                         <p:tav tm="0">
                                           <p:val>
-                                            <p:fltVal val="0"/>
+                                            <p:strVal val="#ppt_x"/>
                                           </p:val>
                                         </p:tav>
                                         <p:tav tm="100000">
                                           <p:val>
-                                            <p:strVal val="#ppt_w"/>
+                                            <p:strVal val="#ppt_x"/>
                                           </p:val>
                                         </p:tav>
                                       </p:tavLst>
                                     </p:anim>
                                     <p:anim calcmode="lin" valueType="num">
                                       <p:cBhvr>
-                                        <p:cTn id="8" dur="1000" fill="hold"/>
+                                        <p:cTn id="9" dur="1000" fill="hold"/>
                                         <p:tgtEl>
-                                          <p:spTgt spid="5"/>
+                                          <p:spTgt spid="7"/>
                                         </p:tgtEl>
                                         <p:attrNameLst>
-                                          <p:attrName>ppt_h</p:attrName>
+                                          <p:attrName>ppt_y</p:attrName>
                                         </p:attrNameLst>
                                       </p:cBhvr>
                                       <p:tavLst>
                                         <p:tav tm="0">
                                           <p:val>
-                                            <p:fltVal val="0"/>
+                                            <p:strVal val="#ppt_y+.1"/>
                                           </p:val>
                                         </p:tav>
                                         <p:tav tm="100000">
                                           <p:val>
-                                            <p:strVal val="#ppt_h"/>
+                                            <p:strVal val="#ppt_y"/>
+                                          </p:val>
+                                        </p:tav>
+                                      </p:tavLst>
+                                    </p:anim>
+                                  </p:childTnLst>
+                                </p:cTn>
+                              </p:par>
+                              <p:par>
+                                <p:cTn id="10" presetID="42" presetClass="entr" presetSubtype="0" fill="hold" grpId="0" nodeType="withEffect">
+                                  <p:stCondLst>
+                                    <p:cond delay="0"/>
+                                  </p:stCondLst>
+                                  <p:childTnLst>
+                                    <p:set>
+                                      <p:cBhvr>
+                                        <p:cTn id="11" dur="1" fill="hold">
+                                          <p:stCondLst>
+                                            <p:cond delay="0"/>
+                                          </p:stCondLst>
+                                        </p:cTn>
+                                        <p:tgtEl>
+                                          <p:spTgt spid="8"/>
+                                        </p:tgtEl>
+                                        <p:attrNameLst>
+                                          <p:attrName>style.visibility</p:attrName>
+                                        </p:attrNameLst>
+                                      </p:cBhvr>
+                                      <p:to>
+                                        <p:strVal val="visible"/>
+                                      </p:to>
+                                    </p:set>
+                                    <p:animEffect transition="in" filter="fade">
+                                      <p:cBhvr>
+                                        <p:cTn id="12" dur="1000"/>
+                                        <p:tgtEl>
+                                          <p:spTgt spid="8"/>
+                                        </p:tgtEl>
+                                      </p:cBhvr>
+                                    </p:animEffect>
+                                    <p:anim calcmode="lin" valueType="num">
+                                      <p:cBhvr>
+                                        <p:cTn id="13" dur="1000" fill="hold"/>
+                                        <p:tgtEl>
+                                          <p:spTgt spid="8"/>
+                                        </p:tgtEl>
+                                        <p:attrNameLst>
+                                          <p:attrName>ppt_x</p:attrName>
+                                        </p:attrNameLst>
+                                      </p:cBhvr>
+                                      <p:tavLst>
+                                        <p:tav tm="0">
+                                          <p:val>
+                                            <p:strVal val="#ppt_x"/>
+                                          </p:val>
+                                        </p:tav>
+                                        <p:tav tm="100000">
+                                          <p:val>
+                                            <p:strVal val="#ppt_x"/>
+                                          </p:val>
+                                        </p:tav>
+                                      </p:tavLst>
+                                    </p:anim>
+                                    <p:anim calcmode="lin" valueType="num">
+                                      <p:cBhvr>
+                                        <p:cTn id="14" dur="1000" fill="hold"/>
+                                        <p:tgtEl>
+                                          <p:spTgt spid="8"/>
+                                        </p:tgtEl>
+                                        <p:attrNameLst>
+                                          <p:attrName>ppt_y</p:attrName>
+                                        </p:attrNameLst>
+                                      </p:cBhvr>
+                                      <p:tavLst>
+                                        <p:tav tm="0">
+                                          <p:val>
+                                            <p:strVal val="#ppt_y+.1"/>
+                                          </p:val>
+                                        </p:tav>
+                                        <p:tav tm="100000">
+                                          <p:val>
+                                            <p:strVal val="#ppt_y"/>
+                                          </p:val>
+                                        </p:tav>
+                                      </p:tavLst>
+                                    </p:anim>
+                                  </p:childTnLst>
+                                </p:cTn>
+                              </p:par>
+                            </p:childTnLst>
+                          </p:cTn>
+                        </p:par>
+                        <p:par>
+                          <p:cTn id="15" fill="hold">
+                            <p:stCondLst>
+                              <p:cond delay="1000"/>
+                            </p:stCondLst>
+                            <p:childTnLst>
+                              <p:par>
+                                <p:cTn id="16" presetID="42" presetClass="entr" presetSubtype="0" fill="hold" grpId="0" nodeType="afterEffect">
+                                  <p:stCondLst>
+                                    <p:cond delay="0"/>
+                                  </p:stCondLst>
+                                  <p:childTnLst>
+                                    <p:set>
+                                      <p:cBhvr>
+                                        <p:cTn id="17" dur="1" fill="hold">
+                                          <p:stCondLst>
+                                            <p:cond delay="0"/>
+                                          </p:stCondLst>
+                                        </p:cTn>
+                                        <p:tgtEl>
+                                          <p:spTgt spid="10"/>
+                                        </p:tgtEl>
+                                        <p:attrNameLst>
+                                          <p:attrName>style.visibility</p:attrName>
+                                        </p:attrNameLst>
+                                      </p:cBhvr>
+                                      <p:to>
+                                        <p:strVal val="visible"/>
+                                      </p:to>
+                                    </p:set>
+                                    <p:animEffect transition="in" filter="fade">
+                                      <p:cBhvr>
+                                        <p:cTn id="18" dur="1000"/>
+                                        <p:tgtEl>
+                                          <p:spTgt spid="10"/>
+                                        </p:tgtEl>
+                                      </p:cBhvr>
+                                    </p:animEffect>
+                                    <p:anim calcmode="lin" valueType="num">
+                                      <p:cBhvr>
+                                        <p:cTn id="19" dur="1000" fill="hold"/>
+                                        <p:tgtEl>
+                                          <p:spTgt spid="10"/>
+                                        </p:tgtEl>
+                                        <p:attrNameLst>
+                                          <p:attrName>ppt_x</p:attrName>
+                                        </p:attrNameLst>
+                                      </p:cBhvr>
+                                      <p:tavLst>
+                                        <p:tav tm="0">
+                                          <p:val>
+                                            <p:strVal val="#ppt_x"/>
+                                          </p:val>
+                                        </p:tav>
+                                        <p:tav tm="100000">
+                                          <p:val>
+                                            <p:strVal val="#ppt_x"/>
+                                          </p:val>
+                                        </p:tav>
+                                      </p:tavLst>
+                                    </p:anim>
+                                    <p:anim calcmode="lin" valueType="num">
+                                      <p:cBhvr>
+                                        <p:cTn id="20" dur="1000" fill="hold"/>
+                                        <p:tgtEl>
+                                          <p:spTgt spid="10"/>
+                                        </p:tgtEl>
+                                        <p:attrNameLst>
+                                          <p:attrName>ppt_y</p:attrName>
+                                        </p:attrNameLst>
+                                      </p:cBhvr>
+                                      <p:tavLst>
+                                        <p:tav tm="0">
+                                          <p:val>
+                                            <p:strVal val="#ppt_y+.1"/>
+                                          </p:val>
+                                        </p:tav>
+                                        <p:tav tm="100000">
+                                          <p:val>
+                                            <p:strVal val="#ppt_y"/>
+                                          </p:val>
+                                        </p:tav>
+                                      </p:tavLst>
+                                    </p:anim>
+                                  </p:childTnLst>
+                                </p:cTn>
+                              </p:par>
+                              <p:par>
+                                <p:cTn id="21" presetID="42" presetClass="entr" presetSubtype="0" fill="hold" grpId="0" nodeType="withEffect">
+                                  <p:stCondLst>
+                                    <p:cond delay="0"/>
+                                  </p:stCondLst>
+                                  <p:childTnLst>
+                                    <p:set>
+                                      <p:cBhvr>
+                                        <p:cTn id="22" dur="1" fill="hold">
+                                          <p:stCondLst>
+                                            <p:cond delay="0"/>
+                                          </p:stCondLst>
+                                        </p:cTn>
+                                        <p:tgtEl>
+                                          <p:spTgt spid="9"/>
+                                        </p:tgtEl>
+                                        <p:attrNameLst>
+                                          <p:attrName>style.visibility</p:attrName>
+                                        </p:attrNameLst>
+                                      </p:cBhvr>
+                                      <p:to>
+                                        <p:strVal val="visible"/>
+                                      </p:to>
+                                    </p:set>
+                                    <p:animEffect transition="in" filter="fade">
+                                      <p:cBhvr>
+                                        <p:cTn id="23" dur="1000"/>
+                                        <p:tgtEl>
+                                          <p:spTgt spid="9"/>
+                                        </p:tgtEl>
+                                      </p:cBhvr>
+                                    </p:animEffect>
+                                    <p:anim calcmode="lin" valueType="num">
+                                      <p:cBhvr>
+                                        <p:cTn id="24" dur="1000" fill="hold"/>
+                                        <p:tgtEl>
+                                          <p:spTgt spid="9"/>
+                                        </p:tgtEl>
+                                        <p:attrNameLst>
+                                          <p:attrName>ppt_x</p:attrName>
+                                        </p:attrNameLst>
+                                      </p:cBhvr>
+                                      <p:tavLst>
+                                        <p:tav tm="0">
+                                          <p:val>
+                                            <p:strVal val="#ppt_x"/>
+                                          </p:val>
+                                        </p:tav>
+                                        <p:tav tm="100000">
+                                          <p:val>
+                                            <p:strVal val="#ppt_x"/>
+                                          </p:val>
+                                        </p:tav>
+                                      </p:tavLst>
+                                    </p:anim>
+                                    <p:anim calcmode="lin" valueType="num">
+                                      <p:cBhvr>
+                                        <p:cTn id="25" dur="1000" fill="hold"/>
+                                        <p:tgtEl>
+                                          <p:spTgt spid="9"/>
+                                        </p:tgtEl>
+                                        <p:attrNameLst>
+                                          <p:attrName>ppt_y</p:attrName>
+                                        </p:attrNameLst>
+                                      </p:cBhvr>
+                                      <p:tavLst>
+                                        <p:tav tm="0">
+                                          <p:val>
+                                            <p:strVal val="#ppt_y+.1"/>
+                                          </p:val>
+                                        </p:tav>
+                                        <p:tav tm="100000">
+                                          <p:val>
+                                            <p:strVal val="#ppt_y"/>
                                           </p:val>
                                         </p:tav>
                                       </p:tavLst>
@@ -39446,6 +44664,12 @@
         </p:cTn>
       </p:par>
     </p:tnLst>
+    <p:bldLst>
+      <p:bldP spid="7" grpId="0" animBg="1"/>
+      <p:bldP spid="8" grpId="0"/>
+      <p:bldP spid="9" grpId="0"/>
+      <p:bldP spid="10" grpId="0" animBg="1"/>
+    </p:bldLst>
   </p:timing>
 </p:sld>
 </file>
@@ -39488,12 +44712,86 @@
           <a:lstStyle/>
           <a:p>
             <a:r>
-              <a:rPr lang="fr-FR" altLang="ko-KR" dirty="0"/>
+              <a:rPr lang="fr-FR" altLang="ko-KR" dirty="0">
+                <a:latin typeface="Chalkboard" panose="03050602040202020205" pitchFamily="66" charset="77"/>
+              </a:rPr>
               <a:t>Généralités</a:t>
             </a:r>
           </a:p>
         </p:txBody>
       </p:sp>
+      <p:pic>
+        <p:nvPicPr>
+          <p:cNvPr id="5" name="Picture 4">
+            <a:extLst>
+              <a:ext uri="{FF2B5EF4-FFF2-40B4-BE49-F238E27FC236}">
+                <a16:creationId xmlns:a16="http://schemas.microsoft.com/office/drawing/2014/main" id="{417F8290-4042-A049-A5DD-0C20093E3F61}"/>
+              </a:ext>
+            </a:extLst>
+          </p:cNvPr>
+          <p:cNvPicPr>
+            <a:picLocks noChangeAspect="1"/>
+          </p:cNvPicPr>
+          <p:nvPr/>
+        </p:nvPicPr>
+        <p:blipFill>
+          <a:blip r:embed="rId3">
+            <a:extLst>
+              <a:ext uri="{28A0092B-C50C-407E-A947-70E740481C1C}">
+                <a14:useLocalDpi xmlns:a14="http://schemas.microsoft.com/office/drawing/2010/main" val="0"/>
+              </a:ext>
+            </a:extLst>
+          </a:blip>
+          <a:stretch>
+            <a:fillRect/>
+          </a:stretch>
+        </p:blipFill>
+        <p:spPr>
+          <a:xfrm>
+            <a:off x="3714750" y="1059582"/>
+            <a:ext cx="1714500" cy="2070100"/>
+          </a:xfrm>
+          <a:prstGeom prst="rect">
+            <a:avLst/>
+          </a:prstGeom>
+        </p:spPr>
+      </p:pic>
+      <p:pic>
+        <p:nvPicPr>
+          <p:cNvPr id="7" name="Picture 6">
+            <a:extLst>
+              <a:ext uri="{FF2B5EF4-FFF2-40B4-BE49-F238E27FC236}">
+                <a16:creationId xmlns:a16="http://schemas.microsoft.com/office/drawing/2014/main" id="{CA021300-AB1D-4A44-AE86-4A06EF3B622A}"/>
+              </a:ext>
+            </a:extLst>
+          </p:cNvPr>
+          <p:cNvPicPr>
+            <a:picLocks noChangeAspect="1"/>
+          </p:cNvPicPr>
+          <p:nvPr/>
+        </p:nvPicPr>
+        <p:blipFill>
+          <a:blip r:embed="rId4">
+            <a:extLst>
+              <a:ext uri="{28A0092B-C50C-407E-A947-70E740481C1C}">
+                <a14:useLocalDpi xmlns:a14="http://schemas.microsoft.com/office/drawing/2010/main" val="0"/>
+              </a:ext>
+            </a:extLst>
+          </a:blip>
+          <a:stretch>
+            <a:fillRect/>
+          </a:stretch>
+        </p:blipFill>
+        <p:spPr>
+          <a:xfrm>
+            <a:off x="2529027" y="987574"/>
+            <a:ext cx="4085945" cy="2813274"/>
+          </a:xfrm>
+          <a:prstGeom prst="rect">
+            <a:avLst/>
+          </a:prstGeom>
+        </p:spPr>
+      </p:pic>
     </p:spTree>
     <p:extLst>
       <p:ext uri="{BB962C8B-B14F-4D97-AF65-F5344CB8AC3E}">
